--- a/Thuyettrinh/PPGroup 5.pptx
+++ b/Thuyettrinh/PPGroup 5.pptx
@@ -2794,6 +2794,13 @@
         </dgm:presLayoutVars>
       </dgm:prSet>
       <dgm:spPr/>
+      <dgm:t>
+        <a:bodyPr/>
+        <a:lstStyle/>
+        <a:p>
+          <a:endParaRPr lang="vi-VN"/>
+        </a:p>
+      </dgm:t>
     </dgm:pt>
     <dgm:pt modelId="{0EA4F3E8-553F-4EFD-B93A-30208C0D70EA}" type="pres">
       <dgm:prSet presAssocID="{47D4CDEB-5877-4E14-A99F-FE1499A61DC7}" presName="composite" presStyleCnt="0"/>
@@ -2824,6 +2831,13 @@
         </dgm:presLayoutVars>
       </dgm:prSet>
       <dgm:spPr/>
+      <dgm:t>
+        <a:bodyPr/>
+        <a:lstStyle/>
+        <a:p>
+          <a:endParaRPr lang="vi-VN"/>
+        </a:p>
+      </dgm:t>
     </dgm:pt>
     <dgm:pt modelId="{CCCFDCEE-79DB-4EF7-89F9-A1C785AB6BC5}" type="pres">
       <dgm:prSet presAssocID="{741A7435-39C0-41BA-B8EE-C2A516D64D29}" presName="spacing" presStyleCnt="0"/>
@@ -2858,6 +2872,13 @@
         </dgm:presLayoutVars>
       </dgm:prSet>
       <dgm:spPr/>
+      <dgm:t>
+        <a:bodyPr/>
+        <a:lstStyle/>
+        <a:p>
+          <a:endParaRPr lang="vi-VN"/>
+        </a:p>
+      </dgm:t>
     </dgm:pt>
     <dgm:pt modelId="{E303AF7B-0E2F-43D6-87D7-1A5E5B633BF1}" type="pres">
       <dgm:prSet presAssocID="{BE86BD8B-393B-45CE-89FC-D07B3F812A8F}" presName="spacing" presStyleCnt="0"/>
@@ -2892,6 +2913,13 @@
         </dgm:presLayoutVars>
       </dgm:prSet>
       <dgm:spPr/>
+      <dgm:t>
+        <a:bodyPr/>
+        <a:lstStyle/>
+        <a:p>
+          <a:endParaRPr lang="vi-VN"/>
+        </a:p>
+      </dgm:t>
     </dgm:pt>
     <dgm:pt modelId="{DED57849-8F88-473B-9C10-3C84666DE9F4}" type="pres">
       <dgm:prSet presAssocID="{ED361EEE-4712-4BCD-9D5C-C983CF5C3B04}" presName="spacing" presStyleCnt="0"/>
@@ -2926,6 +2954,13 @@
         </dgm:presLayoutVars>
       </dgm:prSet>
       <dgm:spPr/>
+      <dgm:t>
+        <a:bodyPr/>
+        <a:lstStyle/>
+        <a:p>
+          <a:endParaRPr lang="vi-VN"/>
+        </a:p>
+      </dgm:t>
     </dgm:pt>
     <dgm:pt modelId="{90E89171-EFBD-4242-B02E-98CCB474938B}" type="pres">
       <dgm:prSet presAssocID="{3AB9A9C8-CE0E-40BF-87C5-78D8C2FD0725}" presName="spacing" presStyleCnt="0"/>
@@ -2960,6 +2995,13 @@
         </dgm:presLayoutVars>
       </dgm:prSet>
       <dgm:spPr/>
+      <dgm:t>
+        <a:bodyPr/>
+        <a:lstStyle/>
+        <a:p>
+          <a:endParaRPr lang="vi-VN"/>
+        </a:p>
+      </dgm:t>
     </dgm:pt>
     <dgm:pt modelId="{4DAD922B-2257-4034-9C01-F005DB132C4E}" type="pres">
       <dgm:prSet presAssocID="{54A31018-EBDD-440E-BCB7-20F73CDE1712}" presName="spacing" presStyleCnt="0"/>
@@ -2994,6 +3036,13 @@
         </dgm:presLayoutVars>
       </dgm:prSet>
       <dgm:spPr/>
+      <dgm:t>
+        <a:bodyPr/>
+        <a:lstStyle/>
+        <a:p>
+          <a:endParaRPr lang="vi-VN"/>
+        </a:p>
+      </dgm:t>
     </dgm:pt>
     <dgm:pt modelId="{C1FA0BAD-F713-4A95-8EC6-639E346CB7B3}" type="pres">
       <dgm:prSet presAssocID="{64EA9812-843D-4987-B4E6-20E32586A443}" presName="spacing" presStyleCnt="0"/>
@@ -3028,6 +3077,13 @@
         </dgm:presLayoutVars>
       </dgm:prSet>
       <dgm:spPr/>
+      <dgm:t>
+        <a:bodyPr/>
+        <a:lstStyle/>
+        <a:p>
+          <a:endParaRPr lang="vi-VN"/>
+        </a:p>
+      </dgm:t>
     </dgm:pt>
     <dgm:pt modelId="{891E326E-7469-45FF-97C3-C3AE42E2269A}" type="pres">
       <dgm:prSet presAssocID="{FB4DB1A3-00BA-466A-89CC-1978F44C9A9B}" presName="spacing" presStyleCnt="0"/>
@@ -3062,6 +3118,13 @@
         </dgm:presLayoutVars>
       </dgm:prSet>
       <dgm:spPr/>
+      <dgm:t>
+        <a:bodyPr/>
+        <a:lstStyle/>
+        <a:p>
+          <a:endParaRPr lang="vi-VN"/>
+        </a:p>
+      </dgm:t>
     </dgm:pt>
   </dgm:ptLst>
   <dgm:cxnLst>
@@ -3322,6 +3385,13 @@
         </dgm:presLayoutVars>
       </dgm:prSet>
       <dgm:spPr/>
+      <dgm:t>
+        <a:bodyPr/>
+        <a:lstStyle/>
+        <a:p>
+          <a:endParaRPr lang="vi-VN"/>
+        </a:p>
+      </dgm:t>
     </dgm:pt>
     <dgm:pt modelId="{027919CC-655E-4C36-B1DB-C08F8E55B562}" type="pres">
       <dgm:prSet presAssocID="{485222BD-98BA-4AE2-A290-CE505F38489C}" presName="parentText" presStyleLbl="node1" presStyleIdx="0" presStyleCnt="4" custScaleY="88404" custLinFactY="-14515" custLinFactNeighborX="-158" custLinFactNeighborY="-100000">
@@ -3331,6 +3401,13 @@
         </dgm:presLayoutVars>
       </dgm:prSet>
       <dgm:spPr/>
+      <dgm:t>
+        <a:bodyPr/>
+        <a:lstStyle/>
+        <a:p>
+          <a:endParaRPr lang="vi-VN"/>
+        </a:p>
+      </dgm:t>
     </dgm:pt>
     <dgm:pt modelId="{AC9CC3C9-6989-454B-93AF-4922FE97FD83}" type="pres">
       <dgm:prSet presAssocID="{C6D3625D-89F0-4FF4-BEB9-E30B3FDC01A3}" presName="spacer" presStyleCnt="0"/>
@@ -3344,6 +3421,13 @@
         </dgm:presLayoutVars>
       </dgm:prSet>
       <dgm:spPr/>
+      <dgm:t>
+        <a:bodyPr/>
+        <a:lstStyle/>
+        <a:p>
+          <a:endParaRPr lang="vi-VN"/>
+        </a:p>
+      </dgm:t>
     </dgm:pt>
     <dgm:pt modelId="{D048B9B4-836C-41DE-B723-847477E90A1F}" type="pres">
       <dgm:prSet presAssocID="{6E67B1E4-99D1-40AD-B52E-C6E316D5AB26}" presName="spacer" presStyleCnt="0"/>
@@ -3357,6 +3441,13 @@
         </dgm:presLayoutVars>
       </dgm:prSet>
       <dgm:spPr/>
+      <dgm:t>
+        <a:bodyPr/>
+        <a:lstStyle/>
+        <a:p>
+          <a:endParaRPr lang="vi-VN"/>
+        </a:p>
+      </dgm:t>
     </dgm:pt>
     <dgm:pt modelId="{E5C80C92-9E30-4320-8FD1-211B4E1BD37C}" type="pres">
       <dgm:prSet presAssocID="{D4B5546E-35DB-4972-9977-CF3208E886E5}" presName="spacer" presStyleCnt="0"/>
@@ -3370,6 +3461,13 @@
         </dgm:presLayoutVars>
       </dgm:prSet>
       <dgm:spPr/>
+      <dgm:t>
+        <a:bodyPr/>
+        <a:lstStyle/>
+        <a:p>
+          <a:endParaRPr lang="vi-VN"/>
+        </a:p>
+      </dgm:t>
     </dgm:pt>
   </dgm:ptLst>
   <dgm:cxnLst>
@@ -3572,6 +3670,13 @@
         </dgm:presLayoutVars>
       </dgm:prSet>
       <dgm:spPr/>
+      <dgm:t>
+        <a:bodyPr/>
+        <a:lstStyle/>
+        <a:p>
+          <a:endParaRPr lang="vi-VN"/>
+        </a:p>
+      </dgm:t>
     </dgm:pt>
     <dgm:pt modelId="{83EE90B6-60EE-43E4-B27C-86C73C0B4396}" type="pres">
       <dgm:prSet presAssocID="{6FA67129-1CC7-470B-B489-3BBCA755256B}" presName="arrow" presStyleLbl="bgShp" presStyleIdx="0" presStyleCnt="1"/>
@@ -3588,6 +3693,13 @@
         </dgm:presLayoutVars>
       </dgm:prSet>
       <dgm:spPr/>
+      <dgm:t>
+        <a:bodyPr/>
+        <a:lstStyle/>
+        <a:p>
+          <a:endParaRPr lang="vi-VN"/>
+        </a:p>
+      </dgm:t>
     </dgm:pt>
     <dgm:pt modelId="{70847D7D-ED84-494D-9791-A59A60FFD2BF}" type="pres">
       <dgm:prSet presAssocID="{70A0C411-6924-4569-A22E-ADB30CF9BF94}" presName="sibTrans" presStyleCnt="0"/>
@@ -3600,6 +3712,13 @@
         </dgm:presLayoutVars>
       </dgm:prSet>
       <dgm:spPr/>
+      <dgm:t>
+        <a:bodyPr/>
+        <a:lstStyle/>
+        <a:p>
+          <a:endParaRPr lang="vi-VN"/>
+        </a:p>
+      </dgm:t>
     </dgm:pt>
     <dgm:pt modelId="{329831F5-AD96-456C-A068-BF152C6D9DBF}" type="pres">
       <dgm:prSet presAssocID="{2D8EAF8D-ACB0-483F-BA73-D30F728FFAE5}" presName="sibTrans" presStyleCnt="0"/>
@@ -3612,11 +3731,18 @@
         </dgm:presLayoutVars>
       </dgm:prSet>
       <dgm:spPr/>
+      <dgm:t>
+        <a:bodyPr/>
+        <a:lstStyle/>
+        <a:p>
+          <a:endParaRPr lang="vi-VN"/>
+        </a:p>
+      </dgm:t>
     </dgm:pt>
   </dgm:ptLst>
   <dgm:cxnLst>
+    <dgm:cxn modelId="{2CC51B2E-47A8-41D2-A23C-88C1F15D5F10}" type="presOf" srcId="{5E8058E8-5A7D-4741-9429-80B75B52D4D5}" destId="{A6816818-B7D6-4E17-99E0-B6E1A38932D8}" srcOrd="0" destOrd="0" presId="urn:microsoft.com/office/officeart/2005/8/layout/hProcess9"/>
     <dgm:cxn modelId="{5DBC6682-C809-49AF-A96F-74944F84B69C}" srcId="{6FA67129-1CC7-470B-B489-3BBCA755256B}" destId="{77C8C26A-D559-4484-8FC2-D48EB947B21B}" srcOrd="0" destOrd="0" parTransId="{F60BB1E0-5350-4661-A1AB-1410DE5FD7A2}" sibTransId="{70A0C411-6924-4569-A22E-ADB30CF9BF94}"/>
-    <dgm:cxn modelId="{2CC51B2E-47A8-41D2-A23C-88C1F15D5F10}" type="presOf" srcId="{5E8058E8-5A7D-4741-9429-80B75B52D4D5}" destId="{A6816818-B7D6-4E17-99E0-B6E1A38932D8}" srcOrd="0" destOrd="0" presId="urn:microsoft.com/office/officeart/2005/8/layout/hProcess9"/>
     <dgm:cxn modelId="{47DC75FD-9D68-409C-81D1-5462DA9853AF}" type="presOf" srcId="{77C8C26A-D559-4484-8FC2-D48EB947B21B}" destId="{EFDEF519-7B56-4523-BA41-14F42E53D9FA}" srcOrd="0" destOrd="0" presId="urn:microsoft.com/office/officeart/2005/8/layout/hProcess9"/>
     <dgm:cxn modelId="{5B4D3560-02A5-4FE2-BEBB-05982CB559BA}" type="presOf" srcId="{6FA67129-1CC7-470B-B489-3BBCA755256B}" destId="{D7E672F6-6E40-4876-92E8-C6D23BA87FB2}" srcOrd="0" destOrd="0" presId="urn:microsoft.com/office/officeart/2005/8/layout/hProcess9"/>
     <dgm:cxn modelId="{7FA25007-6678-437E-A205-E76BCDD84125}" srcId="{6FA67129-1CC7-470B-B489-3BBCA755256B}" destId="{5E8058E8-5A7D-4741-9429-80B75B52D4D5}" srcOrd="2" destOrd="0" parTransId="{06594CDD-756A-4609-910B-832AEF542027}" sibTransId="{B40F5E95-7E6E-4675-961D-211126A45985}"/>
@@ -13569,18 +13695,7 @@
                 <a:ea typeface="맑은 고딕" pitchFamily="50" charset="-127"/>
                 <a:cs typeface="Arial" pitchFamily="34" charset="0"/>
               </a:rPr>
-              <a:t>CAPSTONE </a:t>
-            </a:r>
-            <a:r>
-              <a:rPr lang="en-US" altLang="ko-KR" sz="2000" b="1" smtClean="0">
-                <a:solidFill>
-                  <a:srgbClr val="DE535A"/>
-                </a:solidFill>
-                <a:latin typeface="Arial" pitchFamily="34" charset="0"/>
-                <a:ea typeface="맑은 고딕" pitchFamily="50" charset="-127"/>
-                <a:cs typeface="Arial" pitchFamily="34" charset="0"/>
-              </a:rPr>
-              <a:t>PROJECT</a:t>
+              <a:t>CAPSTONE PROJECT</a:t>
             </a:r>
             <a:endParaRPr lang="en-US" altLang="ko-KR" sz="2000" b="1" dirty="0" smtClean="0">
               <a:solidFill>
@@ -13588,57 +13703,6 @@
               </a:solidFill>
               <a:latin typeface="Arial" pitchFamily="34" charset="0"/>
               <a:ea typeface="맑은 고딕" pitchFamily="50" charset="-127"/>
-              <a:cs typeface="Arial" pitchFamily="34" charset="0"/>
-            </a:endParaRPr>
-          </a:p>
-        </p:txBody>
-      </p:sp>
-      <p:sp>
-        <p:nvSpPr>
-          <p:cNvPr id="7" name="TextBox 6">
-            <a:hlinkClick r:id="rId2"/>
-          </p:cNvPr>
-          <p:cNvSpPr txBox="1"/>
-          <p:nvPr/>
-        </p:nvSpPr>
-        <p:spPr>
-          <a:xfrm>
-            <a:off x="0" y="6597932"/>
-            <a:ext cx="9144000" cy="215444"/>
-          </a:xfrm>
-          <a:prstGeom prst="rect">
-            <a:avLst/>
-          </a:prstGeom>
-          <a:noFill/>
-        </p:spPr>
-        <p:txBody>
-          <a:bodyPr wrap="square" rtlCol="0">
-            <a:spAutoFit/>
-          </a:bodyPr>
-          <a:lstStyle/>
-          <a:p>
-            <a:pPr algn="ctr"/>
-            <a:r>
-              <a:rPr lang="en-US" altLang="ko-KR" sz="800" dirty="0" smtClean="0">
-                <a:solidFill>
-                  <a:schemeClr val="tx1">
-                    <a:lumMod val="75000"/>
-                    <a:lumOff val="25000"/>
-                  </a:schemeClr>
-                </a:solidFill>
-                <a:latin typeface="Arial" pitchFamily="34" charset="0"/>
-                <a:cs typeface="Arial" pitchFamily="34" charset="0"/>
-              </a:rPr>
-              <a:t>ALLPPT.com _ Free PowerPoint Templates, Diagrams and Charts</a:t>
-            </a:r>
-            <a:endParaRPr lang="ko-KR" altLang="en-US" sz="800" dirty="0">
-              <a:solidFill>
-                <a:schemeClr val="tx1">
-                  <a:lumMod val="75000"/>
-                  <a:lumOff val="25000"/>
-                </a:schemeClr>
-              </a:solidFill>
-              <a:latin typeface="Arial" pitchFamily="34" charset="0"/>
               <a:cs typeface="Arial" pitchFamily="34" charset="0"/>
             </a:endParaRPr>
           </a:p>
@@ -13730,14 +13794,7 @@
                 <a:latin typeface="Arial" pitchFamily="34" charset="0"/>
                 <a:cs typeface="Arial" pitchFamily="34" charset="0"/>
               </a:rPr>
-              <a:t>Circuit display the battery capacity </a:t>
-            </a:r>
-            <a:r>
-              <a:rPr lang="en-US" sz="2400" b="1">
-                <a:latin typeface="Arial" pitchFamily="34" charset="0"/>
-                <a:cs typeface="Arial" pitchFamily="34" charset="0"/>
-              </a:rPr>
-              <a:t>via </a:t>
+              <a:t>Circuit display the battery capacity via </a:t>
             </a:r>
             <a:r>
               <a:rPr lang="en-US" sz="2400" b="1" smtClean="0">
@@ -13812,25 +13869,7 @@
               <a:srgbClr val="FFFFFF"/>
             </a:contourClr>
           </a:sp3d>
-          <a:extLst>
-            <a:ext uri="{909E8E84-426E-40DD-AFC4-6F175D3DCCD1}">
-              <a14:hiddenFill xmlns:a14="http://schemas.microsoft.com/office/drawing/2010/main">
-                <a:solidFill>
-                  <a:srgbClr val="FFFFFF"/>
-                </a:solidFill>
-              </a14:hiddenFill>
-            </a:ext>
-            <a:ext uri="{91240B29-F687-4F45-9708-019B960494DF}">
-              <a14:hiddenLine xmlns:a14="http://schemas.microsoft.com/office/drawing/2010/main" w="9525">
-                <a:solidFill>
-                  <a:srgbClr val="000000"/>
-                </a:solidFill>
-                <a:miter lim="800000"/>
-                <a:headEnd/>
-                <a:tailEnd/>
-              </a14:hiddenLine>
-            </a:ext>
-          </a:extLst>
+          <a:extLst/>
         </p:spPr>
       </p:pic>
       <p:sp>
@@ -13862,14 +13901,7 @@
                 <a:latin typeface="Arial" pitchFamily="34" charset="0"/>
                 <a:cs typeface="Arial" pitchFamily="34" charset="0"/>
               </a:rPr>
-              <a:t>UNI-REG board allows changing voltages from 7-23V AC (or 9-32V DC) to 5V, 4V, 3.3V, 2.7V </a:t>
-            </a:r>
-            <a:r>
-              <a:rPr lang="en-US" sz="1800" b="1" i="1">
-                <a:latin typeface="Arial" pitchFamily="34" charset="0"/>
-                <a:cs typeface="Arial" pitchFamily="34" charset="0"/>
-              </a:rPr>
-              <a:t>or </a:t>
+              <a:t>UNI-REG board allows changing voltages from 7-23V AC (or 9-32V DC) to 5V, 4V, 3.3V, 2.7V or </a:t>
             </a:r>
             <a:r>
               <a:rPr lang="en-US" sz="1800" b="1" i="1" smtClean="0">
@@ -13896,14 +13928,7 @@
                 <a:latin typeface="Arial" pitchFamily="34" charset="0"/>
                 <a:cs typeface="Arial" pitchFamily="34" charset="0"/>
               </a:rPr>
-              <a:t>Board using LM2576 - Step-Down </a:t>
-            </a:r>
-            <a:r>
-              <a:rPr lang="en-US" sz="1800" b="1" i="1">
-                <a:latin typeface="Arial" pitchFamily="34" charset="0"/>
-                <a:cs typeface="Arial" pitchFamily="34" charset="0"/>
-              </a:rPr>
-              <a:t>Voltage </a:t>
+              <a:t>Board using LM2576 - Step-Down Voltage </a:t>
             </a:r>
             <a:r>
               <a:rPr lang="en-US" sz="1800" b="1" i="1" smtClean="0">
@@ -13932,10 +13957,6 @@
               </a:rPr>
               <a:t>screw-terminals are available for easy connection.</a:t>
             </a:r>
-            <a:endParaRPr lang="en-US" sz="1800" b="1" i="1">
-              <a:latin typeface="Arial" pitchFamily="34" charset="0"/>
-              <a:cs typeface="Arial" pitchFamily="34" charset="0"/>
-            </a:endParaRPr>
           </a:p>
         </p:txBody>
       </p:sp>
@@ -14007,17 +14028,7 @@
                   </a:schemeClr>
                 </a:solidFill>
               </a:rPr>
-              <a:t>Overview hand </a:t>
-            </a:r>
-            <a:r>
-              <a:rPr lang="en-US">
-                <a:solidFill>
-                  <a:schemeClr val="accent5">
-                    <a:lumMod val="25000"/>
-                  </a:schemeClr>
-                </a:solidFill>
-              </a:rPr>
-              <a:t>gesture </a:t>
+              <a:t>Overview hand gesture </a:t>
             </a:r>
             <a:r>
               <a:rPr lang="en-US" smtClean="0">
@@ -14103,14 +14114,7 @@
                 <a:latin typeface="Arial" pitchFamily="34" charset="0"/>
                 <a:cs typeface="Arial" pitchFamily="34" charset="0"/>
               </a:rPr>
-              <a:t>Operating principles of hand </a:t>
-            </a:r>
-            <a:r>
-              <a:rPr lang="en-US" altLang="en-US" sz="2400" b="1">
-                <a:latin typeface="Arial" pitchFamily="34" charset="0"/>
-                <a:cs typeface="Arial" pitchFamily="34" charset="0"/>
-              </a:rPr>
-              <a:t>gesture </a:t>
+              <a:t>Operating principles of hand gesture </a:t>
             </a:r>
             <a:r>
               <a:rPr lang="en-US" altLang="en-US" sz="2400" b="1" smtClean="0">
@@ -14261,14 +14265,7 @@
                 <a:latin typeface="Arial" pitchFamily="34" charset="0"/>
                 <a:cs typeface="Arial" pitchFamily="34" charset="0"/>
               </a:rPr>
-              <a:t>Image </a:t>
-            </a:r>
-            <a:r>
-              <a:rPr lang="en-US" altLang="en-US" sz="2400" b="1">
-                <a:latin typeface="Arial" pitchFamily="34" charset="0"/>
-                <a:cs typeface="Arial" pitchFamily="34" charset="0"/>
-              </a:rPr>
-              <a:t>processing </a:t>
+              <a:t>Image processing </a:t>
             </a:r>
             <a:r>
               <a:rPr lang="en-US" altLang="en-US" sz="2400" b="1" smtClean="0">
@@ -14485,10 +14482,6 @@
               </a:rPr>
               <a:t>Capture background to sampling background color</a:t>
             </a:r>
-            <a:endParaRPr lang="en-US" altLang="en-US" sz="1800" b="1">
-              <a:latin typeface="Arial" pitchFamily="34" charset="0"/>
-              <a:cs typeface="Arial" pitchFamily="34" charset="0"/>
-            </a:endParaRPr>
           </a:p>
         </p:txBody>
       </p:sp>
@@ -14867,10 +14860,6 @@
               </a:rPr>
               <a:t>Capture hand to sampling front hand color</a:t>
             </a:r>
-            <a:endParaRPr lang="en-US" altLang="en-US" sz="1800" b="1">
-              <a:latin typeface="Arial" pitchFamily="34" charset="0"/>
-              <a:cs typeface="Arial" pitchFamily="34" charset="0"/>
-            </a:endParaRPr>
           </a:p>
         </p:txBody>
       </p:sp>
@@ -15249,10 +15238,6 @@
               </a:rPr>
               <a:t>Capture hand to sampling back hand color</a:t>
             </a:r>
-            <a:endParaRPr lang="en-US" altLang="en-US" sz="1800" b="1">
-              <a:latin typeface="Arial" pitchFamily="34" charset="0"/>
-              <a:cs typeface="Arial" pitchFamily="34" charset="0"/>
-            </a:endParaRPr>
           </a:p>
         </p:txBody>
       </p:sp>
@@ -17317,11 +17302,7 @@
           <a:p>
             <a:r>
               <a:rPr lang="en-US" altLang="ko-KR" smtClean="0"/>
-              <a:t> </a:t>
-            </a:r>
-            <a:r>
-              <a:rPr lang="en-US" altLang="ko-KR" smtClean="0"/>
-              <a:t>Introduction</a:t>
+              <a:t> Introduction</a:t>
             </a:r>
             <a:endParaRPr lang="ko-KR" altLang="en-US" dirty="0"/>
           </a:p>
@@ -17381,14 +17362,7 @@
                 <a:latin typeface="Arial" pitchFamily="34" charset="0"/>
                 <a:cs typeface="Arial" pitchFamily="34" charset="0"/>
               </a:rPr>
-              <a:t>. Đỗ Đức </a:t>
-            </a:r>
-            <a:r>
-              <a:rPr lang="en-US" sz="2400" b="1">
-                <a:latin typeface="Arial" pitchFamily="34" charset="0"/>
-                <a:cs typeface="Arial" pitchFamily="34" charset="0"/>
-              </a:rPr>
-              <a:t>Minh </a:t>
+              <a:t>. Đỗ Đức Minh </a:t>
             </a:r>
             <a:r>
               <a:rPr lang="en-US" sz="2400" b="1" smtClean="0">
@@ -17451,14 +17425,7 @@
                 <a:latin typeface="Arial" pitchFamily="34" charset="0"/>
                 <a:cs typeface="Arial" pitchFamily="34" charset="0"/>
               </a:rPr>
-              <a:t>Hữu Kỳ Long – </a:t>
-            </a:r>
-            <a:r>
-              <a:rPr lang="en-US" sz="2400" b="1">
-                <a:latin typeface="Arial" pitchFamily="34" charset="0"/>
-                <a:cs typeface="Arial" pitchFamily="34" charset="0"/>
-              </a:rPr>
-              <a:t>Team </a:t>
+              <a:t>Hữu Kỳ Long – Team </a:t>
             </a:r>
             <a:r>
               <a:rPr lang="en-US" sz="2400" b="1" smtClean="0">
@@ -17485,14 +17452,7 @@
                 <a:latin typeface="Arial" pitchFamily="34" charset="0"/>
                 <a:cs typeface="Arial" pitchFamily="34" charset="0"/>
               </a:rPr>
-              <a:t>Đình Tân – </a:t>
-            </a:r>
-            <a:r>
-              <a:rPr lang="en-US" sz="2400" b="1">
-                <a:latin typeface="Arial" pitchFamily="34" charset="0"/>
-                <a:cs typeface="Arial" pitchFamily="34" charset="0"/>
-              </a:rPr>
-              <a:t>Team </a:t>
+              <a:t>Đình Tân – Team </a:t>
             </a:r>
             <a:r>
               <a:rPr lang="en-US" sz="2400" b="1" smtClean="0">
@@ -17519,14 +17479,7 @@
                 <a:latin typeface="Arial" pitchFamily="34" charset="0"/>
                 <a:cs typeface="Arial" pitchFamily="34" charset="0"/>
               </a:rPr>
-              <a:t>Xuân Ý – Team </a:t>
-            </a:r>
-            <a:r>
-              <a:rPr lang="en-US" sz="2400" b="1">
-                <a:latin typeface="Arial" pitchFamily="34" charset="0"/>
-                <a:cs typeface="Arial" pitchFamily="34" charset="0"/>
-              </a:rPr>
-              <a:t>member </a:t>
+              <a:t>Xuân Ý – Team member </a:t>
             </a:r>
             <a:endParaRPr lang="en-US" sz="2400" b="1" smtClean="0">
               <a:latin typeface="Arial" pitchFamily="34" charset="0"/>
@@ -17546,14 +17499,7 @@
                 <a:latin typeface="Arial" pitchFamily="34" charset="0"/>
                 <a:cs typeface="Arial" pitchFamily="34" charset="0"/>
               </a:rPr>
-              <a:t>Phương Bình – </a:t>
-            </a:r>
-            <a:r>
-              <a:rPr lang="en-US" sz="2400" b="1">
-                <a:latin typeface="Arial" pitchFamily="34" charset="0"/>
-                <a:cs typeface="Arial" pitchFamily="34" charset="0"/>
-              </a:rPr>
-              <a:t>Team </a:t>
+              <a:t>Phương Bình – Team </a:t>
             </a:r>
             <a:r>
               <a:rPr lang="en-US" sz="2400" b="1" smtClean="0">
@@ -17768,11 +17714,7 @@
             <a:pPr lvl="0"/>
             <a:r>
               <a:rPr lang="en-US"/>
-              <a:t>Features </a:t>
-            </a:r>
-            <a:r>
-              <a:rPr lang="en-US"/>
-              <a:t>and </a:t>
+              <a:t>Features and </a:t>
             </a:r>
             <a:r>
               <a:rPr lang="en-US" smtClean="0"/>
@@ -17874,11 +17816,7 @@
           <a:p>
             <a:r>
               <a:rPr lang="en-US" altLang="ko-KR" smtClean="0"/>
-              <a:t> </a:t>
-            </a:r>
-            <a:r>
-              <a:rPr lang="en-US" altLang="ko-KR" smtClean="0"/>
-              <a:t>Outline</a:t>
+              <a:t> Outline</a:t>
             </a:r>
             <a:endParaRPr lang="ko-KR" altLang="en-US" dirty="0"/>
           </a:p>
@@ -18131,14 +18069,7 @@
                 <a:latin typeface="Arial" pitchFamily="34" charset="0"/>
                 <a:cs typeface="Arial" pitchFamily="34" charset="0"/>
               </a:rPr>
-              <a:t>Using hand gesture recognition. Translating hand signs into content and then </a:t>
-            </a:r>
-            <a:r>
-              <a:rPr lang="en-US" altLang="en-US" b="1">
-                <a:latin typeface="Arial" pitchFamily="34" charset="0"/>
-                <a:cs typeface="Arial" pitchFamily="34" charset="0"/>
-              </a:rPr>
-              <a:t>show </a:t>
+              <a:t>Using hand gesture recognition. Translating hand signs into content and then show </a:t>
             </a:r>
             <a:r>
               <a:rPr lang="en-US" altLang="en-US" b="1" smtClean="0">
@@ -18180,14 +18111,7 @@
                 <a:latin typeface="Arial" pitchFamily="34" charset="0"/>
                 <a:cs typeface="Arial" pitchFamily="34" charset="0"/>
               </a:rPr>
-              <a:t>Small device has camera can capture hand signs and then translate them into text or sound with the </a:t>
-            </a:r>
-            <a:r>
-              <a:rPr lang="en-US" b="1">
-                <a:latin typeface="Arial" pitchFamily="34" charset="0"/>
-                <a:cs typeface="Arial" pitchFamily="34" charset="0"/>
-              </a:rPr>
-              <a:t>same </a:t>
+              <a:t>Small device has camera can capture hand signs and then translate them into text or sound with the same </a:t>
             </a:r>
             <a:r>
               <a:rPr lang="en-US" b="1" smtClean="0">
@@ -18598,14 +18522,7 @@
                 <a:latin typeface="Arial" pitchFamily="34" charset="0"/>
                 <a:cs typeface="Arial" pitchFamily="34" charset="0"/>
               </a:rPr>
-              <a:t>Raspberry </a:t>
-            </a:r>
-            <a:r>
-              <a:rPr lang="en-US" altLang="en-US" sz="2400" b="1">
-                <a:latin typeface="Arial" pitchFamily="34" charset="0"/>
-                <a:cs typeface="Arial" pitchFamily="34" charset="0"/>
-              </a:rPr>
-              <a:t>Pi </a:t>
+              <a:t>Raspberry Pi </a:t>
             </a:r>
             <a:r>
               <a:rPr lang="en-US" altLang="en-US" sz="2400" b="1" smtClean="0">
@@ -18650,14 +18567,7 @@
                 <a:latin typeface="Arial" pitchFamily="34" charset="0"/>
                 <a:cs typeface="Arial" pitchFamily="34" charset="0"/>
               </a:rPr>
-              <a:t>SoC: </a:t>
-            </a:r>
-            <a:r>
-              <a:rPr lang="en-US" sz="1800" b="1" i="1">
-                <a:latin typeface="Arial" pitchFamily="34" charset="0"/>
-                <a:cs typeface="Arial" pitchFamily="34" charset="0"/>
-              </a:rPr>
-              <a:t>Broadcom </a:t>
+              <a:t>SoC: Broadcom </a:t>
             </a:r>
             <a:r>
               <a:rPr lang="en-US" sz="1800" b="1" i="1" smtClean="0">
@@ -18684,14 +18594,7 @@
                 <a:latin typeface="Arial" pitchFamily="34" charset="0"/>
                 <a:cs typeface="Arial" pitchFamily="34" charset="0"/>
               </a:rPr>
-              <a:t>: Quad-core </a:t>
-            </a:r>
-            <a:r>
-              <a:rPr lang="en-US" sz="1800" b="1" i="1">
-                <a:latin typeface="Arial" pitchFamily="34" charset="0"/>
-                <a:cs typeface="Arial" pitchFamily="34" charset="0"/>
-              </a:rPr>
-              <a:t>ARM7 </a:t>
+              <a:t>: Quad-core ARM7 </a:t>
             </a:r>
             <a:r>
               <a:rPr lang="en-US" sz="1800" b="1" i="1" smtClean="0">
@@ -18718,14 +18621,7 @@
                 <a:latin typeface="Arial" pitchFamily="34" charset="0"/>
                 <a:cs typeface="Arial" pitchFamily="34" charset="0"/>
               </a:rPr>
-              <a:t>: Videocore </a:t>
-            </a:r>
-            <a:r>
-              <a:rPr lang="en-US" sz="1800" b="1" i="1">
-                <a:latin typeface="Arial" pitchFamily="34" charset="0"/>
-                <a:cs typeface="Arial" pitchFamily="34" charset="0"/>
-              </a:rPr>
-              <a:t>IV </a:t>
+              <a:t>: Videocore IV </a:t>
             </a:r>
             <a:r>
               <a:rPr lang="en-US" sz="1800" b="1" i="1" smtClean="0">
@@ -18806,14 +18702,7 @@
                 <a:latin typeface="Arial" pitchFamily="34" charset="0"/>
                 <a:cs typeface="Arial" pitchFamily="34" charset="0"/>
               </a:rPr>
-              <a:t>: 4x USB 2.0, 100BaseT Ethernet, HDMI, </a:t>
-            </a:r>
-            <a:r>
-              <a:rPr lang="en-US" sz="1800" b="1" i="1">
-                <a:latin typeface="Arial" pitchFamily="34" charset="0"/>
-                <a:cs typeface="Arial" pitchFamily="34" charset="0"/>
-              </a:rPr>
-              <a:t>MicroSD </a:t>
+              <a:t>: 4x USB 2.0, 100BaseT Ethernet, HDMI, MicroSD </a:t>
             </a:r>
             <a:r>
               <a:rPr lang="en-US" sz="1800" b="1" i="1" smtClean="0">
@@ -18908,15 +18797,7 @@
               <a:srgbClr val="FFFFFF"/>
             </a:contourClr>
           </a:sp3d>
-          <a:extLst>
-            <a:ext uri="{909E8E84-426E-40DD-AFC4-6F175D3DCCD1}">
-              <a14:hiddenFill xmlns:a14="http://schemas.microsoft.com/office/drawing/2010/main">
-                <a:solidFill>
-                  <a:srgbClr val="FFFFFF"/>
-                </a:solidFill>
-              </a14:hiddenFill>
-            </a:ext>
-          </a:extLst>
+          <a:extLst/>
         </p:spPr>
       </p:pic>
     </p:spTree>
@@ -19083,15 +18964,7 @@
               <a:srgbClr val="FFFFFF"/>
             </a:contourClr>
           </a:sp3d>
-          <a:extLst>
-            <a:ext uri="{909E8E84-426E-40DD-AFC4-6F175D3DCCD1}">
-              <a14:hiddenFill xmlns:a14="http://schemas.microsoft.com/office/drawing/2010/main">
-                <a:solidFill>
-                  <a:srgbClr val="FFFFFF"/>
-                </a:solidFill>
-              </a14:hiddenFill>
-            </a:ext>
-          </a:extLst>
+          <a:extLst/>
         </p:spPr>
       </p:pic>
       <p:sp>
@@ -19120,11 +18993,7 @@
             </a:pPr>
             <a:r>
               <a:rPr lang="vi-VN" sz="1800" b="1" i="1"/>
-              <a:t>Minimum Capacity: 2200mAh (True 100</a:t>
-            </a:r>
-            <a:r>
-              <a:rPr lang="vi-VN" sz="1800" b="1" i="1"/>
-              <a:t>% </a:t>
+              <a:t>Minimum Capacity: 2200mAh (True 100% </a:t>
             </a:r>
             <a:r>
               <a:rPr lang="vi-VN" sz="1800" b="1" i="1" smtClean="0"/>
@@ -19142,11 +19011,7 @@
             </a:r>
             <a:r>
               <a:rPr lang="vi-VN" sz="1800" b="1" i="1"/>
-              <a:t>: 3S1P / 11.1v </a:t>
-            </a:r>
-            <a:r>
-              <a:rPr lang="vi-VN" sz="1800" b="1" i="1"/>
-              <a:t>/ </a:t>
+              <a:t>: 3S1P / 11.1v / </a:t>
             </a:r>
             <a:r>
               <a:rPr lang="vi-VN" sz="1800" b="1" i="1" smtClean="0"/>
@@ -19164,11 +19029,7 @@
             </a:r>
             <a:r>
               <a:rPr lang="vi-VN" sz="1800" b="1" i="1"/>
-              <a:t>Discharge:</a:t>
-            </a:r>
-            <a:r>
-              <a:rPr lang="vi-VN" sz="1800" b="1" i="1"/>
-              <a:t> </a:t>
+              <a:t>Discharge: </a:t>
             </a:r>
             <a:r>
               <a:rPr lang="vi-VN" sz="1800" b="1" i="1" smtClean="0"/>
@@ -19187,11 +19048,7 @@
             </a:r>
             <a:r>
               <a:rPr lang="vi-VN" sz="1800" b="1" i="1"/>
-              <a:t>Discharge (10sec):</a:t>
-            </a:r>
-            <a:r>
-              <a:rPr lang="vi-VN" sz="1800" b="1" i="1"/>
-              <a:t> </a:t>
+              <a:t>Discharge (10sec): </a:t>
             </a:r>
             <a:r>
               <a:rPr lang="vi-VN" sz="1800" b="1" i="1" smtClean="0"/>
@@ -19209,11 +19066,7 @@
             </a:r>
             <a:r>
               <a:rPr lang="vi-VN" sz="1800" b="1" i="1"/>
-              <a:t>Weight:</a:t>
-            </a:r>
-            <a:r>
-              <a:rPr lang="vi-VN" sz="1800" b="1" i="1"/>
-              <a:t> </a:t>
+              <a:t>Weight: </a:t>
             </a:r>
             <a:r>
               <a:rPr lang="vi-VN" sz="1800" b="1" i="1" smtClean="0"/>
@@ -19231,11 +19084,7 @@
             </a:r>
             <a:r>
               <a:rPr lang="vi-VN" sz="1800" b="1" i="1"/>
-              <a:t>Size: 103 x 33 </a:t>
-            </a:r>
-            <a:r>
-              <a:rPr lang="vi-VN" sz="1800" b="1" i="1"/>
-              <a:t>x </a:t>
+              <a:t>Size: 103 x 33 x </a:t>
             </a:r>
             <a:r>
               <a:rPr lang="vi-VN" sz="1800" b="1" i="1" smtClean="0"/>
@@ -19253,11 +19102,7 @@
             </a:r>
             <a:r>
               <a:rPr lang="vi-VN" sz="1800" b="1" i="1"/>
-              <a:t>Plug:</a:t>
-            </a:r>
-            <a:r>
-              <a:rPr lang="vi-VN" sz="1800" b="1" i="1"/>
-              <a:t> </a:t>
+              <a:t>Plug: </a:t>
             </a:r>
             <a:r>
               <a:rPr lang="vi-VN" sz="1800" b="1" i="1" smtClean="0"/>
@@ -19370,14 +19215,7 @@
                 <a:latin typeface="Arial" pitchFamily="34" charset="0"/>
                 <a:cs typeface="Arial" pitchFamily="34" charset="0"/>
               </a:rPr>
-              <a:t>LM2576ADJ - 3A UNI </a:t>
-            </a:r>
-            <a:r>
-              <a:rPr lang="en-US" altLang="en-US" sz="2400" b="1">
-                <a:latin typeface="Arial" pitchFamily="34" charset="0"/>
-                <a:cs typeface="Arial" pitchFamily="34" charset="0"/>
-              </a:rPr>
-              <a:t>REG </a:t>
+              <a:t>LM2576ADJ - 3A UNI REG </a:t>
             </a:r>
             <a:r>
               <a:rPr lang="en-US" altLang="en-US" sz="2400" b="1" smtClean="0">
@@ -19452,34 +19290,7 @@
               <a:srgbClr val="FFFFFF"/>
             </a:contourClr>
           </a:sp3d>
-          <a:extLst>
-            <a:ext uri="{909E8E84-426E-40DD-AFC4-6F175D3DCCD1}">
-              <a14:hiddenFill xmlns:a14="http://schemas.microsoft.com/office/drawing/2010/main">
-                <a:solidFill>
-                  <a:schemeClr val="accent1"/>
-                </a:solidFill>
-              </a14:hiddenFill>
-            </a:ext>
-            <a:ext uri="{91240B29-F687-4F45-9708-019B960494DF}">
-              <a14:hiddenLine xmlns:a14="http://schemas.microsoft.com/office/drawing/2010/main" w="9525">
-                <a:solidFill>
-                  <a:schemeClr val="tx1"/>
-                </a:solidFill>
-                <a:miter lim="800000"/>
-                <a:headEnd/>
-                <a:tailEnd/>
-              </a14:hiddenLine>
-            </a:ext>
-            <a:ext uri="{AF507438-7753-43E0-B8FC-AC1667EBCBE1}">
-              <a14:hiddenEffects xmlns:a14="http://schemas.microsoft.com/office/drawing/2010/main">
-                <a:effectLst>
-                  <a:outerShdw dist="35921" dir="2700000" algn="ctr" rotWithShape="0">
-                    <a:schemeClr val="bg2"/>
-                  </a:outerShdw>
-                </a:effectLst>
-              </a14:hiddenEffects>
-            </a:ext>
-          </a:extLst>
+          <a:extLst/>
         </p:spPr>
       </p:pic>
       <p:sp>
@@ -19511,14 +19322,7 @@
                 <a:latin typeface="Arial" pitchFamily="34" charset="0"/>
                 <a:cs typeface="Arial" pitchFamily="34" charset="0"/>
               </a:rPr>
-              <a:t>UNI-REG board allows changing voltages from 7-23V AC (or 9-32V DC) to 5V, 4V, 3.3V, 2.7V </a:t>
-            </a:r>
-            <a:r>
-              <a:rPr lang="en-US" sz="1800" b="1" i="1">
-                <a:latin typeface="Arial" pitchFamily="34" charset="0"/>
-                <a:cs typeface="Arial" pitchFamily="34" charset="0"/>
-              </a:rPr>
-              <a:t>or </a:t>
+              <a:t>UNI-REG board allows changing voltages from 7-23V AC (or 9-32V DC) to 5V, 4V, 3.3V, 2.7V or </a:t>
             </a:r>
             <a:r>
               <a:rPr lang="en-US" sz="1800" b="1" i="1" smtClean="0">
@@ -19545,14 +19349,7 @@
                 <a:latin typeface="Arial" pitchFamily="34" charset="0"/>
                 <a:cs typeface="Arial" pitchFamily="34" charset="0"/>
               </a:rPr>
-              <a:t>Board using LM2576 - Step-Down </a:t>
-            </a:r>
-            <a:r>
-              <a:rPr lang="en-US" sz="1800" b="1" i="1">
-                <a:latin typeface="Arial" pitchFamily="34" charset="0"/>
-                <a:cs typeface="Arial" pitchFamily="34" charset="0"/>
-              </a:rPr>
-              <a:t>Voltage </a:t>
+              <a:t>Board using LM2576 - Step-Down Voltage </a:t>
             </a:r>
             <a:r>
               <a:rPr lang="en-US" sz="1800" b="1" i="1" smtClean="0">
@@ -19581,10 +19378,6 @@
               </a:rPr>
               <a:t>screw-terminals are available for easy connection.</a:t>
             </a:r>
-            <a:endParaRPr lang="en-US" sz="1800" b="1" i="1">
-              <a:latin typeface="Arial" pitchFamily="34" charset="0"/>
-              <a:cs typeface="Arial" pitchFamily="34" charset="0"/>
-            </a:endParaRPr>
           </a:p>
         </p:txBody>
       </p:sp>

--- a/Thuyettrinh/PPGroup 5.pptx
+++ b/Thuyettrinh/PPGroup 5.pptx
@@ -8026,6 +8026,13 @@
         </dgm:presLayoutVars>
       </dgm:prSet>
       <dgm:spPr/>
+      <dgm:t>
+        <a:bodyPr/>
+        <a:lstStyle/>
+        <a:p>
+          <a:endParaRPr lang="vi-VN"/>
+        </a:p>
+      </dgm:t>
     </dgm:pt>
     <dgm:pt modelId="{835F1ECE-AFA6-45E0-A66E-ABD62CC19029}" type="pres">
       <dgm:prSet presAssocID="{9A3717B4-B8EC-49CC-93A1-80E842A8F4BE}" presName="composite" presStyleCnt="0"/>
@@ -8048,6 +8055,13 @@
           </a:stretch>
         </a:blipFill>
       </dgm:spPr>
+      <dgm:t>
+        <a:bodyPr/>
+        <a:lstStyle/>
+        <a:p>
+          <a:endParaRPr lang="vi-VN"/>
+        </a:p>
+      </dgm:t>
     </dgm:pt>
     <dgm:pt modelId="{849C9263-F3B1-4F99-B2A1-26BD64A0D8A0}" type="pres">
       <dgm:prSet presAssocID="{9A3717B4-B8EC-49CC-93A1-80E842A8F4BE}" presName="txShp" presStyleLbl="node1" presStyleIdx="0" presStyleCnt="8">
@@ -8056,6 +8070,13 @@
         </dgm:presLayoutVars>
       </dgm:prSet>
       <dgm:spPr/>
+      <dgm:t>
+        <a:bodyPr/>
+        <a:lstStyle/>
+        <a:p>
+          <a:endParaRPr lang="vi-VN"/>
+        </a:p>
+      </dgm:t>
     </dgm:pt>
     <dgm:pt modelId="{3FB63E82-86E1-4C03-A3C3-7785A0233E81}" type="pres">
       <dgm:prSet presAssocID="{6832ED7A-DF76-458A-BB98-FAFDDFE205B9}" presName="spacing" presStyleCnt="0"/>
@@ -8082,6 +8103,13 @@
           </a:stretch>
         </a:blipFill>
       </dgm:spPr>
+      <dgm:t>
+        <a:bodyPr/>
+        <a:lstStyle/>
+        <a:p>
+          <a:endParaRPr lang="vi-VN"/>
+        </a:p>
+      </dgm:t>
     </dgm:pt>
     <dgm:pt modelId="{AC915074-F5F5-4667-9982-65278D065DF8}" type="pres">
       <dgm:prSet presAssocID="{69C120C2-FE6E-4225-8743-DDC5502189A6}" presName="txShp" presStyleLbl="node1" presStyleIdx="1" presStyleCnt="8">
@@ -8090,6 +8118,13 @@
         </dgm:presLayoutVars>
       </dgm:prSet>
       <dgm:spPr/>
+      <dgm:t>
+        <a:bodyPr/>
+        <a:lstStyle/>
+        <a:p>
+          <a:endParaRPr lang="vi-VN"/>
+        </a:p>
+      </dgm:t>
     </dgm:pt>
     <dgm:pt modelId="{ED85DBB5-9862-40B6-81DA-C897800F16CA}" type="pres">
       <dgm:prSet presAssocID="{0FEA8D54-028D-4B20-B8FA-0339C196A266}" presName="spacing" presStyleCnt="0"/>
@@ -8116,6 +8151,13 @@
           </a:stretch>
         </a:blipFill>
       </dgm:spPr>
+      <dgm:t>
+        <a:bodyPr/>
+        <a:lstStyle/>
+        <a:p>
+          <a:endParaRPr lang="vi-VN"/>
+        </a:p>
+      </dgm:t>
     </dgm:pt>
     <dgm:pt modelId="{0CFA06A1-D9B4-4C92-B7F8-560993CA2F97}" type="pres">
       <dgm:prSet presAssocID="{324BF27D-22E3-4C65-BD73-A4901F7A5EB5}" presName="txShp" presStyleLbl="node1" presStyleIdx="2" presStyleCnt="8">
@@ -8124,6 +8166,13 @@
         </dgm:presLayoutVars>
       </dgm:prSet>
       <dgm:spPr/>
+      <dgm:t>
+        <a:bodyPr/>
+        <a:lstStyle/>
+        <a:p>
+          <a:endParaRPr lang="vi-VN"/>
+        </a:p>
+      </dgm:t>
     </dgm:pt>
     <dgm:pt modelId="{67A2A417-4424-4CBF-85FB-1CB954260964}" type="pres">
       <dgm:prSet presAssocID="{08FB8F8D-329B-4C08-B024-BE58D66D2229}" presName="spacing" presStyleCnt="0"/>
@@ -8150,6 +8199,13 @@
           </a:stretch>
         </a:blipFill>
       </dgm:spPr>
+      <dgm:t>
+        <a:bodyPr/>
+        <a:lstStyle/>
+        <a:p>
+          <a:endParaRPr lang="vi-VN"/>
+        </a:p>
+      </dgm:t>
     </dgm:pt>
     <dgm:pt modelId="{36939A57-816A-425B-85B0-C8EDEB5D12EE}" type="pres">
       <dgm:prSet presAssocID="{D26485B7-DD7A-46E1-96CA-0765AB9E7340}" presName="txShp" presStyleLbl="node1" presStyleIdx="3" presStyleCnt="8">
@@ -8158,6 +8214,13 @@
         </dgm:presLayoutVars>
       </dgm:prSet>
       <dgm:spPr/>
+      <dgm:t>
+        <a:bodyPr/>
+        <a:lstStyle/>
+        <a:p>
+          <a:endParaRPr lang="vi-VN"/>
+        </a:p>
+      </dgm:t>
     </dgm:pt>
     <dgm:pt modelId="{40A846FD-AD74-4F96-8A74-67E7F12F1FD8}" type="pres">
       <dgm:prSet presAssocID="{C1309D97-085F-4A49-9AF3-5116DE8FF733}" presName="spacing" presStyleCnt="0"/>
@@ -8184,6 +8247,13 @@
           </a:stretch>
         </a:blipFill>
       </dgm:spPr>
+      <dgm:t>
+        <a:bodyPr/>
+        <a:lstStyle/>
+        <a:p>
+          <a:endParaRPr lang="vi-VN"/>
+        </a:p>
+      </dgm:t>
     </dgm:pt>
     <dgm:pt modelId="{63810FCE-896A-4AEA-96CE-0AF227B56AE4}" type="pres">
       <dgm:prSet presAssocID="{5542EC12-42F7-4563-BC9A-B8E454FDEF72}" presName="txShp" presStyleLbl="node1" presStyleIdx="4" presStyleCnt="8">
@@ -8192,6 +8262,13 @@
         </dgm:presLayoutVars>
       </dgm:prSet>
       <dgm:spPr/>
+      <dgm:t>
+        <a:bodyPr/>
+        <a:lstStyle/>
+        <a:p>
+          <a:endParaRPr lang="vi-VN"/>
+        </a:p>
+      </dgm:t>
     </dgm:pt>
     <dgm:pt modelId="{56920E06-8220-4B92-B1A0-ECC89AAA820C}" type="pres">
       <dgm:prSet presAssocID="{EEC19687-0A4D-499E-9F13-502D16EE6DE0}" presName="spacing" presStyleCnt="0"/>
@@ -8218,6 +8295,13 @@
           </a:stretch>
         </a:blipFill>
       </dgm:spPr>
+      <dgm:t>
+        <a:bodyPr/>
+        <a:lstStyle/>
+        <a:p>
+          <a:endParaRPr lang="vi-VN"/>
+        </a:p>
+      </dgm:t>
     </dgm:pt>
     <dgm:pt modelId="{A62AC25F-23C6-48D3-A341-C9FD424546A1}" type="pres">
       <dgm:prSet presAssocID="{CBB74D16-3F78-4257-A9B5-EF55166134A0}" presName="txShp" presStyleLbl="node1" presStyleIdx="5" presStyleCnt="8">
@@ -8226,6 +8310,13 @@
         </dgm:presLayoutVars>
       </dgm:prSet>
       <dgm:spPr/>
+      <dgm:t>
+        <a:bodyPr/>
+        <a:lstStyle/>
+        <a:p>
+          <a:endParaRPr lang="vi-VN"/>
+        </a:p>
+      </dgm:t>
     </dgm:pt>
     <dgm:pt modelId="{59D0090A-11F5-4611-8883-6674A77C3ECB}" type="pres">
       <dgm:prSet presAssocID="{A9731041-4B31-4763-85F4-964F55698A73}" presName="spacing" presStyleCnt="0"/>
@@ -8252,6 +8343,13 @@
           </a:stretch>
         </a:blipFill>
       </dgm:spPr>
+      <dgm:t>
+        <a:bodyPr/>
+        <a:lstStyle/>
+        <a:p>
+          <a:endParaRPr lang="vi-VN"/>
+        </a:p>
+      </dgm:t>
     </dgm:pt>
     <dgm:pt modelId="{77E3C3E6-0373-4223-9625-718B41456DC4}" type="pres">
       <dgm:prSet presAssocID="{2E416750-B4E5-40F2-9E6F-3DBD068CAB2D}" presName="txShp" presStyleLbl="node1" presStyleIdx="6" presStyleCnt="8">
@@ -8260,6 +8358,13 @@
         </dgm:presLayoutVars>
       </dgm:prSet>
       <dgm:spPr/>
+      <dgm:t>
+        <a:bodyPr/>
+        <a:lstStyle/>
+        <a:p>
+          <a:endParaRPr lang="vi-VN"/>
+        </a:p>
+      </dgm:t>
     </dgm:pt>
     <dgm:pt modelId="{1A268416-3F8C-476E-A47F-9035A8892F52}" type="pres">
       <dgm:prSet presAssocID="{0EA0D8A6-10D5-479F-9296-5DD8DD6BE85C}" presName="spacing" presStyleCnt="0"/>
@@ -8286,6 +8391,13 @@
           </a:stretch>
         </a:blipFill>
       </dgm:spPr>
+      <dgm:t>
+        <a:bodyPr/>
+        <a:lstStyle/>
+        <a:p>
+          <a:endParaRPr lang="vi-VN"/>
+        </a:p>
+      </dgm:t>
     </dgm:pt>
     <dgm:pt modelId="{FC76AA09-7E44-49EE-AF20-8EC48F147CF3}" type="pres">
       <dgm:prSet presAssocID="{3CD8930C-0440-4621-BB1A-E3355ACF3E29}" presName="txShp" presStyleLbl="node1" presStyleIdx="7" presStyleCnt="8">
@@ -8294,6 +8406,13 @@
         </dgm:presLayoutVars>
       </dgm:prSet>
       <dgm:spPr/>
+      <dgm:t>
+        <a:bodyPr/>
+        <a:lstStyle/>
+        <a:p>
+          <a:endParaRPr lang="vi-VN"/>
+        </a:p>
+      </dgm:t>
     </dgm:pt>
   </dgm:ptLst>
   <dgm:cxnLst>
@@ -8528,6 +8647,13 @@
         </dgm:presLayoutVars>
       </dgm:prSet>
       <dgm:spPr/>
+      <dgm:t>
+        <a:bodyPr/>
+        <a:lstStyle/>
+        <a:p>
+          <a:endParaRPr lang="vi-VN"/>
+        </a:p>
+      </dgm:t>
     </dgm:pt>
     <dgm:pt modelId="{C6F2BF49-7BCA-49A6-B6D1-C40EC4F520EA}" type="pres">
       <dgm:prSet presAssocID="{CBF47228-7EDB-43E3-B670-7CF0855B6D1D}" presName="comp" presStyleCnt="0"/>
@@ -8540,6 +8666,13 @@
         </dgm:presLayoutVars>
       </dgm:prSet>
       <dgm:spPr/>
+      <dgm:t>
+        <a:bodyPr/>
+        <a:lstStyle/>
+        <a:p>
+          <a:endParaRPr lang="vi-VN"/>
+        </a:p>
+      </dgm:t>
     </dgm:pt>
     <dgm:pt modelId="{E0F25A1B-287E-4725-80E8-58749ED934F5}" type="pres">
       <dgm:prSet presAssocID="{CBF47228-7EDB-43E3-B670-7CF0855B6D1D}" presName="rect1" presStyleLbl="lnNode1" presStyleIdx="0" presStyleCnt="3"/>
@@ -8558,6 +8691,13 @@
           </a:stretch>
         </a:blipFill>
       </dgm:spPr>
+      <dgm:t>
+        <a:bodyPr/>
+        <a:lstStyle/>
+        <a:p>
+          <a:endParaRPr lang="vi-VN"/>
+        </a:p>
+      </dgm:t>
     </dgm:pt>
     <dgm:pt modelId="{3E30FF41-D0A7-4836-B4A5-9E39EA805BDC}" type="pres">
       <dgm:prSet presAssocID="{75204937-3468-457B-A368-FFC7D6C1869F}" presName="sibTrans" presStyleCnt="0"/>
@@ -8574,6 +8714,13 @@
         </dgm:presLayoutVars>
       </dgm:prSet>
       <dgm:spPr/>
+      <dgm:t>
+        <a:bodyPr/>
+        <a:lstStyle/>
+        <a:p>
+          <a:endParaRPr lang="vi-VN"/>
+        </a:p>
+      </dgm:t>
     </dgm:pt>
     <dgm:pt modelId="{E65210A1-A978-4EA1-BDD4-1800C5ECA1F0}" type="pres">
       <dgm:prSet presAssocID="{33081E94-E418-4A0E-86BC-F090F6079607}" presName="rect1" presStyleLbl="lnNode1" presStyleIdx="1" presStyleCnt="3"/>
@@ -8592,6 +8739,13 @@
           </a:stretch>
         </a:blipFill>
       </dgm:spPr>
+      <dgm:t>
+        <a:bodyPr/>
+        <a:lstStyle/>
+        <a:p>
+          <a:endParaRPr lang="vi-VN"/>
+        </a:p>
+      </dgm:t>
     </dgm:pt>
     <dgm:pt modelId="{562D7AB4-CA6B-4199-B8CA-D9D43F21000C}" type="pres">
       <dgm:prSet presAssocID="{8D6AA6CC-8C5C-42BE-9F70-2EE39A231FE6}" presName="sibTrans" presStyleCnt="0"/>
@@ -8608,6 +8762,13 @@
         </dgm:presLayoutVars>
       </dgm:prSet>
       <dgm:spPr/>
+      <dgm:t>
+        <a:bodyPr/>
+        <a:lstStyle/>
+        <a:p>
+          <a:endParaRPr lang="vi-VN"/>
+        </a:p>
+      </dgm:t>
     </dgm:pt>
     <dgm:pt modelId="{2E923156-698B-4ABA-B091-B27414815C79}" type="pres">
       <dgm:prSet presAssocID="{155690B7-18DB-43D5-8043-4581491B3522}" presName="rect1" presStyleLbl="lnNode1" presStyleIdx="2" presStyleCnt="3"/>
@@ -8626,6 +8787,13 @@
           </a:stretch>
         </a:blipFill>
       </dgm:spPr>
+      <dgm:t>
+        <a:bodyPr/>
+        <a:lstStyle/>
+        <a:p>
+          <a:endParaRPr lang="vi-VN"/>
+        </a:p>
+      </dgm:t>
     </dgm:pt>
   </dgm:ptLst>
   <dgm:cxnLst>
@@ -9009,7 +9177,7 @@
 <dgm:dataModel xmlns:dgm="http://schemas.openxmlformats.org/drawingml/2006/diagram" xmlns:a="http://schemas.openxmlformats.org/drawingml/2006/main">
   <dgm:ptLst>
     <dgm:pt modelId="{73E7C9B6-529B-43A5-B974-BE1BE927DA88}" type="doc">
-      <dgm:prSet loTypeId="urn:microsoft.com/office/officeart/2005/8/layout/vList5" loCatId="list" qsTypeId="urn:microsoft.com/office/officeart/2005/8/quickstyle/simple2" qsCatId="simple" csTypeId="urn:microsoft.com/office/officeart/2005/8/colors/accent2_2" csCatId="accent2"/>
+      <dgm:prSet loTypeId="urn:microsoft.com/office/officeart/2008/layout/VerticalCurvedList" loCatId="list" qsTypeId="urn:microsoft.com/office/officeart/2005/8/quickstyle/simple2" qsCatId="simple" csTypeId="urn:microsoft.com/office/officeart/2005/8/colors/accent2_2" csCatId="accent2"/>
       <dgm:spPr/>
       <dgm:t>
         <a:bodyPr/>
@@ -9169,80 +9337,148 @@
         </a:p>
       </dgm:t>
     </dgm:pt>
-    <dgm:pt modelId="{A31C563D-378C-49D4-B0E9-A7A4CEAE27DF}" type="pres">
+    <dgm:pt modelId="{10730EB0-C4E5-4C66-BC1F-B537B78F84BC}" type="pres">
       <dgm:prSet presAssocID="{73E7C9B6-529B-43A5-B974-BE1BE927DA88}" presName="Name0" presStyleCnt="0">
         <dgm:presLayoutVars>
+          <dgm:chMax val="7"/>
+          <dgm:chPref val="7"/>
           <dgm:dir/>
-          <dgm:animLvl val="lvl"/>
-          <dgm:resizeHandles val="exact"/>
         </dgm:presLayoutVars>
       </dgm:prSet>
       <dgm:spPr/>
+      <dgm:t>
+        <a:bodyPr/>
+        <a:lstStyle/>
+        <a:p>
+          <a:endParaRPr lang="vi-VN"/>
+        </a:p>
+      </dgm:t>
     </dgm:pt>
-    <dgm:pt modelId="{EC6D6200-9120-4A13-9C05-568D07554773}" type="pres">
-      <dgm:prSet presAssocID="{1C821226-13FC-443A-BA27-FB20EE687B4F}" presName="linNode" presStyleCnt="0"/>
+    <dgm:pt modelId="{A2138F26-2C77-49B0-B422-4C2B191FD0D6}" type="pres">
+      <dgm:prSet presAssocID="{73E7C9B6-529B-43A5-B974-BE1BE927DA88}" presName="Name1" presStyleCnt="0"/>
       <dgm:spPr/>
     </dgm:pt>
-    <dgm:pt modelId="{258783AC-5209-4AA7-9943-FE02F03248F2}" type="pres">
-      <dgm:prSet presAssocID="{1C821226-13FC-443A-BA27-FB20EE687B4F}" presName="parentText" presStyleLbl="node1" presStyleIdx="0" presStyleCnt="3">
+    <dgm:pt modelId="{6F54AE8E-536E-4E77-AE5C-37DF2832B857}" type="pres">
+      <dgm:prSet presAssocID="{73E7C9B6-529B-43A5-B974-BE1BE927DA88}" presName="cycle" presStyleCnt="0"/>
+      <dgm:spPr/>
+    </dgm:pt>
+    <dgm:pt modelId="{156ECBDF-224F-4569-85B8-EE2DCC348791}" type="pres">
+      <dgm:prSet presAssocID="{73E7C9B6-529B-43A5-B974-BE1BE927DA88}" presName="srcNode" presStyleLbl="node1" presStyleIdx="0" presStyleCnt="3"/>
+      <dgm:spPr/>
+    </dgm:pt>
+    <dgm:pt modelId="{1B46B33B-96ED-4774-95EA-B01BDEDFD0AF}" type="pres">
+      <dgm:prSet presAssocID="{73E7C9B6-529B-43A5-B974-BE1BE927DA88}" presName="conn" presStyleLbl="parChTrans1D2" presStyleIdx="0" presStyleCnt="1"/>
+      <dgm:spPr/>
+      <dgm:t>
+        <a:bodyPr/>
+        <a:lstStyle/>
+        <a:p>
+          <a:endParaRPr lang="vi-VN"/>
+        </a:p>
+      </dgm:t>
+    </dgm:pt>
+    <dgm:pt modelId="{66B5EFE4-8F43-459B-A560-5315CF91A606}" type="pres">
+      <dgm:prSet presAssocID="{73E7C9B6-529B-43A5-B974-BE1BE927DA88}" presName="extraNode" presStyleLbl="node1" presStyleIdx="0" presStyleCnt="3"/>
+      <dgm:spPr/>
+    </dgm:pt>
+    <dgm:pt modelId="{59B5E71F-44DE-41C4-A4D8-119A25131EC7}" type="pres">
+      <dgm:prSet presAssocID="{73E7C9B6-529B-43A5-B974-BE1BE927DA88}" presName="dstNode" presStyleLbl="node1" presStyleIdx="0" presStyleCnt="3"/>
+      <dgm:spPr/>
+    </dgm:pt>
+    <dgm:pt modelId="{9CA6F6C3-6BC1-4231-9789-8D9235AF9C98}" type="pres">
+      <dgm:prSet presAssocID="{1C821226-13FC-443A-BA27-FB20EE687B4F}" presName="text_1" presStyleLbl="node1" presStyleIdx="0" presStyleCnt="3">
         <dgm:presLayoutVars>
-          <dgm:chMax val="1"/>
           <dgm:bulletEnabled val="1"/>
         </dgm:presLayoutVars>
       </dgm:prSet>
       <dgm:spPr/>
+      <dgm:t>
+        <a:bodyPr/>
+        <a:lstStyle/>
+        <a:p>
+          <a:endParaRPr lang="vi-VN"/>
+        </a:p>
+      </dgm:t>
     </dgm:pt>
-    <dgm:pt modelId="{693F2B06-6471-45DA-8181-425AD29389C2}" type="pres">
-      <dgm:prSet presAssocID="{82F82E1C-D476-4F94-8100-6997F34679A4}" presName="sp" presStyleCnt="0"/>
+    <dgm:pt modelId="{B252FD84-E21E-4981-B5A3-D692F9DDE9BC}" type="pres">
+      <dgm:prSet presAssocID="{1C821226-13FC-443A-BA27-FB20EE687B4F}" presName="accent_1" presStyleCnt="0"/>
       <dgm:spPr/>
     </dgm:pt>
-    <dgm:pt modelId="{5A2CD774-1C41-454E-BF36-26D086255DFB}" type="pres">
-      <dgm:prSet presAssocID="{FEB5782A-6369-440E-8B6D-6BFA6A30A56B}" presName="linNode" presStyleCnt="0"/>
+    <dgm:pt modelId="{C2A3AF33-37D0-43A3-9209-BBD026984214}" type="pres">
+      <dgm:prSet presAssocID="{1C821226-13FC-443A-BA27-FB20EE687B4F}" presName="accentRepeatNode" presStyleLbl="solidFgAcc1" presStyleIdx="0" presStyleCnt="3"/>
       <dgm:spPr/>
     </dgm:pt>
-    <dgm:pt modelId="{782C8270-5056-4CD4-B89C-ABBB5189F1AB}" type="pres">
-      <dgm:prSet presAssocID="{FEB5782A-6369-440E-8B6D-6BFA6A30A56B}" presName="parentText" presStyleLbl="node1" presStyleIdx="1" presStyleCnt="3">
+    <dgm:pt modelId="{C27A932A-EBDE-472D-B20D-DA8FDA5B1831}" type="pres">
+      <dgm:prSet presAssocID="{FEB5782A-6369-440E-8B6D-6BFA6A30A56B}" presName="text_2" presStyleLbl="node1" presStyleIdx="1" presStyleCnt="3">
         <dgm:presLayoutVars>
-          <dgm:chMax val="1"/>
           <dgm:bulletEnabled val="1"/>
         </dgm:presLayoutVars>
       </dgm:prSet>
       <dgm:spPr/>
+      <dgm:t>
+        <a:bodyPr/>
+        <a:lstStyle/>
+        <a:p>
+          <a:endParaRPr lang="vi-VN"/>
+        </a:p>
+      </dgm:t>
     </dgm:pt>
-    <dgm:pt modelId="{1FC3AEED-2948-4276-81CF-80D0B5E14337}" type="pres">
-      <dgm:prSet presAssocID="{4BD6E0DE-983E-4C67-9CC9-9AE80E2454D7}" presName="sp" presStyleCnt="0"/>
+    <dgm:pt modelId="{DE15FC1D-779F-4683-AD38-35E54BB8EB3B}" type="pres">
+      <dgm:prSet presAssocID="{FEB5782A-6369-440E-8B6D-6BFA6A30A56B}" presName="accent_2" presStyleCnt="0"/>
       <dgm:spPr/>
     </dgm:pt>
-    <dgm:pt modelId="{B253570B-AF5A-49A7-AC7E-A647D6F47C5C}" type="pres">
-      <dgm:prSet presAssocID="{375D0AF5-2192-4E6D-8E71-69F1274C586E}" presName="linNode" presStyleCnt="0"/>
+    <dgm:pt modelId="{1770F18C-E283-4C92-9536-DEC42A4DAEB6}" type="pres">
+      <dgm:prSet presAssocID="{FEB5782A-6369-440E-8B6D-6BFA6A30A56B}" presName="accentRepeatNode" presStyleLbl="solidFgAcc1" presStyleIdx="1" presStyleCnt="3"/>
       <dgm:spPr/>
     </dgm:pt>
-    <dgm:pt modelId="{9EEAE68E-A688-4178-872B-4FB9F4007811}" type="pres">
-      <dgm:prSet presAssocID="{375D0AF5-2192-4E6D-8E71-69F1274C586E}" presName="parentText" presStyleLbl="node1" presStyleIdx="2" presStyleCnt="3">
+    <dgm:pt modelId="{983AE5DE-2CC8-4A2C-A8F5-8EBDA0BB9C74}" type="pres">
+      <dgm:prSet presAssocID="{375D0AF5-2192-4E6D-8E71-69F1274C586E}" presName="text_3" presStyleLbl="node1" presStyleIdx="2" presStyleCnt="3">
         <dgm:presLayoutVars>
-          <dgm:chMax val="1"/>
           <dgm:bulletEnabled val="1"/>
         </dgm:presLayoutVars>
       </dgm:prSet>
       <dgm:spPr/>
+      <dgm:t>
+        <a:bodyPr/>
+        <a:lstStyle/>
+        <a:p>
+          <a:endParaRPr lang="vi-VN"/>
+        </a:p>
+      </dgm:t>
+    </dgm:pt>
+    <dgm:pt modelId="{85319531-4519-47A0-B56A-A800E0DEF92D}" type="pres">
+      <dgm:prSet presAssocID="{375D0AF5-2192-4E6D-8E71-69F1274C586E}" presName="accent_3" presStyleCnt="0"/>
+      <dgm:spPr/>
+    </dgm:pt>
+    <dgm:pt modelId="{554E2BFF-E1C3-4FB0-9CBF-433CEB60E425}" type="pres">
+      <dgm:prSet presAssocID="{375D0AF5-2192-4E6D-8E71-69F1274C586E}" presName="accentRepeatNode" presStyleLbl="solidFgAcc1" presStyleIdx="2" presStyleCnt="3"/>
+      <dgm:spPr/>
     </dgm:pt>
   </dgm:ptLst>
   <dgm:cxnLst>
-    <dgm:cxn modelId="{92933087-5638-4792-B040-FEB1DCAF4A25}" type="presOf" srcId="{1C821226-13FC-443A-BA27-FB20EE687B4F}" destId="{258783AC-5209-4AA7-9943-FE02F03248F2}" srcOrd="0" destOrd="0" presId="urn:microsoft.com/office/officeart/2005/8/layout/vList5"/>
-    <dgm:cxn modelId="{4B365970-B1D4-451C-8DE2-D05D399BDCB7}" type="presOf" srcId="{73E7C9B6-529B-43A5-B974-BE1BE927DA88}" destId="{A31C563D-378C-49D4-B0E9-A7A4CEAE27DF}" srcOrd="0" destOrd="0" presId="urn:microsoft.com/office/officeart/2005/8/layout/vList5"/>
+    <dgm:cxn modelId="{2B693BD3-2E05-47E9-A85D-7740752A69DD}" srcId="{73E7C9B6-529B-43A5-B974-BE1BE927DA88}" destId="{FEB5782A-6369-440E-8B6D-6BFA6A30A56B}" srcOrd="1" destOrd="0" parTransId="{A6B98B0A-71D6-4503-B41E-913E2B1ADE66}" sibTransId="{4BD6E0DE-983E-4C67-9CC9-9AE80E2454D7}"/>
+    <dgm:cxn modelId="{AA23D219-B0B5-4F18-812B-3B51675442AF}" type="presOf" srcId="{1C821226-13FC-443A-BA27-FB20EE687B4F}" destId="{9CA6F6C3-6BC1-4231-9789-8D9235AF9C98}" srcOrd="0" destOrd="0" presId="urn:microsoft.com/office/officeart/2008/layout/VerticalCurvedList"/>
+    <dgm:cxn modelId="{5D603F66-6C88-4B21-8C89-D7B707A04229}" type="presOf" srcId="{73E7C9B6-529B-43A5-B974-BE1BE927DA88}" destId="{10730EB0-C4E5-4C66-BC1F-B537B78F84BC}" srcOrd="0" destOrd="0" presId="urn:microsoft.com/office/officeart/2008/layout/VerticalCurvedList"/>
+    <dgm:cxn modelId="{3AA7AFE8-C454-4F70-B865-EFB214413B17}" type="presOf" srcId="{FEB5782A-6369-440E-8B6D-6BFA6A30A56B}" destId="{C27A932A-EBDE-472D-B20D-DA8FDA5B1831}" srcOrd="0" destOrd="0" presId="urn:microsoft.com/office/officeart/2008/layout/VerticalCurvedList"/>
+    <dgm:cxn modelId="{7C884B49-DAFE-4C4D-91BF-8C534FD76645}" srcId="{73E7C9B6-529B-43A5-B974-BE1BE927DA88}" destId="{1C821226-13FC-443A-BA27-FB20EE687B4F}" srcOrd="0" destOrd="0" parTransId="{7323B481-97E0-401B-8AB9-D70775AE91FD}" sibTransId="{82F82E1C-D476-4F94-8100-6997F34679A4}"/>
+    <dgm:cxn modelId="{054AE2CD-E5B1-4304-948B-59A26E5F3222}" type="presOf" srcId="{82F82E1C-D476-4F94-8100-6997F34679A4}" destId="{1B46B33B-96ED-4774-95EA-B01BDEDFD0AF}" srcOrd="0" destOrd="0" presId="urn:microsoft.com/office/officeart/2008/layout/VerticalCurvedList"/>
     <dgm:cxn modelId="{DAFF1439-B7A6-4AC2-AAF7-DFC551D6FDBD}" srcId="{73E7C9B6-529B-43A5-B974-BE1BE927DA88}" destId="{375D0AF5-2192-4E6D-8E71-69F1274C586E}" srcOrd="2" destOrd="0" parTransId="{A15621B8-596A-4C12-9F25-1F343EA8168B}" sibTransId="{22E29056-DAAC-48A3-889F-77D787F947AD}"/>
-    <dgm:cxn modelId="{8C5620E2-4E45-4054-B5E9-BB4C4C4CF01F}" type="presOf" srcId="{375D0AF5-2192-4E6D-8E71-69F1274C586E}" destId="{9EEAE68E-A688-4178-872B-4FB9F4007811}" srcOrd="0" destOrd="0" presId="urn:microsoft.com/office/officeart/2005/8/layout/vList5"/>
-    <dgm:cxn modelId="{7C884B49-DAFE-4C4D-91BF-8C534FD76645}" srcId="{73E7C9B6-529B-43A5-B974-BE1BE927DA88}" destId="{1C821226-13FC-443A-BA27-FB20EE687B4F}" srcOrd="0" destOrd="0" parTransId="{7323B481-97E0-401B-8AB9-D70775AE91FD}" sibTransId="{82F82E1C-D476-4F94-8100-6997F34679A4}"/>
-    <dgm:cxn modelId="{0AB5E3BF-47AC-42DC-8D23-B3E6C80AB5E3}" type="presOf" srcId="{FEB5782A-6369-440E-8B6D-6BFA6A30A56B}" destId="{782C8270-5056-4CD4-B89C-ABBB5189F1AB}" srcOrd="0" destOrd="0" presId="urn:microsoft.com/office/officeart/2005/8/layout/vList5"/>
-    <dgm:cxn modelId="{2B693BD3-2E05-47E9-A85D-7740752A69DD}" srcId="{73E7C9B6-529B-43A5-B974-BE1BE927DA88}" destId="{FEB5782A-6369-440E-8B6D-6BFA6A30A56B}" srcOrd="1" destOrd="0" parTransId="{A6B98B0A-71D6-4503-B41E-913E2B1ADE66}" sibTransId="{4BD6E0DE-983E-4C67-9CC9-9AE80E2454D7}"/>
-    <dgm:cxn modelId="{2A4AD3A0-2B9F-4869-8851-D0AEC6EAA7D5}" type="presParOf" srcId="{A31C563D-378C-49D4-B0E9-A7A4CEAE27DF}" destId="{EC6D6200-9120-4A13-9C05-568D07554773}" srcOrd="0" destOrd="0" presId="urn:microsoft.com/office/officeart/2005/8/layout/vList5"/>
-    <dgm:cxn modelId="{6DCA3A87-C0D3-4951-A544-A21986C71F1A}" type="presParOf" srcId="{EC6D6200-9120-4A13-9C05-568D07554773}" destId="{258783AC-5209-4AA7-9943-FE02F03248F2}" srcOrd="0" destOrd="0" presId="urn:microsoft.com/office/officeart/2005/8/layout/vList5"/>
-    <dgm:cxn modelId="{77E21B50-4CD5-4B53-A7F2-612184DE6624}" type="presParOf" srcId="{A31C563D-378C-49D4-B0E9-A7A4CEAE27DF}" destId="{693F2B06-6471-45DA-8181-425AD29389C2}" srcOrd="1" destOrd="0" presId="urn:microsoft.com/office/officeart/2005/8/layout/vList5"/>
-    <dgm:cxn modelId="{EB16C6A2-945F-42F1-8BE8-4AAAD67766AA}" type="presParOf" srcId="{A31C563D-378C-49D4-B0E9-A7A4CEAE27DF}" destId="{5A2CD774-1C41-454E-BF36-26D086255DFB}" srcOrd="2" destOrd="0" presId="urn:microsoft.com/office/officeart/2005/8/layout/vList5"/>
-    <dgm:cxn modelId="{C00089FC-0F70-4BD7-A886-BC93E1390592}" type="presParOf" srcId="{5A2CD774-1C41-454E-BF36-26D086255DFB}" destId="{782C8270-5056-4CD4-B89C-ABBB5189F1AB}" srcOrd="0" destOrd="0" presId="urn:microsoft.com/office/officeart/2005/8/layout/vList5"/>
-    <dgm:cxn modelId="{1D80A626-6E0F-4D0F-9BC9-B1EED6259792}" type="presParOf" srcId="{A31C563D-378C-49D4-B0E9-A7A4CEAE27DF}" destId="{1FC3AEED-2948-4276-81CF-80D0B5E14337}" srcOrd="3" destOrd="0" presId="urn:microsoft.com/office/officeart/2005/8/layout/vList5"/>
-    <dgm:cxn modelId="{6498F8A4-CF40-4FBB-8605-50DA7C151056}" type="presParOf" srcId="{A31C563D-378C-49D4-B0E9-A7A4CEAE27DF}" destId="{B253570B-AF5A-49A7-AC7E-A647D6F47C5C}" srcOrd="4" destOrd="0" presId="urn:microsoft.com/office/officeart/2005/8/layout/vList5"/>
-    <dgm:cxn modelId="{C9C08CFA-B559-42B8-9F03-FD0982D659AE}" type="presParOf" srcId="{B253570B-AF5A-49A7-AC7E-A647D6F47C5C}" destId="{9EEAE68E-A688-4178-872B-4FB9F4007811}" srcOrd="0" destOrd="0" presId="urn:microsoft.com/office/officeart/2005/8/layout/vList5"/>
+    <dgm:cxn modelId="{DF7904F2-7C66-4D23-BD29-B1CC96210AFC}" type="presOf" srcId="{375D0AF5-2192-4E6D-8E71-69F1274C586E}" destId="{983AE5DE-2CC8-4A2C-A8F5-8EBDA0BB9C74}" srcOrd="0" destOrd="0" presId="urn:microsoft.com/office/officeart/2008/layout/VerticalCurvedList"/>
+    <dgm:cxn modelId="{9E806D0C-A477-4CB2-9A39-B3CA0DCAE5E5}" type="presParOf" srcId="{10730EB0-C4E5-4C66-BC1F-B537B78F84BC}" destId="{A2138F26-2C77-49B0-B422-4C2B191FD0D6}" srcOrd="0" destOrd="0" presId="urn:microsoft.com/office/officeart/2008/layout/VerticalCurvedList"/>
+    <dgm:cxn modelId="{9D3357F6-D752-4C25-8D21-5EC42966236F}" type="presParOf" srcId="{A2138F26-2C77-49B0-B422-4C2B191FD0D6}" destId="{6F54AE8E-536E-4E77-AE5C-37DF2832B857}" srcOrd="0" destOrd="0" presId="urn:microsoft.com/office/officeart/2008/layout/VerticalCurvedList"/>
+    <dgm:cxn modelId="{621ED211-1F23-47CD-88B2-64DCAC2AAD8A}" type="presParOf" srcId="{6F54AE8E-536E-4E77-AE5C-37DF2832B857}" destId="{156ECBDF-224F-4569-85B8-EE2DCC348791}" srcOrd="0" destOrd="0" presId="urn:microsoft.com/office/officeart/2008/layout/VerticalCurvedList"/>
+    <dgm:cxn modelId="{56A11108-CA2B-419A-8B1A-2CB76D4806F1}" type="presParOf" srcId="{6F54AE8E-536E-4E77-AE5C-37DF2832B857}" destId="{1B46B33B-96ED-4774-95EA-B01BDEDFD0AF}" srcOrd="1" destOrd="0" presId="urn:microsoft.com/office/officeart/2008/layout/VerticalCurvedList"/>
+    <dgm:cxn modelId="{D353E4D1-756C-454C-9968-30DAB98F21C8}" type="presParOf" srcId="{6F54AE8E-536E-4E77-AE5C-37DF2832B857}" destId="{66B5EFE4-8F43-459B-A560-5315CF91A606}" srcOrd="2" destOrd="0" presId="urn:microsoft.com/office/officeart/2008/layout/VerticalCurvedList"/>
+    <dgm:cxn modelId="{9E46F0C4-2DBD-4133-BB5F-D31473557477}" type="presParOf" srcId="{6F54AE8E-536E-4E77-AE5C-37DF2832B857}" destId="{59B5E71F-44DE-41C4-A4D8-119A25131EC7}" srcOrd="3" destOrd="0" presId="urn:microsoft.com/office/officeart/2008/layout/VerticalCurvedList"/>
+    <dgm:cxn modelId="{44C9D36C-D75A-4846-B31D-D02ED5597944}" type="presParOf" srcId="{A2138F26-2C77-49B0-B422-4C2B191FD0D6}" destId="{9CA6F6C3-6BC1-4231-9789-8D9235AF9C98}" srcOrd="1" destOrd="0" presId="urn:microsoft.com/office/officeart/2008/layout/VerticalCurvedList"/>
+    <dgm:cxn modelId="{140493A9-594C-473F-904B-DF3965688D12}" type="presParOf" srcId="{A2138F26-2C77-49B0-B422-4C2B191FD0D6}" destId="{B252FD84-E21E-4981-B5A3-D692F9DDE9BC}" srcOrd="2" destOrd="0" presId="urn:microsoft.com/office/officeart/2008/layout/VerticalCurvedList"/>
+    <dgm:cxn modelId="{8410C251-9F4E-4E80-8DB4-FF024669D6EB}" type="presParOf" srcId="{B252FD84-E21E-4981-B5A3-D692F9DDE9BC}" destId="{C2A3AF33-37D0-43A3-9209-BBD026984214}" srcOrd="0" destOrd="0" presId="urn:microsoft.com/office/officeart/2008/layout/VerticalCurvedList"/>
+    <dgm:cxn modelId="{F4A91D30-5141-4933-B593-0FA2963DFFAD}" type="presParOf" srcId="{A2138F26-2C77-49B0-B422-4C2B191FD0D6}" destId="{C27A932A-EBDE-472D-B20D-DA8FDA5B1831}" srcOrd="3" destOrd="0" presId="urn:microsoft.com/office/officeart/2008/layout/VerticalCurvedList"/>
+    <dgm:cxn modelId="{DA6B74C7-7450-4B41-88A4-B0F47D7C01F8}" type="presParOf" srcId="{A2138F26-2C77-49B0-B422-4C2B191FD0D6}" destId="{DE15FC1D-779F-4683-AD38-35E54BB8EB3B}" srcOrd="4" destOrd="0" presId="urn:microsoft.com/office/officeart/2008/layout/VerticalCurvedList"/>
+    <dgm:cxn modelId="{0579C609-155A-44AC-A14E-2BD84E060786}" type="presParOf" srcId="{DE15FC1D-779F-4683-AD38-35E54BB8EB3B}" destId="{1770F18C-E283-4C92-9536-DEC42A4DAEB6}" srcOrd="0" destOrd="0" presId="urn:microsoft.com/office/officeart/2008/layout/VerticalCurvedList"/>
+    <dgm:cxn modelId="{E38C108D-40E3-477E-B717-04616A336E01}" type="presParOf" srcId="{A2138F26-2C77-49B0-B422-4C2B191FD0D6}" destId="{983AE5DE-2CC8-4A2C-A8F5-8EBDA0BB9C74}" srcOrd="5" destOrd="0" presId="urn:microsoft.com/office/officeart/2008/layout/VerticalCurvedList"/>
+    <dgm:cxn modelId="{1A3C5D2C-064B-4BEA-AEA4-67F033CF66B2}" type="presParOf" srcId="{A2138F26-2C77-49B0-B422-4C2B191FD0D6}" destId="{85319531-4519-47A0-B56A-A800E0DEF92D}" srcOrd="6" destOrd="0" presId="urn:microsoft.com/office/officeart/2008/layout/VerticalCurvedList"/>
+    <dgm:cxn modelId="{312CD2E6-65F2-46CE-B83C-DFC4F692D828}" type="presParOf" srcId="{85319531-4519-47A0-B56A-A800E0DEF92D}" destId="{554E2BFF-E1C3-4FB0-9CBF-433CEB60E425}" srcOrd="0" destOrd="0" presId="urn:microsoft.com/office/officeart/2008/layout/VerticalCurvedList"/>
   </dgm:cxnLst>
   <dgm:bg/>
   <dgm:whole/>
@@ -9377,6 +9613,13 @@
         </dgm:presLayoutVars>
       </dgm:prSet>
       <dgm:spPr/>
+      <dgm:t>
+        <a:bodyPr/>
+        <a:lstStyle/>
+        <a:p>
+          <a:endParaRPr lang="vi-VN"/>
+        </a:p>
+      </dgm:t>
     </dgm:pt>
     <dgm:pt modelId="{E7D36D1D-903A-4A97-83EF-D6F191DC44E9}" type="pres">
       <dgm:prSet presAssocID="{770FC595-F0C5-401B-8B4B-C289157AD197}" presName="linNode" presStyleCnt="0"/>
@@ -9389,6 +9632,13 @@
         </dgm:presLayoutVars>
       </dgm:prSet>
       <dgm:spPr/>
+      <dgm:t>
+        <a:bodyPr/>
+        <a:lstStyle/>
+        <a:p>
+          <a:endParaRPr lang="vi-VN"/>
+        </a:p>
+      </dgm:t>
     </dgm:pt>
     <dgm:pt modelId="{DB2923F6-49AA-4685-9FA6-6103EEB10C32}" type="pres">
       <dgm:prSet presAssocID="{770FC595-F0C5-401B-8B4B-C289157AD197}" presName="childShp" presStyleLbl="bgAccFollowNode1" presStyleIdx="0" presStyleCnt="2">
@@ -9413,6 +9663,13 @@
         </dgm:presLayoutVars>
       </dgm:prSet>
       <dgm:spPr/>
+      <dgm:t>
+        <a:bodyPr/>
+        <a:lstStyle/>
+        <a:p>
+          <a:endParaRPr lang="vi-VN"/>
+        </a:p>
+      </dgm:t>
     </dgm:pt>
     <dgm:pt modelId="{156BA9CD-36D0-4D3F-80B6-019C59D1A878}" type="pres">
       <dgm:prSet presAssocID="{9B8304D1-D724-46D7-85AE-C5CA27BF653E}" presName="childShp" presStyleLbl="bgAccFollowNode1" presStyleIdx="1" presStyleCnt="2">
@@ -9669,6 +9926,13 @@
         </dgm:presLayoutVars>
       </dgm:prSet>
       <dgm:spPr/>
+      <dgm:t>
+        <a:bodyPr/>
+        <a:lstStyle/>
+        <a:p>
+          <a:endParaRPr lang="vi-VN"/>
+        </a:p>
+      </dgm:t>
     </dgm:pt>
     <dgm:pt modelId="{3FEBC72A-8C25-452C-8991-A4445FA09158}" type="pres">
       <dgm:prSet presAssocID="{02D9D8E2-589D-45AD-9FF8-81A8E94A0154}" presName="arrow" presStyleLbl="bgShp" presStyleIdx="0" presStyleCnt="1"/>
@@ -9685,6 +9949,13 @@
         </dgm:presLayoutVars>
       </dgm:prSet>
       <dgm:spPr/>
+      <dgm:t>
+        <a:bodyPr/>
+        <a:lstStyle/>
+        <a:p>
+          <a:endParaRPr lang="vi-VN"/>
+        </a:p>
+      </dgm:t>
     </dgm:pt>
     <dgm:pt modelId="{BBEAF0BD-304B-45A0-A286-B29D750AB3A1}" type="pres">
       <dgm:prSet presAssocID="{ED0F06F7-651A-486A-822F-74EECB1AF18D}" presName="sibTrans" presStyleCnt="0"/>
@@ -9697,6 +9968,13 @@
         </dgm:presLayoutVars>
       </dgm:prSet>
       <dgm:spPr/>
+      <dgm:t>
+        <a:bodyPr/>
+        <a:lstStyle/>
+        <a:p>
+          <a:endParaRPr lang="vi-VN"/>
+        </a:p>
+      </dgm:t>
     </dgm:pt>
     <dgm:pt modelId="{834020DA-F244-471F-BF97-81F87F54D034}" type="pres">
       <dgm:prSet presAssocID="{5CB86277-DFCA-4B1D-BCAB-3173EDE54F00}" presName="sibTrans" presStyleCnt="0"/>
@@ -9709,6 +9987,13 @@
         </dgm:presLayoutVars>
       </dgm:prSet>
       <dgm:spPr/>
+      <dgm:t>
+        <a:bodyPr/>
+        <a:lstStyle/>
+        <a:p>
+          <a:endParaRPr lang="vi-VN"/>
+        </a:p>
+      </dgm:t>
     </dgm:pt>
     <dgm:pt modelId="{C76380C6-AFA1-4387-B83D-E152C15B7550}" type="pres">
       <dgm:prSet presAssocID="{84EDC186-E405-403E-8E4F-9179EE20E65E}" presName="sibTrans" presStyleCnt="0"/>
@@ -9721,6 +10006,13 @@
         </dgm:presLayoutVars>
       </dgm:prSet>
       <dgm:spPr/>
+      <dgm:t>
+        <a:bodyPr/>
+        <a:lstStyle/>
+        <a:p>
+          <a:endParaRPr lang="vi-VN"/>
+        </a:p>
+      </dgm:t>
     </dgm:pt>
   </dgm:ptLst>
   <dgm:cxnLst>
@@ -9925,6 +10217,13 @@
         </dgm:presLayoutVars>
       </dgm:prSet>
       <dgm:spPr/>
+      <dgm:t>
+        <a:bodyPr/>
+        <a:lstStyle/>
+        <a:p>
+          <a:endParaRPr lang="vi-VN"/>
+        </a:p>
+      </dgm:t>
     </dgm:pt>
     <dgm:pt modelId="{AAD635DD-09AF-4279-AFD6-726C23E6ABF9}" type="pres">
       <dgm:prSet presAssocID="{92B14CA7-3A64-47CF-A728-27991377821F}" presName="parentText" presStyleLbl="node1" presStyleIdx="0" presStyleCnt="3">
@@ -9934,6 +10233,13 @@
         </dgm:presLayoutVars>
       </dgm:prSet>
       <dgm:spPr/>
+      <dgm:t>
+        <a:bodyPr/>
+        <a:lstStyle/>
+        <a:p>
+          <a:endParaRPr lang="vi-VN"/>
+        </a:p>
+      </dgm:t>
     </dgm:pt>
     <dgm:pt modelId="{90084950-7518-4C6A-89C3-604864EF4B05}" type="pres">
       <dgm:prSet presAssocID="{3FE1B047-41C6-4C0C-AC46-7A60BAF68BCE}" presName="spacer" presStyleCnt="0"/>
@@ -9947,6 +10253,13 @@
         </dgm:presLayoutVars>
       </dgm:prSet>
       <dgm:spPr/>
+      <dgm:t>
+        <a:bodyPr/>
+        <a:lstStyle/>
+        <a:p>
+          <a:endParaRPr lang="vi-VN"/>
+        </a:p>
+      </dgm:t>
     </dgm:pt>
     <dgm:pt modelId="{4945108A-081A-4B3B-9C1E-13355ED5EA7C}" type="pres">
       <dgm:prSet presAssocID="{FF6538D0-6F88-4A82-B4DD-E66D86366DCF}" presName="spacer" presStyleCnt="0"/>
@@ -9960,6 +10273,13 @@
         </dgm:presLayoutVars>
       </dgm:prSet>
       <dgm:spPr/>
+      <dgm:t>
+        <a:bodyPr/>
+        <a:lstStyle/>
+        <a:p>
+          <a:endParaRPr lang="vi-VN"/>
+        </a:p>
+      </dgm:t>
     </dgm:pt>
   </dgm:ptLst>
   <dgm:cxnLst>
@@ -10109,6 +10429,13 @@
         </dgm:presLayoutVars>
       </dgm:prSet>
       <dgm:spPr/>
+      <dgm:t>
+        <a:bodyPr/>
+        <a:lstStyle/>
+        <a:p>
+          <a:endParaRPr lang="vi-VN"/>
+        </a:p>
+      </dgm:t>
     </dgm:pt>
     <dgm:pt modelId="{AF7689FF-6131-48BA-A4AC-E08465CA1BBB}" type="pres">
       <dgm:prSet presAssocID="{0460EDE6-5369-4BE4-97B9-ED054D8963EF}" presName="ribbon" presStyleLbl="node1" presStyleIdx="0" presStyleCnt="1" custLinFactNeighborY="-8424"/>
@@ -10122,6 +10449,13 @@
         </dgm:presLayoutVars>
       </dgm:prSet>
       <dgm:spPr/>
+      <dgm:t>
+        <a:bodyPr/>
+        <a:lstStyle/>
+        <a:p>
+          <a:endParaRPr lang="vi-VN"/>
+        </a:p>
+      </dgm:t>
     </dgm:pt>
     <dgm:pt modelId="{A8F5C8E7-E12B-40C9-A21B-53F0F3C29E8E}" type="pres">
       <dgm:prSet presAssocID="{0460EDE6-5369-4BE4-97B9-ED054D8963EF}" presName="rightArrowText" presStyleLbl="node1" presStyleIdx="0" presStyleCnt="1">
@@ -10131,6 +10465,13 @@
         </dgm:presLayoutVars>
       </dgm:prSet>
       <dgm:spPr/>
+      <dgm:t>
+        <a:bodyPr/>
+        <a:lstStyle/>
+        <a:p>
+          <a:endParaRPr lang="vi-VN"/>
+        </a:p>
+      </dgm:t>
     </dgm:pt>
   </dgm:ptLst>
   <dgm:cxnLst>
@@ -10326,6 +10667,13 @@
         </dgm:presLayoutVars>
       </dgm:prSet>
       <dgm:spPr/>
+      <dgm:t>
+        <a:bodyPr/>
+        <a:lstStyle/>
+        <a:p>
+          <a:endParaRPr lang="vi-VN"/>
+        </a:p>
+      </dgm:t>
     </dgm:pt>
     <dgm:pt modelId="{7EFE5713-3CBC-4213-97A5-60AFB3483A61}" type="pres">
       <dgm:prSet presAssocID="{B9972345-18F6-4B58-8289-A4B1A8B99381}" presName="dummyMaxCanvas" presStyleCnt="0">
@@ -10340,6 +10688,13 @@
         </dgm:presLayoutVars>
       </dgm:prSet>
       <dgm:spPr/>
+      <dgm:t>
+        <a:bodyPr/>
+        <a:lstStyle/>
+        <a:p>
+          <a:endParaRPr lang="vi-VN"/>
+        </a:p>
+      </dgm:t>
     </dgm:pt>
     <dgm:pt modelId="{0EFC5339-BDB8-46A4-B49F-2AA739D65251}" type="pres">
       <dgm:prSet presAssocID="{B9972345-18F6-4B58-8289-A4B1A8B99381}" presName="ThreeNodes_2" presStyleLbl="node1" presStyleIdx="1" presStyleCnt="3">
@@ -10348,6 +10703,13 @@
         </dgm:presLayoutVars>
       </dgm:prSet>
       <dgm:spPr/>
+      <dgm:t>
+        <a:bodyPr/>
+        <a:lstStyle/>
+        <a:p>
+          <a:endParaRPr lang="vi-VN"/>
+        </a:p>
+      </dgm:t>
     </dgm:pt>
     <dgm:pt modelId="{26706064-EEFF-4748-9FC2-1CBF2427FCF3}" type="pres">
       <dgm:prSet presAssocID="{B9972345-18F6-4B58-8289-A4B1A8B99381}" presName="ThreeNodes_3" presStyleLbl="node1" presStyleIdx="2" presStyleCnt="3">
@@ -10356,6 +10718,13 @@
         </dgm:presLayoutVars>
       </dgm:prSet>
       <dgm:spPr/>
+      <dgm:t>
+        <a:bodyPr/>
+        <a:lstStyle/>
+        <a:p>
+          <a:endParaRPr lang="vi-VN"/>
+        </a:p>
+      </dgm:t>
     </dgm:pt>
     <dgm:pt modelId="{848C4015-F99A-4FF0-8290-31C35CD9D260}" type="pres">
       <dgm:prSet presAssocID="{B9972345-18F6-4B58-8289-A4B1A8B99381}" presName="ThreeConn_1-2" presStyleLbl="fgAccFollowNode1" presStyleIdx="0" presStyleCnt="2">
@@ -10364,6 +10733,13 @@
         </dgm:presLayoutVars>
       </dgm:prSet>
       <dgm:spPr/>
+      <dgm:t>
+        <a:bodyPr/>
+        <a:lstStyle/>
+        <a:p>
+          <a:endParaRPr lang="vi-VN"/>
+        </a:p>
+      </dgm:t>
     </dgm:pt>
     <dgm:pt modelId="{1F412EE8-2BF4-42BA-9E9E-A832DD960127}" type="pres">
       <dgm:prSet presAssocID="{B9972345-18F6-4B58-8289-A4B1A8B99381}" presName="ThreeConn_2-3" presStyleLbl="fgAccFollowNode1" presStyleIdx="1" presStyleCnt="2">
@@ -10372,6 +10748,13 @@
         </dgm:presLayoutVars>
       </dgm:prSet>
       <dgm:spPr/>
+      <dgm:t>
+        <a:bodyPr/>
+        <a:lstStyle/>
+        <a:p>
+          <a:endParaRPr lang="vi-VN"/>
+        </a:p>
+      </dgm:t>
     </dgm:pt>
     <dgm:pt modelId="{4E2A46AA-5677-42B9-BA82-81EBF7632589}" type="pres">
       <dgm:prSet presAssocID="{B9972345-18F6-4B58-8289-A4B1A8B99381}" presName="ThreeNodes_1_text" presStyleLbl="node1" presStyleIdx="2" presStyleCnt="3">
@@ -10380,6 +10763,13 @@
         </dgm:presLayoutVars>
       </dgm:prSet>
       <dgm:spPr/>
+      <dgm:t>
+        <a:bodyPr/>
+        <a:lstStyle/>
+        <a:p>
+          <a:endParaRPr lang="vi-VN"/>
+        </a:p>
+      </dgm:t>
     </dgm:pt>
     <dgm:pt modelId="{EE842E9D-6F92-451C-88E1-60F6B3B100C8}" type="pres">
       <dgm:prSet presAssocID="{B9972345-18F6-4B58-8289-A4B1A8B99381}" presName="ThreeNodes_2_text" presStyleLbl="node1" presStyleIdx="2" presStyleCnt="3">
@@ -10388,6 +10778,13 @@
         </dgm:presLayoutVars>
       </dgm:prSet>
       <dgm:spPr/>
+      <dgm:t>
+        <a:bodyPr/>
+        <a:lstStyle/>
+        <a:p>
+          <a:endParaRPr lang="vi-VN"/>
+        </a:p>
+      </dgm:t>
     </dgm:pt>
     <dgm:pt modelId="{6D7DD28E-70DC-44BC-8C02-217D3733ED93}" type="pres">
       <dgm:prSet presAssocID="{B9972345-18F6-4B58-8289-A4B1A8B99381}" presName="ThreeNodes_3_text" presStyleLbl="node1" presStyleIdx="2" presStyleCnt="3">
@@ -10396,21 +10793,28 @@
         </dgm:presLayoutVars>
       </dgm:prSet>
       <dgm:spPr/>
+      <dgm:t>
+        <a:bodyPr/>
+        <a:lstStyle/>
+        <a:p>
+          <a:endParaRPr lang="vi-VN"/>
+        </a:p>
+      </dgm:t>
     </dgm:pt>
   </dgm:ptLst>
   <dgm:cxnLst>
-    <dgm:cxn modelId="{AA3DBDF5-3725-4E40-91C7-36B3C5037A09}" type="presOf" srcId="{E6A29496-B977-413D-A4F5-D1943F95BEE2}" destId="{A9F66C45-67A7-4A8D-BBB9-10EEEBC6B54B}" srcOrd="0" destOrd="0" presId="urn:microsoft.com/office/officeart/2005/8/layout/vProcess5"/>
+    <dgm:cxn modelId="{D076C5A9-C478-4E96-BD60-BFB716C59CF6}" srcId="{B9972345-18F6-4B58-8289-A4B1A8B99381}" destId="{45C00707-826B-42BF-9594-7C3327C11666}" srcOrd="2" destOrd="0" parTransId="{D2BDF2BC-6D4C-4FED-99FE-E39C45442B48}" sibTransId="{1E7E26CF-89CC-4483-AED8-99EC85EAADA4}"/>
+    <dgm:cxn modelId="{CF01AF23-0C52-4528-9D69-AE15CD27CC4F}" srcId="{B9972345-18F6-4B58-8289-A4B1A8B99381}" destId="{7A91329D-E670-4EAE-AEA2-5DB360A04B11}" srcOrd="1" destOrd="0" parTransId="{6315DC40-CD43-4C79-815F-719257A9D40C}" sibTransId="{7BC9D13F-D160-4536-99D1-6DB28B37D498}"/>
     <dgm:cxn modelId="{99D1BB2D-1EB7-4FFB-8663-3796F908FF21}" type="presOf" srcId="{45C00707-826B-42BF-9594-7C3327C11666}" destId="{6D7DD28E-70DC-44BC-8C02-217D3733ED93}" srcOrd="1" destOrd="0" presId="urn:microsoft.com/office/officeart/2005/8/layout/vProcess5"/>
+    <dgm:cxn modelId="{43A2AC75-1A95-4846-9BB6-F1E6752D88C6}" type="presOf" srcId="{7BC9D13F-D160-4536-99D1-6DB28B37D498}" destId="{1F412EE8-2BF4-42BA-9E9E-A832DD960127}" srcOrd="0" destOrd="0" presId="urn:microsoft.com/office/officeart/2005/8/layout/vProcess5"/>
+    <dgm:cxn modelId="{3B232F93-7FA6-4583-8285-B6D66E31168E}" type="presOf" srcId="{B9972345-18F6-4B58-8289-A4B1A8B99381}" destId="{DF56A33D-1C79-41D4-A65E-456B5D8C7F28}" srcOrd="0" destOrd="0" presId="urn:microsoft.com/office/officeart/2005/8/layout/vProcess5"/>
     <dgm:cxn modelId="{2B75EBC5-6F01-4AE3-AE67-9B2FC8CA6604}" srcId="{B9972345-18F6-4B58-8289-A4B1A8B99381}" destId="{E6A29496-B977-413D-A4F5-D1943F95BEE2}" srcOrd="0" destOrd="0" parTransId="{E59EFD2B-2708-4F87-A34D-8E3D22677810}" sibTransId="{1FAA6E37-8E57-45B7-8991-FD6C8951E929}"/>
-    <dgm:cxn modelId="{D076C5A9-C478-4E96-BD60-BFB716C59CF6}" srcId="{B9972345-18F6-4B58-8289-A4B1A8B99381}" destId="{45C00707-826B-42BF-9594-7C3327C11666}" srcOrd="2" destOrd="0" parTransId="{D2BDF2BC-6D4C-4FED-99FE-E39C45442B48}" sibTransId="{1E7E26CF-89CC-4483-AED8-99EC85EAADA4}"/>
-    <dgm:cxn modelId="{A6A7ABDD-2287-40CE-A86B-A632CDDFEFA5}" type="presOf" srcId="{E6A29496-B977-413D-A4F5-D1943F95BEE2}" destId="{4E2A46AA-5677-42B9-BA82-81EBF7632589}" srcOrd="1" destOrd="0" presId="urn:microsoft.com/office/officeart/2005/8/layout/vProcess5"/>
-    <dgm:cxn modelId="{3B232F93-7FA6-4583-8285-B6D66E31168E}" type="presOf" srcId="{B9972345-18F6-4B58-8289-A4B1A8B99381}" destId="{DF56A33D-1C79-41D4-A65E-456B5D8C7F28}" srcOrd="0" destOrd="0" presId="urn:microsoft.com/office/officeart/2005/8/layout/vProcess5"/>
+    <dgm:cxn modelId="{302D4948-F8EB-4D96-9592-0B55E05937BE}" type="presOf" srcId="{1FAA6E37-8E57-45B7-8991-FD6C8951E929}" destId="{848C4015-F99A-4FF0-8290-31C35CD9D260}" srcOrd="0" destOrd="0" presId="urn:microsoft.com/office/officeart/2005/8/layout/vProcess5"/>
     <dgm:cxn modelId="{B89041BF-F432-4A85-BF49-EB009679273C}" type="presOf" srcId="{45C00707-826B-42BF-9594-7C3327C11666}" destId="{26706064-EEFF-4748-9FC2-1CBF2427FCF3}" srcOrd="0" destOrd="0" presId="urn:microsoft.com/office/officeart/2005/8/layout/vProcess5"/>
     <dgm:cxn modelId="{B1D5F2AD-10C7-4470-BDE5-C4F19C79577A}" type="presOf" srcId="{7A91329D-E670-4EAE-AEA2-5DB360A04B11}" destId="{0EFC5339-BDB8-46A4-B49F-2AA739D65251}" srcOrd="0" destOrd="0" presId="urn:microsoft.com/office/officeart/2005/8/layout/vProcess5"/>
-    <dgm:cxn modelId="{43A2AC75-1A95-4846-9BB6-F1E6752D88C6}" type="presOf" srcId="{7BC9D13F-D160-4536-99D1-6DB28B37D498}" destId="{1F412EE8-2BF4-42BA-9E9E-A832DD960127}" srcOrd="0" destOrd="0" presId="urn:microsoft.com/office/officeart/2005/8/layout/vProcess5"/>
+    <dgm:cxn modelId="{A6A7ABDD-2287-40CE-A86B-A632CDDFEFA5}" type="presOf" srcId="{E6A29496-B977-413D-A4F5-D1943F95BEE2}" destId="{4E2A46AA-5677-42B9-BA82-81EBF7632589}" srcOrd="1" destOrd="0" presId="urn:microsoft.com/office/officeart/2005/8/layout/vProcess5"/>
     <dgm:cxn modelId="{6AEFDD47-D1A2-4C06-BE3B-5DBEDD2CE710}" type="presOf" srcId="{7A91329D-E670-4EAE-AEA2-5DB360A04B11}" destId="{EE842E9D-6F92-451C-88E1-60F6B3B100C8}" srcOrd="1" destOrd="0" presId="urn:microsoft.com/office/officeart/2005/8/layout/vProcess5"/>
-    <dgm:cxn modelId="{302D4948-F8EB-4D96-9592-0B55E05937BE}" type="presOf" srcId="{1FAA6E37-8E57-45B7-8991-FD6C8951E929}" destId="{848C4015-F99A-4FF0-8290-31C35CD9D260}" srcOrd="0" destOrd="0" presId="urn:microsoft.com/office/officeart/2005/8/layout/vProcess5"/>
-    <dgm:cxn modelId="{CF01AF23-0C52-4528-9D69-AE15CD27CC4F}" srcId="{B9972345-18F6-4B58-8289-A4B1A8B99381}" destId="{7A91329D-E670-4EAE-AEA2-5DB360A04B11}" srcOrd="1" destOrd="0" parTransId="{6315DC40-CD43-4C79-815F-719257A9D40C}" sibTransId="{7BC9D13F-D160-4536-99D1-6DB28B37D498}"/>
+    <dgm:cxn modelId="{AA3DBDF5-3725-4E40-91C7-36B3C5037A09}" type="presOf" srcId="{E6A29496-B977-413D-A4F5-D1943F95BEE2}" destId="{A9F66C45-67A7-4A8D-BBB9-10EEEBC6B54B}" srcOrd="0" destOrd="0" presId="urn:microsoft.com/office/officeart/2005/8/layout/vProcess5"/>
     <dgm:cxn modelId="{4F06B770-5F31-408D-8A6C-A62FB05396A2}" type="presParOf" srcId="{DF56A33D-1C79-41D4-A65E-456B5D8C7F28}" destId="{7EFE5713-3CBC-4213-97A5-60AFB3483A61}" srcOrd="0" destOrd="0" presId="urn:microsoft.com/office/officeart/2005/8/layout/vProcess5"/>
     <dgm:cxn modelId="{43474D9B-0E81-48F7-A4D0-3CC3961515B3}" type="presParOf" srcId="{DF56A33D-1C79-41D4-A65E-456B5D8C7F28}" destId="{A9F66C45-67A7-4A8D-BBB9-10EEEBC6B54B}" srcOrd="1" destOrd="0" presId="urn:microsoft.com/office/officeart/2005/8/layout/vProcess5"/>
     <dgm:cxn modelId="{6A544276-FA91-414F-ABCB-D3004DC08210}" type="presParOf" srcId="{DF56A33D-1C79-41D4-A65E-456B5D8C7F28}" destId="{0EFC5339-BDB8-46A4-B49F-2AA739D65251}" srcOrd="2" destOrd="0" presId="urn:microsoft.com/office/officeart/2005/8/layout/vProcess5"/>
@@ -10922,6 +11326,13 @@
         </dgm:presLayoutVars>
       </dgm:prSet>
       <dgm:spPr/>
+      <dgm:t>
+        <a:bodyPr/>
+        <a:lstStyle/>
+        <a:p>
+          <a:endParaRPr lang="vi-VN"/>
+        </a:p>
+      </dgm:t>
     </dgm:pt>
     <dgm:pt modelId="{2D24C1F6-FF86-422F-BB9D-77A728976D74}" type="pres">
       <dgm:prSet presAssocID="{6341FAE3-DB2B-4999-8632-5366D48C4297}" presName="upArrow" presStyleLbl="node1" presStyleIdx="0" presStyleCnt="2"/>
@@ -10935,6 +11346,13 @@
         </dgm:presLayoutVars>
       </dgm:prSet>
       <dgm:spPr/>
+      <dgm:t>
+        <a:bodyPr/>
+        <a:lstStyle/>
+        <a:p>
+          <a:endParaRPr lang="vi-VN"/>
+        </a:p>
+      </dgm:t>
     </dgm:pt>
     <dgm:pt modelId="{88BC1B3C-9342-4FA7-AF74-592F35E9F93D}" type="pres">
       <dgm:prSet presAssocID="{EA81FA6A-394E-40B1-B67E-6BBE51E3D34B}" presName="downArrow" presStyleLbl="node1" presStyleIdx="1" presStyleCnt="2"/>
@@ -10948,28 +11366,35 @@
         </dgm:presLayoutVars>
       </dgm:prSet>
       <dgm:spPr/>
+      <dgm:t>
+        <a:bodyPr/>
+        <a:lstStyle/>
+        <a:p>
+          <a:endParaRPr lang="vi-VN"/>
+        </a:p>
+      </dgm:t>
     </dgm:pt>
   </dgm:ptLst>
   <dgm:cxnLst>
+    <dgm:cxn modelId="{19A47ADA-018F-4C74-A704-0CAE137352CF}" type="presOf" srcId="{E06E8688-AE61-47F5-9535-AC33775F3193}" destId="{2BF218D0-F35A-4B1B-A493-895C932925D8}" srcOrd="0" destOrd="1" presId="urn:microsoft.com/office/officeart/2005/8/layout/arrow4"/>
+    <dgm:cxn modelId="{74931E69-7264-4560-BFA1-C2D69093ED1D}" srcId="{233B5966-30C0-4135-89A7-0462B80E16E8}" destId="{6341FAE3-DB2B-4999-8632-5366D48C4297}" srcOrd="0" destOrd="0" parTransId="{30EA4ED9-19E6-49D9-929A-2FCA7878174E}" sibTransId="{818FF2A4-87B1-462D-B95F-DEA053A88FDD}"/>
+    <dgm:cxn modelId="{E2668CE2-FA6D-4C84-8029-5857AEC587BF}" srcId="{6341FAE3-DB2B-4999-8632-5366D48C4297}" destId="{E06E8688-AE61-47F5-9535-AC33775F3193}" srcOrd="0" destOrd="0" parTransId="{61537135-657A-4B44-BA8B-3FEEC78B5BEE}" sibTransId="{708B27DA-0E8D-449C-A00C-716BC4C1B9DA}"/>
+    <dgm:cxn modelId="{D4B4DA31-8F10-4C35-9CCF-F2A24F4FDCBC}" type="presOf" srcId="{159C553C-AD71-4391-8973-FD90A6D462A4}" destId="{2BF218D0-F35A-4B1B-A493-895C932925D8}" srcOrd="0" destOrd="3" presId="urn:microsoft.com/office/officeart/2005/8/layout/arrow4"/>
+    <dgm:cxn modelId="{BF36B231-39F6-424F-AE9D-DD0B6A851A6D}" type="presOf" srcId="{49BBB03B-1BAB-4099-8100-069ED2245C6F}" destId="{2BF218D0-F35A-4B1B-A493-895C932925D8}" srcOrd="0" destOrd="4" presId="urn:microsoft.com/office/officeart/2005/8/layout/arrow4"/>
+    <dgm:cxn modelId="{80E2053B-E7B5-4BA1-8E8E-84870C88CF09}" srcId="{EA81FA6A-394E-40B1-B67E-6BBE51E3D34B}" destId="{E1A75B90-5563-4839-9DD5-A11B8A0D3203}" srcOrd="1" destOrd="0" parTransId="{50982788-F3AE-41D8-8F36-DB2D2D17A0A8}" sibTransId="{72FFBC3A-958D-405B-A6AA-758B9E17CB94}"/>
+    <dgm:cxn modelId="{D75B4A65-C917-4D70-A508-B8D058E50443}" srcId="{6341FAE3-DB2B-4999-8632-5366D48C4297}" destId="{159C553C-AD71-4391-8973-FD90A6D462A4}" srcOrd="2" destOrd="0" parTransId="{C4AA4695-C6C8-4163-8D75-3BC883B9FE08}" sibTransId="{C9788E17-83CB-4406-AF98-E587E30CECCC}"/>
+    <dgm:cxn modelId="{FAB68B3F-D190-4037-AE00-E912C737E497}" srcId="{EA81FA6A-394E-40B1-B67E-6BBE51E3D34B}" destId="{CEF925DB-19EF-49C6-9CCC-F14EEF4C326C}" srcOrd="2" destOrd="0" parTransId="{2EBA29A9-3102-400B-A481-7A0EAC80FD04}" sibTransId="{8C9FA3E9-A17C-4BF2-A8F5-1C072A378F34}"/>
+    <dgm:cxn modelId="{B6548EDE-F3A3-4953-9AAA-265A46188E25}" srcId="{EA81FA6A-394E-40B1-B67E-6BBE51E3D34B}" destId="{B8F866B1-EB9A-4A83-AE07-760F04AF3204}" srcOrd="0" destOrd="0" parTransId="{2DA29526-FB57-470F-ACC8-56DEE78CEE87}" sibTransId="{BE7171B0-2AB2-4502-A36C-807EB745FA91}"/>
+    <dgm:cxn modelId="{6507E915-16FD-4AC7-819C-3518CFE61FF3}" srcId="{6341FAE3-DB2B-4999-8632-5366D48C4297}" destId="{56A7A401-8010-496E-AE4B-357C543FB0F6}" srcOrd="1" destOrd="0" parTransId="{6CC3DAA0-8EB8-4308-98F8-9C502CA7445E}" sibTransId="{48F1B712-06A6-471D-99F7-8C0CAEBCEDE8}"/>
+    <dgm:cxn modelId="{AD221570-0F15-4829-8C48-1D2F65029E56}" type="presOf" srcId="{233B5966-30C0-4135-89A7-0462B80E16E8}" destId="{313673AB-B0C1-4629-8A32-700C64436E4A}" srcOrd="0" destOrd="0" presId="urn:microsoft.com/office/officeart/2005/8/layout/arrow4"/>
+    <dgm:cxn modelId="{1272EE3E-F54E-45F1-AE8A-422BBC1F1C83}" type="presOf" srcId="{E1A75B90-5563-4839-9DD5-A11B8A0D3203}" destId="{6AAE9F35-3D05-44D8-8DBA-862DA1779A1D}" srcOrd="0" destOrd="2" presId="urn:microsoft.com/office/officeart/2005/8/layout/arrow4"/>
+    <dgm:cxn modelId="{1715A676-223B-42D5-BBC2-99DD7A87C188}" type="presOf" srcId="{EA81FA6A-394E-40B1-B67E-6BBE51E3D34B}" destId="{6AAE9F35-3D05-44D8-8DBA-862DA1779A1D}" srcOrd="0" destOrd="0" presId="urn:microsoft.com/office/officeart/2005/8/layout/arrow4"/>
+    <dgm:cxn modelId="{D0E74864-5EB5-477A-A97B-705C3CAE1C32}" type="presOf" srcId="{CEF925DB-19EF-49C6-9CCC-F14EEF4C326C}" destId="{6AAE9F35-3D05-44D8-8DBA-862DA1779A1D}" srcOrd="0" destOrd="3" presId="urn:microsoft.com/office/officeart/2005/8/layout/arrow4"/>
+    <dgm:cxn modelId="{11D46E64-7050-49E9-97BD-DE09E2ED2C7B}" srcId="{6341FAE3-DB2B-4999-8632-5366D48C4297}" destId="{49BBB03B-1BAB-4099-8100-069ED2245C6F}" srcOrd="3" destOrd="0" parTransId="{2A3145F8-AB33-458F-B2D5-94C8D3358130}" sibTransId="{D8B3ECA7-73C6-48A8-B915-FFDE69A2C4AD}"/>
+    <dgm:cxn modelId="{0F3328F6-3E95-4BEE-B8AF-14E4063180E5}" type="presOf" srcId="{B8F866B1-EB9A-4A83-AE07-760F04AF3204}" destId="{6AAE9F35-3D05-44D8-8DBA-862DA1779A1D}" srcOrd="0" destOrd="1" presId="urn:microsoft.com/office/officeart/2005/8/layout/arrow4"/>
+    <dgm:cxn modelId="{4DAD048E-2D3F-4C5E-9821-92D49C755548}" type="presOf" srcId="{56A7A401-8010-496E-AE4B-357C543FB0F6}" destId="{2BF218D0-F35A-4B1B-A493-895C932925D8}" srcOrd="0" destOrd="2" presId="urn:microsoft.com/office/officeart/2005/8/layout/arrow4"/>
     <dgm:cxn modelId="{3CF3FF0E-C725-4BD9-B560-D0CBCB3EFCEF}" srcId="{233B5966-30C0-4135-89A7-0462B80E16E8}" destId="{EA81FA6A-394E-40B1-B67E-6BBE51E3D34B}" srcOrd="1" destOrd="0" parTransId="{D39BAE4C-4057-4D82-B553-DD259C7274E2}" sibTransId="{D96D3DB1-AC3E-47F3-B7CD-E31B248F9FDA}"/>
-    <dgm:cxn modelId="{1715A676-223B-42D5-BBC2-99DD7A87C188}" type="presOf" srcId="{EA81FA6A-394E-40B1-B67E-6BBE51E3D34B}" destId="{6AAE9F35-3D05-44D8-8DBA-862DA1779A1D}" srcOrd="0" destOrd="0" presId="urn:microsoft.com/office/officeart/2005/8/layout/arrow4"/>
-    <dgm:cxn modelId="{B6548EDE-F3A3-4953-9AAA-265A46188E25}" srcId="{EA81FA6A-394E-40B1-B67E-6BBE51E3D34B}" destId="{B8F866B1-EB9A-4A83-AE07-760F04AF3204}" srcOrd="0" destOrd="0" parTransId="{2DA29526-FB57-470F-ACC8-56DEE78CEE87}" sibTransId="{BE7171B0-2AB2-4502-A36C-807EB745FA91}"/>
     <dgm:cxn modelId="{773861E9-4C7E-459B-84EF-0400474DC0D6}" type="presOf" srcId="{6341FAE3-DB2B-4999-8632-5366D48C4297}" destId="{2BF218D0-F35A-4B1B-A493-895C932925D8}" srcOrd="0" destOrd="0" presId="urn:microsoft.com/office/officeart/2005/8/layout/arrow4"/>
-    <dgm:cxn modelId="{D0E74864-5EB5-477A-A97B-705C3CAE1C32}" type="presOf" srcId="{CEF925DB-19EF-49C6-9CCC-F14EEF4C326C}" destId="{6AAE9F35-3D05-44D8-8DBA-862DA1779A1D}" srcOrd="0" destOrd="3" presId="urn:microsoft.com/office/officeart/2005/8/layout/arrow4"/>
-    <dgm:cxn modelId="{FAB68B3F-D190-4037-AE00-E912C737E497}" srcId="{EA81FA6A-394E-40B1-B67E-6BBE51E3D34B}" destId="{CEF925DB-19EF-49C6-9CCC-F14EEF4C326C}" srcOrd="2" destOrd="0" parTransId="{2EBA29A9-3102-400B-A481-7A0EAC80FD04}" sibTransId="{8C9FA3E9-A17C-4BF2-A8F5-1C072A378F34}"/>
-    <dgm:cxn modelId="{AD221570-0F15-4829-8C48-1D2F65029E56}" type="presOf" srcId="{233B5966-30C0-4135-89A7-0462B80E16E8}" destId="{313673AB-B0C1-4629-8A32-700C64436E4A}" srcOrd="0" destOrd="0" presId="urn:microsoft.com/office/officeart/2005/8/layout/arrow4"/>
-    <dgm:cxn modelId="{4DAD048E-2D3F-4C5E-9821-92D49C755548}" type="presOf" srcId="{56A7A401-8010-496E-AE4B-357C543FB0F6}" destId="{2BF218D0-F35A-4B1B-A493-895C932925D8}" srcOrd="0" destOrd="2" presId="urn:microsoft.com/office/officeart/2005/8/layout/arrow4"/>
-    <dgm:cxn modelId="{74931E69-7264-4560-BFA1-C2D69093ED1D}" srcId="{233B5966-30C0-4135-89A7-0462B80E16E8}" destId="{6341FAE3-DB2B-4999-8632-5366D48C4297}" srcOrd="0" destOrd="0" parTransId="{30EA4ED9-19E6-49D9-929A-2FCA7878174E}" sibTransId="{818FF2A4-87B1-462D-B95F-DEA053A88FDD}"/>
-    <dgm:cxn modelId="{19A47ADA-018F-4C74-A704-0CAE137352CF}" type="presOf" srcId="{E06E8688-AE61-47F5-9535-AC33775F3193}" destId="{2BF218D0-F35A-4B1B-A493-895C932925D8}" srcOrd="0" destOrd="1" presId="urn:microsoft.com/office/officeart/2005/8/layout/arrow4"/>
-    <dgm:cxn modelId="{E2668CE2-FA6D-4C84-8029-5857AEC587BF}" srcId="{6341FAE3-DB2B-4999-8632-5366D48C4297}" destId="{E06E8688-AE61-47F5-9535-AC33775F3193}" srcOrd="0" destOrd="0" parTransId="{61537135-657A-4B44-BA8B-3FEEC78B5BEE}" sibTransId="{708B27DA-0E8D-449C-A00C-716BC4C1B9DA}"/>
-    <dgm:cxn modelId="{BF36B231-39F6-424F-AE9D-DD0B6A851A6D}" type="presOf" srcId="{49BBB03B-1BAB-4099-8100-069ED2245C6F}" destId="{2BF218D0-F35A-4B1B-A493-895C932925D8}" srcOrd="0" destOrd="4" presId="urn:microsoft.com/office/officeart/2005/8/layout/arrow4"/>
-    <dgm:cxn modelId="{6507E915-16FD-4AC7-819C-3518CFE61FF3}" srcId="{6341FAE3-DB2B-4999-8632-5366D48C4297}" destId="{56A7A401-8010-496E-AE4B-357C543FB0F6}" srcOrd="1" destOrd="0" parTransId="{6CC3DAA0-8EB8-4308-98F8-9C502CA7445E}" sibTransId="{48F1B712-06A6-471D-99F7-8C0CAEBCEDE8}"/>
-    <dgm:cxn modelId="{D4B4DA31-8F10-4C35-9CCF-F2A24F4FDCBC}" type="presOf" srcId="{159C553C-AD71-4391-8973-FD90A6D462A4}" destId="{2BF218D0-F35A-4B1B-A493-895C932925D8}" srcOrd="0" destOrd="3" presId="urn:microsoft.com/office/officeart/2005/8/layout/arrow4"/>
-    <dgm:cxn modelId="{80E2053B-E7B5-4BA1-8E8E-84870C88CF09}" srcId="{EA81FA6A-394E-40B1-B67E-6BBE51E3D34B}" destId="{E1A75B90-5563-4839-9DD5-A11B8A0D3203}" srcOrd="1" destOrd="0" parTransId="{50982788-F3AE-41D8-8F36-DB2D2D17A0A8}" sibTransId="{72FFBC3A-958D-405B-A6AA-758B9E17CB94}"/>
-    <dgm:cxn modelId="{0F3328F6-3E95-4BEE-B8AF-14E4063180E5}" type="presOf" srcId="{B8F866B1-EB9A-4A83-AE07-760F04AF3204}" destId="{6AAE9F35-3D05-44D8-8DBA-862DA1779A1D}" srcOrd="0" destOrd="1" presId="urn:microsoft.com/office/officeart/2005/8/layout/arrow4"/>
-    <dgm:cxn modelId="{11D46E64-7050-49E9-97BD-DE09E2ED2C7B}" srcId="{6341FAE3-DB2B-4999-8632-5366D48C4297}" destId="{49BBB03B-1BAB-4099-8100-069ED2245C6F}" srcOrd="3" destOrd="0" parTransId="{2A3145F8-AB33-458F-B2D5-94C8D3358130}" sibTransId="{D8B3ECA7-73C6-48A8-B915-FFDE69A2C4AD}"/>
-    <dgm:cxn modelId="{D75B4A65-C917-4D70-A508-B8D058E50443}" srcId="{6341FAE3-DB2B-4999-8632-5366D48C4297}" destId="{159C553C-AD71-4391-8973-FD90A6D462A4}" srcOrd="2" destOrd="0" parTransId="{C4AA4695-C6C8-4163-8D75-3BC883B9FE08}" sibTransId="{C9788E17-83CB-4406-AF98-E587E30CECCC}"/>
-    <dgm:cxn modelId="{1272EE3E-F54E-45F1-AE8A-422BBC1F1C83}" type="presOf" srcId="{E1A75B90-5563-4839-9DD5-A11B8A0D3203}" destId="{6AAE9F35-3D05-44D8-8DBA-862DA1779A1D}" srcOrd="0" destOrd="2" presId="urn:microsoft.com/office/officeart/2005/8/layout/arrow4"/>
     <dgm:cxn modelId="{45234A3B-A719-43BA-BA9C-39B68CA95DC9}" type="presParOf" srcId="{313673AB-B0C1-4629-8A32-700C64436E4A}" destId="{2D24C1F6-FF86-422F-BB9D-77A728976D74}" srcOrd="0" destOrd="0" presId="urn:microsoft.com/office/officeart/2005/8/layout/arrow4"/>
     <dgm:cxn modelId="{1B506720-CB04-4309-9F1C-2E1EEE561F55}" type="presParOf" srcId="{313673AB-B0C1-4629-8A32-700C64436E4A}" destId="{2BF218D0-F35A-4B1B-A493-895C932925D8}" srcOrd="1" destOrd="0" presId="urn:microsoft.com/office/officeart/2005/8/layout/arrow4"/>
     <dgm:cxn modelId="{C81F5782-ADF5-44B0-96C5-9FB2806CC5C8}" type="presParOf" srcId="{313673AB-B0C1-4629-8A32-700C64436E4A}" destId="{88BC1B3C-9342-4FA7-AF74-592F35E9F93D}" srcOrd="2" destOrd="0" presId="urn:microsoft.com/office/officeart/2005/8/layout/arrow4"/>
@@ -12648,7 +13073,7 @@
       <dsp:spPr>
         <a:xfrm>
           <a:off x="0" y="0"/>
-          <a:ext cx="6408712" cy="827461"/>
+          <a:ext cx="6760579" cy="844010"/>
         </a:xfrm>
         <a:prstGeom prst="roundRect">
           <a:avLst/>
@@ -12728,8 +13153,8 @@
         </a:p>
       </dsp:txBody>
       <dsp:txXfrm>
-        <a:off x="40393" y="40393"/>
-        <a:ext cx="6327926" cy="746675"/>
+        <a:off x="41201" y="41201"/>
+        <a:ext cx="6678177" cy="761608"/>
       </dsp:txXfrm>
     </dsp:sp>
     <dsp:sp modelId="{BF917787-2E5C-4BEF-B7BF-213C62C341AA}">
@@ -12739,8 +13164,8 @@
       </dsp:nvSpPr>
       <dsp:spPr>
         <a:xfrm>
-          <a:off x="0" y="983864"/>
-          <a:ext cx="6408712" cy="936000"/>
+          <a:off x="0" y="998501"/>
+          <a:ext cx="6760579" cy="954720"/>
         </a:xfrm>
         <a:prstGeom prst="roundRect">
           <a:avLst/>
@@ -12820,8 +13245,8 @@
         </a:p>
       </dsp:txBody>
       <dsp:txXfrm>
-        <a:off x="45692" y="1029556"/>
-        <a:ext cx="6317328" cy="844616"/>
+        <a:off x="46606" y="1045107"/>
+        <a:ext cx="6667367" cy="861508"/>
       </dsp:txXfrm>
     </dsp:sp>
     <dsp:sp modelId="{74BFFE08-F42F-4B99-B434-EDCDAA0B3887}">
@@ -12831,8 +13256,8 @@
       </dsp:nvSpPr>
       <dsp:spPr>
         <a:xfrm>
-          <a:off x="0" y="2086027"/>
-          <a:ext cx="6408712" cy="936000"/>
+          <a:off x="0" y="2122707"/>
+          <a:ext cx="6760579" cy="954720"/>
         </a:xfrm>
         <a:prstGeom prst="roundRect">
           <a:avLst/>
@@ -12912,8 +13337,8 @@
         </a:p>
       </dsp:txBody>
       <dsp:txXfrm>
-        <a:off x="45692" y="2131719"/>
-        <a:ext cx="6317328" cy="844616"/>
+        <a:off x="46606" y="2169313"/>
+        <a:ext cx="6667367" cy="861508"/>
       </dsp:txXfrm>
     </dsp:sp>
     <dsp:sp modelId="{43A298CA-19C9-4735-9216-705C4EC6E01F}">
@@ -12923,8 +13348,8 @@
       </dsp:nvSpPr>
       <dsp:spPr>
         <a:xfrm>
-          <a:off x="0" y="3168455"/>
-          <a:ext cx="6408712" cy="936000"/>
+          <a:off x="0" y="3221744"/>
+          <a:ext cx="6760579" cy="954720"/>
         </a:xfrm>
         <a:prstGeom prst="roundRect">
           <a:avLst/>
@@ -13004,8 +13429,8 @@
         </a:p>
       </dsp:txBody>
       <dsp:txXfrm>
-        <a:off x="45692" y="3214147"/>
-        <a:ext cx="6317328" cy="844616"/>
+        <a:off x="46606" y="3268350"/>
+        <a:ext cx="6667367" cy="861508"/>
       </dsp:txXfrm>
     </dsp:sp>
   </dsp:spTree>
@@ -13020,17 +13445,62 @@
       <dsp:cNvGrpSpPr/>
     </dsp:nvGrpSpPr>
     <dsp:grpSpPr/>
-    <dsp:sp modelId="{258783AC-5209-4AA7-9943-FE02F03248F2}">
+    <dsp:sp modelId="{1B46B33B-96ED-4774-95EA-B01BDEDFD0AF}">
       <dsp:nvSpPr>
         <dsp:cNvPr id="0" name=""/>
         <dsp:cNvSpPr/>
       </dsp:nvSpPr>
       <dsp:spPr>
         <a:xfrm>
-          <a:off x="2123225" y="2047"/>
-          <a:ext cx="2388628" cy="1351379"/>
+          <a:off x="-5616822" y="-859990"/>
+          <a:ext cx="6688533" cy="6688533"/>
         </a:xfrm>
-        <a:prstGeom prst="roundRect">
+        <a:prstGeom prst="blockArc">
+          <a:avLst>
+            <a:gd name="adj1" fmla="val 18900000"/>
+            <a:gd name="adj2" fmla="val 2700000"/>
+            <a:gd name="adj3" fmla="val 323"/>
+          </a:avLst>
+        </a:prstGeom>
+        <a:noFill/>
+        <a:ln w="25400" cap="flat" cmpd="sng" algn="ctr">
+          <a:solidFill>
+            <a:schemeClr val="accent2">
+              <a:shade val="60000"/>
+              <a:hueOff val="0"/>
+              <a:satOff val="0"/>
+              <a:lumOff val="0"/>
+              <a:alphaOff val="0"/>
+            </a:schemeClr>
+          </a:solidFill>
+          <a:prstDash val="solid"/>
+        </a:ln>
+        <a:effectLst/>
+      </dsp:spPr>
+      <dsp:style>
+        <a:lnRef idx="2">
+          <a:scrgbClr r="0" g="0" b="0"/>
+        </a:lnRef>
+        <a:fillRef idx="0">
+          <a:scrgbClr r="0" g="0" b="0"/>
+        </a:fillRef>
+        <a:effectRef idx="0">
+          <a:scrgbClr r="0" g="0" b="0"/>
+        </a:effectRef>
+        <a:fontRef idx="minor"/>
+      </dsp:style>
+    </dsp:sp>
+    <dsp:sp modelId="{9CA6F6C3-6BC1-4231-9789-8D9235AF9C98}">
+      <dsp:nvSpPr>
+        <dsp:cNvPr id="0" name=""/>
+        <dsp:cNvSpPr/>
+      </dsp:nvSpPr>
+      <dsp:spPr>
+        <a:xfrm>
+          <a:off x="689635" y="496855"/>
+          <a:ext cx="6298582" cy="993710"/>
+        </a:xfrm>
+        <a:prstGeom prst="rect">
           <a:avLst/>
         </a:prstGeom>
         <a:solidFill>
@@ -13075,12 +13545,12 @@
         </a:fontRef>
       </dsp:style>
       <dsp:txBody>
-        <a:bodyPr spcFirstLastPara="0" vert="horz" wrap="square" lIns="76200" tIns="38100" rIns="76200" bIns="38100" numCol="1" spcCol="1270" anchor="ctr" anchorCtr="0">
+        <a:bodyPr spcFirstLastPara="0" vert="horz" wrap="square" lIns="788758" tIns="50800" rIns="50800" bIns="50800" numCol="1" spcCol="1270" anchor="ctr" anchorCtr="0">
           <a:noAutofit/>
         </a:bodyPr>
         <a:lstStyle/>
         <a:p>
-          <a:pPr lvl="0" algn="ctr" defTabSz="889000" rtl="0">
+          <a:pPr lvl="0" algn="l" defTabSz="889000" rtl="0">
             <a:lnSpc>
               <a:spcPct val="90000"/>
             </a:lnSpc>
@@ -13105,21 +13575,68 @@
         </a:p>
       </dsp:txBody>
       <dsp:txXfrm>
-        <a:off x="2189194" y="68016"/>
-        <a:ext cx="2256690" cy="1219441"/>
+        <a:off x="689635" y="496855"/>
+        <a:ext cx="6298582" cy="993710"/>
       </dsp:txXfrm>
     </dsp:sp>
-    <dsp:sp modelId="{782C8270-5056-4CD4-B89C-ABBB5189F1AB}">
+    <dsp:sp modelId="{C2A3AF33-37D0-43A3-9209-BBD026984214}">
       <dsp:nvSpPr>
         <dsp:cNvPr id="0" name=""/>
         <dsp:cNvSpPr/>
       </dsp:nvSpPr>
       <dsp:spPr>
         <a:xfrm>
-          <a:off x="2123225" y="1420996"/>
-          <a:ext cx="2388628" cy="1351379"/>
+          <a:off x="68566" y="372641"/>
+          <a:ext cx="1242138" cy="1242138"/>
         </a:xfrm>
-        <a:prstGeom prst="roundRect">
+        <a:prstGeom prst="ellipse">
+          <a:avLst/>
+        </a:prstGeom>
+        <a:solidFill>
+          <a:schemeClr val="lt1">
+            <a:hueOff val="0"/>
+            <a:satOff val="0"/>
+            <a:lumOff val="0"/>
+            <a:alphaOff val="0"/>
+          </a:schemeClr>
+        </a:solidFill>
+        <a:ln w="25400" cap="flat" cmpd="sng" algn="ctr">
+          <a:solidFill>
+            <a:schemeClr val="accent2">
+              <a:hueOff val="0"/>
+              <a:satOff val="0"/>
+              <a:lumOff val="0"/>
+              <a:alphaOff val="0"/>
+            </a:schemeClr>
+          </a:solidFill>
+          <a:prstDash val="solid"/>
+        </a:ln>
+        <a:effectLst/>
+      </dsp:spPr>
+      <dsp:style>
+        <a:lnRef idx="2">
+          <a:scrgbClr r="0" g="0" b="0"/>
+        </a:lnRef>
+        <a:fillRef idx="1">
+          <a:scrgbClr r="0" g="0" b="0"/>
+        </a:fillRef>
+        <a:effectRef idx="0">
+          <a:scrgbClr r="0" g="0" b="0"/>
+        </a:effectRef>
+        <a:fontRef idx="minor"/>
+      </dsp:style>
+    </dsp:sp>
+    <dsp:sp modelId="{C27A932A-EBDE-472D-B20D-DA8FDA5B1831}">
+      <dsp:nvSpPr>
+        <dsp:cNvPr id="0" name=""/>
+        <dsp:cNvSpPr/>
+      </dsp:nvSpPr>
+      <dsp:spPr>
+        <a:xfrm>
+          <a:off x="1050848" y="1987420"/>
+          <a:ext cx="5937369" cy="993710"/>
+        </a:xfrm>
+        <a:prstGeom prst="rect">
           <a:avLst/>
         </a:prstGeom>
         <a:solidFill>
@@ -13164,12 +13681,12 @@
         </a:fontRef>
       </dsp:style>
       <dsp:txBody>
-        <a:bodyPr spcFirstLastPara="0" vert="horz" wrap="square" lIns="76200" tIns="38100" rIns="76200" bIns="38100" numCol="1" spcCol="1270" anchor="ctr" anchorCtr="0">
+        <a:bodyPr spcFirstLastPara="0" vert="horz" wrap="square" lIns="788758" tIns="50800" rIns="50800" bIns="50800" numCol="1" spcCol="1270" anchor="ctr" anchorCtr="0">
           <a:noAutofit/>
         </a:bodyPr>
         <a:lstStyle/>
         <a:p>
-          <a:pPr lvl="0" algn="ctr" defTabSz="889000" rtl="0">
+          <a:pPr lvl="0" algn="l" defTabSz="889000" rtl="0">
             <a:lnSpc>
               <a:spcPct val="90000"/>
             </a:lnSpc>
@@ -13194,21 +13711,68 @@
         </a:p>
       </dsp:txBody>
       <dsp:txXfrm>
-        <a:off x="2189194" y="1486965"/>
-        <a:ext cx="2256690" cy="1219441"/>
+        <a:off x="1050848" y="1987420"/>
+        <a:ext cx="5937369" cy="993710"/>
       </dsp:txXfrm>
     </dsp:sp>
-    <dsp:sp modelId="{9EEAE68E-A688-4178-872B-4FB9F4007811}">
+    <dsp:sp modelId="{1770F18C-E283-4C92-9536-DEC42A4DAEB6}">
       <dsp:nvSpPr>
         <dsp:cNvPr id="0" name=""/>
         <dsp:cNvSpPr/>
       </dsp:nvSpPr>
       <dsp:spPr>
         <a:xfrm>
-          <a:off x="2123225" y="2839945"/>
-          <a:ext cx="2388628" cy="1351379"/>
+          <a:off x="429779" y="1863207"/>
+          <a:ext cx="1242138" cy="1242138"/>
         </a:xfrm>
-        <a:prstGeom prst="roundRect">
+        <a:prstGeom prst="ellipse">
+          <a:avLst/>
+        </a:prstGeom>
+        <a:solidFill>
+          <a:schemeClr val="lt1">
+            <a:hueOff val="0"/>
+            <a:satOff val="0"/>
+            <a:lumOff val="0"/>
+            <a:alphaOff val="0"/>
+          </a:schemeClr>
+        </a:solidFill>
+        <a:ln w="25400" cap="flat" cmpd="sng" algn="ctr">
+          <a:solidFill>
+            <a:schemeClr val="accent2">
+              <a:hueOff val="0"/>
+              <a:satOff val="0"/>
+              <a:lumOff val="0"/>
+              <a:alphaOff val="0"/>
+            </a:schemeClr>
+          </a:solidFill>
+          <a:prstDash val="solid"/>
+        </a:ln>
+        <a:effectLst/>
+      </dsp:spPr>
+      <dsp:style>
+        <a:lnRef idx="2">
+          <a:scrgbClr r="0" g="0" b="0"/>
+        </a:lnRef>
+        <a:fillRef idx="1">
+          <a:scrgbClr r="0" g="0" b="0"/>
+        </a:fillRef>
+        <a:effectRef idx="0">
+          <a:scrgbClr r="0" g="0" b="0"/>
+        </a:effectRef>
+        <a:fontRef idx="minor"/>
+      </dsp:style>
+    </dsp:sp>
+    <dsp:sp modelId="{983AE5DE-2CC8-4A2C-A8F5-8EBDA0BB9C74}">
+      <dsp:nvSpPr>
+        <dsp:cNvPr id="0" name=""/>
+        <dsp:cNvSpPr/>
+      </dsp:nvSpPr>
+      <dsp:spPr>
+        <a:xfrm>
+          <a:off x="689635" y="3477986"/>
+          <a:ext cx="6298582" cy="993710"/>
+        </a:xfrm>
+        <a:prstGeom prst="rect">
           <a:avLst/>
         </a:prstGeom>
         <a:solidFill>
@@ -13253,12 +13817,12 @@
         </a:fontRef>
       </dsp:style>
       <dsp:txBody>
-        <a:bodyPr spcFirstLastPara="0" vert="horz" wrap="square" lIns="76200" tIns="38100" rIns="76200" bIns="38100" numCol="1" spcCol="1270" anchor="ctr" anchorCtr="0">
+        <a:bodyPr spcFirstLastPara="0" vert="horz" wrap="square" lIns="788758" tIns="50800" rIns="50800" bIns="50800" numCol="1" spcCol="1270" anchor="ctr" anchorCtr="0">
           <a:noAutofit/>
         </a:bodyPr>
         <a:lstStyle/>
         <a:p>
-          <a:pPr lvl="0" algn="ctr" defTabSz="889000" rtl="0">
+          <a:pPr lvl="0" algn="l" defTabSz="889000" rtl="0">
             <a:lnSpc>
               <a:spcPct val="90000"/>
             </a:lnSpc>
@@ -13283,9 +13847,56 @@
         </a:p>
       </dsp:txBody>
       <dsp:txXfrm>
-        <a:off x="2189194" y="2905914"/>
-        <a:ext cx="2256690" cy="1219441"/>
+        <a:off x="689635" y="3477986"/>
+        <a:ext cx="6298582" cy="993710"/>
       </dsp:txXfrm>
+    </dsp:sp>
+    <dsp:sp modelId="{554E2BFF-E1C3-4FB0-9CBF-433CEB60E425}">
+      <dsp:nvSpPr>
+        <dsp:cNvPr id="0" name=""/>
+        <dsp:cNvSpPr/>
+      </dsp:nvSpPr>
+      <dsp:spPr>
+        <a:xfrm>
+          <a:off x="68566" y="3353772"/>
+          <a:ext cx="1242138" cy="1242138"/>
+        </a:xfrm>
+        <a:prstGeom prst="ellipse">
+          <a:avLst/>
+        </a:prstGeom>
+        <a:solidFill>
+          <a:schemeClr val="lt1">
+            <a:hueOff val="0"/>
+            <a:satOff val="0"/>
+            <a:lumOff val="0"/>
+            <a:alphaOff val="0"/>
+          </a:schemeClr>
+        </a:solidFill>
+        <a:ln w="25400" cap="flat" cmpd="sng" algn="ctr">
+          <a:solidFill>
+            <a:schemeClr val="accent2">
+              <a:hueOff val="0"/>
+              <a:satOff val="0"/>
+              <a:lumOff val="0"/>
+              <a:alphaOff val="0"/>
+            </a:schemeClr>
+          </a:solidFill>
+          <a:prstDash val="solid"/>
+        </a:ln>
+        <a:effectLst/>
+      </dsp:spPr>
+      <dsp:style>
+        <a:lnRef idx="2">
+          <a:scrgbClr r="0" g="0" b="0"/>
+        </a:lnRef>
+        <a:fillRef idx="1">
+          <a:scrgbClr r="0" g="0" b="0"/>
+        </a:fillRef>
+        <a:effectRef idx="0">
+          <a:scrgbClr r="0" g="0" b="0"/>
+        </a:effectRef>
+        <a:fontRef idx="minor"/>
+      </dsp:style>
     </dsp:sp>
   </dsp:spTree>
 </dsp:drawing>
@@ -15882,12 +16493,11 @@
 </file>
 
 <file path=ppt/diagrams/layout3.xml><?xml version="1.0" encoding="utf-8"?>
-<dgm:layoutDef xmlns:dgm="http://schemas.openxmlformats.org/drawingml/2006/diagram" xmlns:a="http://schemas.openxmlformats.org/drawingml/2006/main" uniqueId="urn:microsoft.com/office/officeart/2005/8/layout/vList5">
+<dgm:layoutDef xmlns:dgm="http://schemas.openxmlformats.org/drawingml/2006/diagram" xmlns:a="http://schemas.openxmlformats.org/drawingml/2006/main" uniqueId="urn:microsoft.com/office/officeart/2008/layout/VerticalCurvedList">
   <dgm:title val=""/>
   <dgm:desc val=""/>
   <dgm:catLst>
-    <dgm:cat type="list" pri="15000"/>
-    <dgm:cat type="convert" pri="2000"/>
+    <dgm:cat type="list" pri="20000"/>
   </dgm:catLst>
   <dgm:sampData>
     <dgm:dataModel>
@@ -15896,28 +16506,10 @@
         <dgm:pt modelId="1">
           <dgm:prSet phldr="1"/>
         </dgm:pt>
-        <dgm:pt modelId="11">
-          <dgm:prSet phldr="1"/>
-        </dgm:pt>
-        <dgm:pt modelId="12">
-          <dgm:prSet phldr="1"/>
-        </dgm:pt>
         <dgm:pt modelId="2">
           <dgm:prSet phldr="1"/>
         </dgm:pt>
-        <dgm:pt modelId="21">
-          <dgm:prSet phldr="1"/>
-        </dgm:pt>
-        <dgm:pt modelId="22">
-          <dgm:prSet phldr="1"/>
-        </dgm:pt>
         <dgm:pt modelId="3">
-          <dgm:prSet phldr="1"/>
-        </dgm:pt>
-        <dgm:pt modelId="31">
-          <dgm:prSet phldr="1"/>
-        </dgm:pt>
-        <dgm:pt modelId="32">
           <dgm:prSet phldr="1"/>
         </dgm:pt>
       </dgm:ptLst>
@@ -15925,12 +16517,6 @@
         <dgm:cxn modelId="4" srcId="0" destId="1" srcOrd="0" destOrd="0"/>
         <dgm:cxn modelId="5" srcId="0" destId="2" srcOrd="1" destOrd="0"/>
         <dgm:cxn modelId="6" srcId="0" destId="3" srcOrd="2" destOrd="0"/>
-        <dgm:cxn modelId="13" srcId="1" destId="11" srcOrd="0" destOrd="0"/>
-        <dgm:cxn modelId="14" srcId="1" destId="12" srcOrd="1" destOrd="0"/>
-        <dgm:cxn modelId="23" srcId="2" destId="21" srcOrd="0" destOrd="0"/>
-        <dgm:cxn modelId="24" srcId="2" destId="22" srcOrd="1" destOrd="0"/>
-        <dgm:cxn modelId="33" srcId="3" destId="31" srcOrd="0" destOrd="0"/>
-        <dgm:cxn modelId="34" srcId="3" destId="32" srcOrd="1" destOrd="0"/>
       </dgm:cxnLst>
       <dgm:bg/>
       <dgm:whole/>
@@ -15940,16 +16526,16 @@
     <dgm:dataModel>
       <dgm:ptLst>
         <dgm:pt modelId="0" type="doc"/>
-        <dgm:pt modelId="1"/>
-        <dgm:pt modelId="11"/>
-        <dgm:pt modelId="2"/>
-        <dgm:pt modelId="21"/>
+        <dgm:pt modelId="1">
+          <dgm:prSet phldr="1"/>
+        </dgm:pt>
+        <dgm:pt modelId="2">
+          <dgm:prSet phldr="1"/>
+        </dgm:pt>
       </dgm:ptLst>
       <dgm:cxnLst>
-        <dgm:cxn modelId="4" srcId="0" destId="1" srcOrd="0" destOrd="0"/>
-        <dgm:cxn modelId="5" srcId="0" destId="2" srcOrd="1" destOrd="0"/>
-        <dgm:cxn modelId="13" srcId="1" destId="11" srcOrd="0" destOrd="0"/>
-        <dgm:cxn modelId="23" srcId="2" destId="21" srcOrd="0" destOrd="0"/>
+        <dgm:cxn modelId="3" srcId="0" destId="1" srcOrd="0" destOrd="0"/>
+        <dgm:cxn modelId="4" srcId="0" destId="2" srcOrd="1" destOrd="0"/>
       </dgm:cxnLst>
       <dgm:bg/>
       <dgm:whole/>
@@ -15959,24 +16545,24 @@
     <dgm:dataModel>
       <dgm:ptLst>
         <dgm:pt modelId="0" type="doc"/>
-        <dgm:pt modelId="1"/>
-        <dgm:pt modelId="11"/>
-        <dgm:pt modelId="2"/>
-        <dgm:pt modelId="21"/>
-        <dgm:pt modelId="3"/>
-        <dgm:pt modelId="31"/>
-        <dgm:pt modelId="4"/>
-        <dgm:pt modelId="41"/>
+        <dgm:pt modelId="1">
+          <dgm:prSet phldr="1"/>
+        </dgm:pt>
+        <dgm:pt modelId="2">
+          <dgm:prSet phldr="1"/>
+        </dgm:pt>
+        <dgm:pt modelId="3">
+          <dgm:prSet phldr="1"/>
+        </dgm:pt>
+        <dgm:pt modelId="4">
+          <dgm:prSet phldr="1"/>
+        </dgm:pt>
       </dgm:ptLst>
       <dgm:cxnLst>
         <dgm:cxn modelId="5" srcId="0" destId="1" srcOrd="0" destOrd="0"/>
         <dgm:cxn modelId="6" srcId="0" destId="2" srcOrd="1" destOrd="0"/>
         <dgm:cxn modelId="7" srcId="0" destId="3" srcOrd="2" destOrd="0"/>
         <dgm:cxn modelId="8" srcId="0" destId="4" srcOrd="3" destOrd="0"/>
-        <dgm:cxn modelId="13" srcId="1" destId="11" srcOrd="0" destOrd="0"/>
-        <dgm:cxn modelId="23" srcId="2" destId="21" srcOrd="0" destOrd="0"/>
-        <dgm:cxn modelId="33" srcId="3" destId="31" srcOrd="0" destOrd="0"/>
-        <dgm:cxn modelId="43" srcId="4" destId="41" srcOrd="0" destOrd="0"/>
       </dgm:cxnLst>
       <dgm:bg/>
       <dgm:whole/>
@@ -15984,47 +16570,800 @@
   </dgm:clrData>
   <dgm:layoutNode name="Name0">
     <dgm:varLst>
+      <dgm:chMax val="7"/>
+      <dgm:chPref val="7"/>
       <dgm:dir/>
-      <dgm:animLvl val="lvl"/>
-      <dgm:resizeHandles val="exact"/>
     </dgm:varLst>
-    <dgm:choose name="Name1">
-      <dgm:if name="Name2" func="var" arg="dir" op="equ" val="norm">
-        <dgm:alg type="lin">
-          <dgm:param type="linDir" val="fromT"/>
-          <dgm:param type="nodeHorzAlign" val="l"/>
-        </dgm:alg>
-      </dgm:if>
-      <dgm:else name="Name3">
-        <dgm:alg type="lin">
-          <dgm:param type="linDir" val="fromT"/>
-          <dgm:param type="nodeHorzAlign" val="r"/>
-        </dgm:alg>
-      </dgm:else>
-    </dgm:choose>
+    <dgm:alg type="composite"/>
     <dgm:shape xmlns:r="http://schemas.openxmlformats.org/officeDocument/2006/relationships" r:blip="">
       <dgm:adjLst/>
     </dgm:shape>
-    <dgm:presOf/>
     <dgm:constrLst>
-      <dgm:constr type="h" for="ch" forName="linNode" refType="h"/>
-      <dgm:constr type="w" for="ch" forName="linNode" refType="w"/>
-      <dgm:constr type="h" for="ch" forName="sp" refType="h" fact="0.05"/>
-      <dgm:constr type="primFontSz" for="des" forName="parentText" op="equ" val="65"/>
-      <dgm:constr type="secFontSz" for="des" forName="descendantText" op="equ"/>
+      <dgm:constr type="w" for="ch" refType="h" refFor="ch" op="gte" fact="0.8"/>
     </dgm:constrLst>
-    <dgm:ruleLst/>
-    <dgm:forEach name="Name4" axis="ch" ptType="node">
-      <dgm:layoutNode name="linNode">
-        <dgm:choose name="Name5">
-          <dgm:if name="Name6" func="var" arg="dir" op="equ" val="norm">
-            <dgm:alg type="lin">
-              <dgm:param type="linDir" val="fromL"/>
+    <dgm:layoutNode name="Name1">
+      <dgm:alg type="composite"/>
+      <dgm:shape xmlns:r="http://schemas.openxmlformats.org/officeDocument/2006/relationships" r:blip="">
+        <dgm:adjLst/>
+      </dgm:shape>
+      <dgm:choose name="Name2">
+        <dgm:if name="Name3" func="var" arg="dir" op="equ" val="norm">
+          <dgm:choose name="Name4">
+            <dgm:if name="Name5" axis="ch" ptType="node" func="cnt" op="equ" val="1">
+              <dgm:constrLst>
+                <dgm:constr type="h" for="ch" forName="cycle" refType="h"/>
+                <dgm:constr type="w" for="ch" forName="cycle" refType="h" refFor="ch" refForName="cycle" fact="0.26"/>
+                <dgm:constr type="l" for="ch" forName="cycle"/>
+                <dgm:constr type="ctrY" for="ch" forName="cycle" refType="h" fact="0.5"/>
+                <dgm:constr type="diam" for="ch" forName="cycle" refType="h" fact="1.344"/>
+                <dgm:constr type="h" for="ch" forName="accent_1" refType="h" fact="0.625"/>
+                <dgm:constr type="w" for="ch" forName="accent_1" refType="h" refFor="ch" refForName="accent_1" op="equ"/>
+                <dgm:constr type="ctrY" for="ch" forName="accent_1" refType="h" fact="0.5"/>
+                <dgm:constr type="ctrX" for="ch" forName="accent_1" refType="h" fact="0.2253"/>
+                <dgm:constr type="l" for="ch" forName="text_1" refType="ctrX" refFor="ch" refForName="accent_1"/>
+                <dgm:constr type="r" for="ch" forName="text_1" refType="w"/>
+                <dgm:constr type="w" for="ch" forName="text_1" refType="h" refFor="ch" refForName="text_1" op="gte"/>
+                <dgm:constr type="h" for="ch" forName="text_1" refType="h" refFor="ch" refForName="accent_1" fact="0.8"/>
+                <dgm:constr type="ctrY" for="ch" forName="text_1" refType="ctrY" refFor="ch" refForName="accent_1"/>
+                <dgm:constr type="lMarg" for="ch" forName="text_1" refType="w" refFor="ch" refForName="accent_1" fact="1.8"/>
+                <dgm:constr type="primFontSz" for="ch" ptType="node" op="equ" val="65"/>
+              </dgm:constrLst>
+            </dgm:if>
+            <dgm:if name="Name6" axis="ch" ptType="node" func="cnt" op="equ" val="2">
+              <dgm:constrLst>
+                <dgm:constr type="h" for="ch" forName="cycle" refType="h"/>
+                <dgm:constr type="w" for="ch" forName="cycle" refType="h" refFor="ch" refForName="cycle" fact="0.26"/>
+                <dgm:constr type="l" for="ch" forName="cycle"/>
+                <dgm:constr type="ctrY" for="ch" forName="cycle" refType="h" fact="0.5"/>
+                <dgm:constr type="diam" for="ch" forName="cycle" refType="h" fact="1.344"/>
+                <dgm:constr type="h" for="ch" forName="accent_1" refType="h" fact="0.3571"/>
+                <dgm:constr type="w" for="ch" forName="accent_1" refType="h" refFor="ch" refForName="accent_1" op="equ"/>
+                <dgm:constr type="ctrY" for="ch" forName="accent_1" refType="h" fact="0.2857"/>
+                <dgm:constr type="ctrX" for="ch" forName="accent_1" refType="h" fact="0.1891"/>
+                <dgm:constr type="l" for="ch" forName="text_1" refType="ctrX" refFor="ch" refForName="accent_1"/>
+                <dgm:constr type="r" for="ch" forName="text_1" refType="w"/>
+                <dgm:constr type="w" for="ch" forName="text_1" refType="h" refFor="ch" refForName="text_1" op="gte"/>
+                <dgm:constr type="h" for="ch" forName="text_1" refType="h" refFor="ch" refForName="accent_1" fact="0.8"/>
+                <dgm:constr type="ctrY" for="ch" forName="text_1" refType="ctrY" refFor="ch" refForName="accent_1"/>
+                <dgm:constr type="lMarg" for="ch" forName="text_1" refType="w" refFor="ch" refForName="accent_1" fact="1.8"/>
+                <dgm:constr type="h" for="ch" forName="accent_2" refType="h" fact="0.3571"/>
+                <dgm:constr type="w" for="ch" forName="accent_2" refType="h" refFor="ch" refForName="accent_2" op="equ"/>
+                <dgm:constr type="ctrY" for="ch" forName="accent_2" refType="h" fact="0.7143"/>
+                <dgm:constr type="ctrX" for="ch" forName="accent_2" refType="h" fact="0.1891"/>
+                <dgm:constr type="l" for="ch" forName="text_2" refType="ctrX" refFor="ch" refForName="accent_2"/>
+                <dgm:constr type="r" for="ch" forName="text_2" refType="w"/>
+                <dgm:constr type="w" for="ch" forName="text_2" refType="h" refFor="ch" refForName="text_2" op="gte"/>
+                <dgm:constr type="h" for="ch" forName="text_2" refType="h" refFor="ch" refForName="accent_2" fact="0.8"/>
+                <dgm:constr type="ctrY" for="ch" forName="text_2" refType="ctrY" refFor="ch" refForName="accent_2"/>
+                <dgm:constr type="lMarg" for="ch" forName="text_2" refType="w" refFor="ch" refForName="accent_2" fact="1.8"/>
+                <dgm:constr type="primFontSz" for="ch" ptType="node" op="equ" val="65"/>
+              </dgm:constrLst>
+            </dgm:if>
+            <dgm:if name="Name7" axis="ch" ptType="node" func="cnt" op="equ" val="3">
+              <dgm:constrLst>
+                <dgm:constr type="h" for="ch" forName="cycle" refType="h"/>
+                <dgm:constr type="w" for="ch" forName="cycle" refType="h" refFor="ch" refForName="cycle" fact="0.26"/>
+                <dgm:constr type="l" for="ch" forName="cycle"/>
+                <dgm:constr type="ctrY" for="ch" forName="cycle" refType="h" fact="0.5"/>
+                <dgm:constr type="diam" for="ch" forName="cycle" refType="h" fact="1.344"/>
+                <dgm:constr type="h" for="ch" forName="accent_1" refType="h" fact="0.25"/>
+                <dgm:constr type="w" for="ch" forName="accent_1" refType="h" refFor="ch" refForName="accent_1" op="equ"/>
+                <dgm:constr type="ctrY" for="ch" forName="accent_1" refType="h" fact="0.2"/>
+                <dgm:constr type="ctrX" for="ch" forName="accent_1" refType="h" fact="0.1526"/>
+                <dgm:constr type="l" for="ch" forName="text_1" refType="ctrX" refFor="ch" refForName="accent_1"/>
+                <dgm:constr type="r" for="ch" forName="text_1" refType="w"/>
+                <dgm:constr type="w" for="ch" forName="text_1" refType="h" refFor="ch" refForName="text_1" op="gte"/>
+                <dgm:constr type="h" for="ch" forName="text_1" refType="h" refFor="ch" refForName="accent_1" fact="0.8"/>
+                <dgm:constr type="ctrY" for="ch" forName="text_1" refType="ctrY" refFor="ch" refForName="accent_1"/>
+                <dgm:constr type="lMarg" for="ch" forName="text_1" refType="w" refFor="ch" refForName="accent_1" fact="1.8"/>
+                <dgm:constr type="h" for="ch" forName="accent_2" refType="h" fact="0.25"/>
+                <dgm:constr type="w" for="ch" forName="accent_2" refType="h" refFor="ch" refForName="accent_2" op="equ"/>
+                <dgm:constr type="ctrY" for="ch" forName="accent_2" refType="h" fact="0.5"/>
+                <dgm:constr type="ctrX" for="ch" forName="accent_2" refType="h" fact="0.2253"/>
+                <dgm:constr type="l" for="ch" forName="text_2" refType="ctrX" refFor="ch" refForName="accent_2"/>
+                <dgm:constr type="r" for="ch" forName="text_2" refType="w"/>
+                <dgm:constr type="w" for="ch" forName="text_2" refType="h" refFor="ch" refForName="text_2" op="gte"/>
+                <dgm:constr type="h" for="ch" forName="text_2" refType="h" refFor="ch" refForName="accent_2" fact="0.8"/>
+                <dgm:constr type="ctrY" for="ch" forName="text_2" refType="ctrY" refFor="ch" refForName="accent_2"/>
+                <dgm:constr type="lMarg" for="ch" forName="text_2" refType="w" refFor="ch" refForName="accent_2" fact="1.8"/>
+                <dgm:constr type="h" for="ch" forName="accent_3" refType="h" fact="0.25"/>
+                <dgm:constr type="w" for="ch" forName="accent_3" refType="h" refFor="ch" refForName="accent_3" op="equ"/>
+                <dgm:constr type="ctrY" for="ch" forName="accent_3" refType="h" fact="0.8"/>
+                <dgm:constr type="ctrX" for="ch" forName="accent_3" refType="h" fact="0.1526"/>
+                <dgm:constr type="l" for="ch" forName="text_3" refType="ctrX" refFor="ch" refForName="accent_3"/>
+                <dgm:constr type="r" for="ch" forName="text_3" refType="w"/>
+                <dgm:constr type="w" for="ch" forName="text_3" refType="h" refFor="ch" refForName="text_3" op="gte"/>
+                <dgm:constr type="h" for="ch" forName="text_3" refType="h" refFor="ch" refForName="accent_3" fact="0.8"/>
+                <dgm:constr type="ctrY" for="ch" forName="text_3" refType="ctrY" refFor="ch" refForName="accent_3"/>
+                <dgm:constr type="lMarg" for="ch" forName="text_3" refType="w" refFor="ch" refForName="accent_3" fact="1.8"/>
+                <dgm:constr type="primFontSz" for="ch" ptType="node" op="equ" val="65"/>
+              </dgm:constrLst>
+            </dgm:if>
+            <dgm:if name="Name8" axis="ch" ptType="node" func="cnt" op="equ" val="4">
+              <dgm:constrLst>
+                <dgm:constr type="h" for="ch" forName="cycle" refType="h"/>
+                <dgm:constr type="w" for="ch" forName="cycle" refType="h" refFor="ch" refForName="cycle" fact="0.26"/>
+                <dgm:constr type="l" for="ch" forName="cycle"/>
+                <dgm:constr type="ctrY" for="ch" forName="cycle" refType="h" fact="0.5"/>
+                <dgm:constr type="diam" for="ch" forName="cycle" refType="h" fact="1.344"/>
+                <dgm:constr type="h" for="ch" forName="accent_1" refType="h" fact="0.1923"/>
+                <dgm:constr type="w" for="ch" forName="accent_1" refType="h" refFor="ch" refForName="accent_1" op="equ"/>
+                <dgm:constr type="ctrY" for="ch" forName="accent_1" refType="h" fact="0.1538"/>
+                <dgm:constr type="ctrX" for="ch" forName="accent_1" refType="h" fact="0.1268"/>
+                <dgm:constr type="l" for="ch" forName="text_1" refType="ctrX" refFor="ch" refForName="accent_1"/>
+                <dgm:constr type="r" for="ch" forName="text_1" refType="w"/>
+                <dgm:constr type="w" for="ch" forName="text_1" refType="h" refFor="ch" refForName="text_1" op="gte"/>
+                <dgm:constr type="h" for="ch" forName="text_1" refType="h" refFor="ch" refForName="accent_1" fact="0.8"/>
+                <dgm:constr type="ctrY" for="ch" forName="text_1" refType="ctrY" refFor="ch" refForName="accent_1"/>
+                <dgm:constr type="lMarg" for="ch" forName="text_1" refType="w" refFor="ch" refForName="accent_1" fact="1.8"/>
+                <dgm:constr type="h" for="ch" forName="accent_2" refType="h" fact="0.1923"/>
+                <dgm:constr type="w" for="ch" forName="accent_2" refType="h" refFor="ch" refForName="accent_2" op="equ"/>
+                <dgm:constr type="ctrY" for="ch" forName="accent_2" refType="h" fact="0.3846"/>
+                <dgm:constr type="ctrX" for="ch" forName="accent_2" refType="h" fact="0.215"/>
+                <dgm:constr type="l" for="ch" forName="text_2" refType="ctrX" refFor="ch" refForName="accent_2"/>
+                <dgm:constr type="r" for="ch" forName="text_2" refType="w"/>
+                <dgm:constr type="w" for="ch" forName="text_2" refType="h" refFor="ch" refForName="text_2" op="gte"/>
+                <dgm:constr type="h" for="ch" forName="text_2" refType="h" refFor="ch" refForName="accent_2" fact="0.8"/>
+                <dgm:constr type="ctrY" for="ch" forName="text_2" refType="ctrY" refFor="ch" refForName="accent_2"/>
+                <dgm:constr type="lMarg" for="ch" forName="text_2" refType="w" refFor="ch" refForName="accent_2" fact="1.8"/>
+                <dgm:constr type="h" for="ch" forName="accent_3" refType="h" fact="0.1923"/>
+                <dgm:constr type="w" for="ch" forName="accent_3" refType="h" refFor="ch" refForName="accent_3" op="equ"/>
+                <dgm:constr type="ctrY" for="ch" forName="accent_3" refType="h" fact="0.6154"/>
+                <dgm:constr type="ctrX" for="ch" forName="accent_3" refType="h" fact="0.215"/>
+                <dgm:constr type="l" for="ch" forName="text_3" refType="ctrX" refFor="ch" refForName="accent_3"/>
+                <dgm:constr type="r" for="ch" forName="text_3" refType="w"/>
+                <dgm:constr type="w" for="ch" forName="text_3" refType="h" refFor="ch" refForName="text_3" op="gte"/>
+                <dgm:constr type="h" for="ch" forName="text_3" refType="h" refFor="ch" refForName="accent_3" fact="0.8"/>
+                <dgm:constr type="ctrY" for="ch" forName="text_3" refType="ctrY" refFor="ch" refForName="accent_3"/>
+                <dgm:constr type="lMarg" for="ch" forName="text_3" refType="w" refFor="ch" refForName="accent_3" fact="1.8"/>
+                <dgm:constr type="h" for="ch" forName="accent_4" refType="h" fact="0.1923"/>
+                <dgm:constr type="w" for="ch" forName="accent_4" refType="h" refFor="ch" refForName="accent_4" op="equ"/>
+                <dgm:constr type="ctrY" for="ch" forName="accent_4" refType="h" fact="0.8462"/>
+                <dgm:constr type="ctrX" for="ch" forName="accent_4" refType="h" fact="0.1268"/>
+                <dgm:constr type="l" for="ch" forName="text_4" refType="ctrX" refFor="ch" refForName="accent_4"/>
+                <dgm:constr type="r" for="ch" forName="text_4" refType="w"/>
+                <dgm:constr type="w" for="ch" forName="text_4" refType="h" refFor="ch" refForName="text_4" op="gte"/>
+                <dgm:constr type="h" for="ch" forName="text_4" refType="h" refFor="ch" refForName="accent_4" fact="0.8"/>
+                <dgm:constr type="ctrY" for="ch" forName="text_4" refType="ctrY" refFor="ch" refForName="accent_4"/>
+                <dgm:constr type="lMarg" for="ch" forName="text_4" refType="w" refFor="ch" refForName="accent_4" fact="1.8"/>
+                <dgm:constr type="primFontSz" for="ch" ptType="node" op="equ" val="65"/>
+              </dgm:constrLst>
+            </dgm:if>
+            <dgm:if name="Name9" axis="ch" ptType="node" func="cnt" op="equ" val="5">
+              <dgm:constrLst>
+                <dgm:constr type="h" for="ch" forName="cycle" refType="h"/>
+                <dgm:constr type="w" for="ch" forName="cycle" refType="h" refFor="ch" refForName="cycle" fact="0.26"/>
+                <dgm:constr type="l" for="ch" forName="cycle"/>
+                <dgm:constr type="ctrY" for="ch" forName="cycle" refType="h" fact="0.5"/>
+                <dgm:constr type="diam" for="ch" forName="cycle" refType="h" fact="1.344"/>
+                <dgm:constr type="h" for="ch" forName="accent_1" refType="h" fact="0.1563"/>
+                <dgm:constr type="w" for="ch" forName="accent_1" refType="h" refFor="ch" refForName="accent_1" op="equ"/>
+                <dgm:constr type="ctrY" for="ch" forName="accent_1" refType="h" fact="0.125"/>
+                <dgm:constr type="ctrX" for="ch" forName="accent_1" refType="h" fact="0.1082"/>
+                <dgm:constr type="l" for="ch" forName="text_1" refType="ctrX" refFor="ch" refForName="accent_1"/>
+                <dgm:constr type="r" for="ch" forName="text_1" refType="w"/>
+                <dgm:constr type="w" for="ch" forName="text_1" refType="h" refFor="ch" refForName="text_1" op="gte"/>
+                <dgm:constr type="h" for="ch" forName="text_1" refType="h" refFor="ch" refForName="accent_1" fact="0.8"/>
+                <dgm:constr type="ctrY" for="ch" forName="text_1" refType="ctrY" refFor="ch" refForName="accent_1"/>
+                <dgm:constr type="lMarg" for="ch" forName="text_1" refType="w" refFor="ch" refForName="accent_1" fact="1.8"/>
+                <dgm:constr type="h" for="ch" forName="accent_2" refType="h" fact="0.1563"/>
+                <dgm:constr type="w" for="ch" forName="accent_2" refType="h" refFor="ch" refForName="accent_2" op="equ"/>
+                <dgm:constr type="ctrY" for="ch" forName="accent_2" refType="h" fact="0.3125"/>
+                <dgm:constr type="ctrX" for="ch" forName="accent_2" refType="h" fact="0.1978"/>
+                <dgm:constr type="l" for="ch" forName="text_2" refType="ctrX" refFor="ch" refForName="accent_2"/>
+                <dgm:constr type="r" for="ch" forName="text_2" refType="w"/>
+                <dgm:constr type="w" for="ch" forName="text_2" refType="h" refFor="ch" refForName="text_2" op="gte"/>
+                <dgm:constr type="h" for="ch" forName="text_2" refType="h" refFor="ch" refForName="accent_2" fact="0.8"/>
+                <dgm:constr type="ctrY" for="ch" forName="text_2" refType="ctrY" refFor="ch" refForName="accent_2"/>
+                <dgm:constr type="lMarg" for="ch" forName="text_2" refType="w" refFor="ch" refForName="accent_2" fact="1.8"/>
+                <dgm:constr type="h" for="ch" forName="accent_3" refType="h" fact="0.1563"/>
+                <dgm:constr type="w" for="ch" forName="accent_3" refType="h" refFor="ch" refForName="accent_3" op="equ"/>
+                <dgm:constr type="ctrY" for="ch" forName="accent_3" refType="h" fact="0.5"/>
+                <dgm:constr type="ctrX" for="ch" forName="accent_3" refType="h" fact="0.2253"/>
+                <dgm:constr type="l" for="ch" forName="text_3" refType="ctrX" refFor="ch" refForName="accent_3"/>
+                <dgm:constr type="r" for="ch" forName="text_3" refType="w"/>
+                <dgm:constr type="w" for="ch" forName="text_3" refType="h" refFor="ch" refForName="text_3" op="gte"/>
+                <dgm:constr type="h" for="ch" forName="text_3" refType="h" refFor="ch" refForName="accent_3" fact="0.8"/>
+                <dgm:constr type="ctrY" for="ch" forName="text_3" refType="ctrY" refFor="ch" refForName="accent_3"/>
+                <dgm:constr type="lMarg" for="ch" forName="text_3" refType="w" refFor="ch" refForName="accent_3" fact="1.8"/>
+                <dgm:constr type="h" for="ch" forName="accent_4" refType="h" fact="0.1563"/>
+                <dgm:constr type="w" for="ch" forName="accent_4" refType="h" refFor="ch" refForName="accent_4" op="equ"/>
+                <dgm:constr type="ctrY" for="ch" forName="accent_4" refType="h" fact="0.6875"/>
+                <dgm:constr type="ctrX" for="ch" forName="accent_4" refType="h" fact="0.1978"/>
+                <dgm:constr type="l" for="ch" forName="text_4" refType="ctrX" refFor="ch" refForName="accent_4"/>
+                <dgm:constr type="r" for="ch" forName="text_4" refType="w"/>
+                <dgm:constr type="w" for="ch" forName="text_4" refType="h" refFor="ch" refForName="text_4" op="gte"/>
+                <dgm:constr type="h" for="ch" forName="text_4" refType="h" refFor="ch" refForName="accent_4" fact="0.8"/>
+                <dgm:constr type="ctrY" for="ch" forName="text_4" refType="ctrY" refFor="ch" refForName="accent_4"/>
+                <dgm:constr type="lMarg" for="ch" forName="text_4" refType="w" refFor="ch" refForName="accent_4" fact="1.8"/>
+                <dgm:constr type="h" for="ch" forName="accent_5" refType="h" fact="0.1563"/>
+                <dgm:constr type="w" for="ch" forName="accent_5" refType="h" refFor="ch" refForName="accent_5" op="equ"/>
+                <dgm:constr type="ctrY" for="ch" forName="accent_5" refType="h" fact="0.875"/>
+                <dgm:constr type="ctrX" for="ch" forName="accent_5" refType="h" fact="0.1082"/>
+                <dgm:constr type="l" for="ch" forName="text_5" refType="ctrX" refFor="ch" refForName="accent_5"/>
+                <dgm:constr type="r" for="ch" forName="text_5" refType="w"/>
+                <dgm:constr type="w" for="ch" forName="text_5" refType="h" refFor="ch" refForName="text_5" op="gte"/>
+                <dgm:constr type="h" for="ch" forName="text_5" refType="h" refFor="ch" refForName="accent_5" fact="0.8"/>
+                <dgm:constr type="ctrY" for="ch" forName="text_5" refType="ctrY" refFor="ch" refForName="accent_5"/>
+                <dgm:constr type="lMarg" for="ch" forName="text_5" refType="w" refFor="ch" refForName="accent_5" fact="1.8"/>
+                <dgm:constr type="primFontSz" for="ch" ptType="node" op="equ" val="65"/>
+              </dgm:constrLst>
+            </dgm:if>
+            <dgm:if name="Name10" axis="ch" ptType="node" func="cnt" op="equ" val="6">
+              <dgm:constrLst>
+                <dgm:constr type="h" for="ch" forName="cycle" refType="h"/>
+                <dgm:constr type="w" for="ch" forName="cycle" refType="h" refFor="ch" refForName="cycle" fact="0.26"/>
+                <dgm:constr type="l" for="ch" forName="cycle"/>
+                <dgm:constr type="ctrY" for="ch" forName="cycle" refType="h" fact="0.5"/>
+                <dgm:constr type="diam" for="ch" forName="cycle" refType="h" fact="1.344"/>
+                <dgm:constr type="h" for="ch" forName="accent_1" refType="h" fact="0.1316"/>
+                <dgm:constr type="w" for="ch" forName="accent_1" refType="h" refFor="ch" refForName="accent_1" op="equ"/>
+                <dgm:constr type="ctrY" for="ch" forName="accent_1" refType="h" fact="0.1053"/>
+                <dgm:constr type="ctrX" for="ch" forName="accent_1" refType="h" fact="0.0943"/>
+                <dgm:constr type="l" for="ch" forName="text_1" refType="ctrX" refFor="ch" refForName="accent_1"/>
+                <dgm:constr type="r" for="ch" forName="text_1" refType="w"/>
+                <dgm:constr type="w" for="ch" forName="text_1" refType="h" refFor="ch" refForName="text_1" op="gte"/>
+                <dgm:constr type="h" for="ch" forName="text_1" refType="h" refFor="ch" refForName="accent_1" fact="0.8"/>
+                <dgm:constr type="ctrY" for="ch" forName="text_1" refType="ctrY" refFor="ch" refForName="accent_1"/>
+                <dgm:constr type="lMarg" for="ch" forName="text_1" refType="w" refFor="ch" refForName="accent_1" fact="1.8"/>
+                <dgm:constr type="h" for="ch" forName="accent_2" refType="h" fact="0.1316"/>
+                <dgm:constr type="w" for="ch" forName="accent_2" refType="h" refFor="ch" refForName="accent_2" op="equ"/>
+                <dgm:constr type="ctrY" for="ch" forName="accent_2" refType="h" fact="0.2632"/>
+                <dgm:constr type="ctrX" for="ch" forName="accent_2" refType="h" fact="0.1809"/>
+                <dgm:constr type="l" for="ch" forName="text_2" refType="ctrX" refFor="ch" refForName="accent_2"/>
+                <dgm:constr type="r" for="ch" forName="text_2" refType="w"/>
+                <dgm:constr type="w" for="ch" forName="text_2" refType="h" refFor="ch" refForName="text_2" op="gte"/>
+                <dgm:constr type="h" for="ch" forName="text_2" refType="h" refFor="ch" refForName="accent_2" fact="0.8"/>
+                <dgm:constr type="ctrY" for="ch" forName="text_2" refType="ctrY" refFor="ch" refForName="accent_2"/>
+                <dgm:constr type="lMarg" for="ch" forName="text_2" refType="w" refFor="ch" refForName="accent_2" fact="1.8"/>
+                <dgm:constr type="h" for="ch" forName="accent_3" refType="h" fact="0.1316"/>
+                <dgm:constr type="w" for="ch" forName="accent_3" refType="h" refFor="ch" refForName="accent_3" op="equ"/>
+                <dgm:constr type="ctrY" for="ch" forName="accent_3" refType="h" fact="0.4211"/>
+                <dgm:constr type="ctrX" for="ch" forName="accent_3" refType="h" fact="0.2205"/>
+                <dgm:constr type="l" for="ch" forName="text_3" refType="ctrX" refFor="ch" refForName="accent_3"/>
+                <dgm:constr type="r" for="ch" forName="text_3" refType="w"/>
+                <dgm:constr type="w" for="ch" forName="text_3" refType="h" refFor="ch" refForName="text_3" op="gte"/>
+                <dgm:constr type="h" for="ch" forName="text_3" refType="h" refFor="ch" refForName="accent_3" fact="0.8"/>
+                <dgm:constr type="ctrY" for="ch" forName="text_3" refType="ctrY" refFor="ch" refForName="accent_3"/>
+                <dgm:constr type="lMarg" for="ch" forName="text_3" refType="w" refFor="ch" refForName="accent_3" fact="1.8"/>
+                <dgm:constr type="h" for="ch" forName="accent_4" refType="h" fact="0.1316"/>
+                <dgm:constr type="w" for="ch" forName="accent_4" refType="h" refFor="ch" refForName="accent_4" op="equ"/>
+                <dgm:constr type="ctrY" for="ch" forName="accent_4" refType="h" fact="0.5789"/>
+                <dgm:constr type="ctrX" for="ch" forName="accent_4" refType="h" fact="0.2205"/>
+                <dgm:constr type="l" for="ch" forName="text_4" refType="ctrX" refFor="ch" refForName="accent_4"/>
+                <dgm:constr type="r" for="ch" forName="text_4" refType="w"/>
+                <dgm:constr type="w" for="ch" forName="text_4" refType="h" refFor="ch" refForName="text_4" op="gte"/>
+                <dgm:constr type="h" for="ch" forName="text_4" refType="h" refFor="ch" refForName="accent_4" fact="0.8"/>
+                <dgm:constr type="ctrY" for="ch" forName="text_4" refType="ctrY" refFor="ch" refForName="accent_4"/>
+                <dgm:constr type="lMarg" for="ch" forName="text_4" refType="w" refFor="ch" refForName="accent_4" fact="1.8"/>
+                <dgm:constr type="h" for="ch" forName="accent_5" refType="h" fact="0.1316"/>
+                <dgm:constr type="w" for="ch" forName="accent_5" refType="h" refFor="ch" refForName="accent_5" op="equ"/>
+                <dgm:constr type="ctrY" for="ch" forName="accent_5" refType="h" fact="0.7368"/>
+                <dgm:constr type="ctrX" for="ch" forName="accent_5" refType="h" fact="0.1809"/>
+                <dgm:constr type="l" for="ch" forName="text_5" refType="ctrX" refFor="ch" refForName="accent_5"/>
+                <dgm:constr type="r" for="ch" forName="text_5" refType="w"/>
+                <dgm:constr type="w" for="ch" forName="text_5" refType="h" refFor="ch" refForName="text_5" op="gte"/>
+                <dgm:constr type="h" for="ch" forName="text_5" refType="h" refFor="ch" refForName="accent_5" fact="0.8"/>
+                <dgm:constr type="ctrY" for="ch" forName="text_5" refType="ctrY" refFor="ch" refForName="accent_5"/>
+                <dgm:constr type="lMarg" for="ch" forName="text_5" refType="w" refFor="ch" refForName="accent_5" fact="1.8"/>
+                <dgm:constr type="h" for="ch" forName="accent_6" refType="h" fact="0.1316"/>
+                <dgm:constr type="w" for="ch" forName="accent_6" refType="h" refFor="ch" refForName="accent_6" op="equ"/>
+                <dgm:constr type="ctrY" for="ch" forName="accent_6" refType="h" fact="0.8947"/>
+                <dgm:constr type="ctrX" for="ch" forName="accent_6" refType="h" fact="0.0943"/>
+                <dgm:constr type="l" for="ch" forName="text_6" refType="ctrX" refFor="ch" refForName="accent_6"/>
+                <dgm:constr type="r" for="ch" forName="text_6" refType="w"/>
+                <dgm:constr type="w" for="ch" forName="text_6" refType="h" refFor="ch" refForName="text_6" op="gte"/>
+                <dgm:constr type="h" for="ch" forName="text_6" refType="h" refFor="ch" refForName="accent_6" fact="0.8"/>
+                <dgm:constr type="ctrY" for="ch" forName="text_6" refType="ctrY" refFor="ch" refForName="accent_6"/>
+                <dgm:constr type="lMarg" for="ch" forName="text_6" refType="w" refFor="ch" refForName="accent_6" fact="1.8"/>
+                <dgm:constr type="primFontSz" for="ch" ptType="node" op="equ" val="65"/>
+              </dgm:constrLst>
+            </dgm:if>
+            <dgm:else name="Name11">
+              <dgm:constrLst>
+                <dgm:constr type="h" for="ch" forName="cycle" refType="h"/>
+                <dgm:constr type="w" for="ch" forName="cycle" refType="h" refFor="ch" refForName="cycle" fact="0.26"/>
+                <dgm:constr type="l" for="ch" forName="cycle"/>
+                <dgm:constr type="ctrY" for="ch" forName="cycle" refType="h" fact="0.5"/>
+                <dgm:constr type="diam" for="ch" forName="cycle" refType="h" fact="1.344"/>
+                <dgm:constr type="h" for="ch" forName="accent_1" refType="h" fact="0.1136"/>
+                <dgm:constr type="w" for="ch" forName="accent_1" refType="h" refFor="ch" refForName="accent_1" op="equ"/>
+                <dgm:constr type="ctrY" for="ch" forName="accent_1" refType="h" fact="0.0909"/>
+                <dgm:constr type="ctrX" for="ch" forName="accent_1" refType="h" fact="0.0835"/>
+                <dgm:constr type="l" for="ch" forName="text_1" refType="ctrX" refFor="ch" refForName="accent_1"/>
+                <dgm:constr type="r" for="ch" forName="text_1" refType="w"/>
+                <dgm:constr type="w" for="ch" forName="text_1" refType="h" refFor="ch" refForName="text_1" op="gte"/>
+                <dgm:constr type="h" for="ch" forName="text_1" refType="h" refFor="ch" refForName="accent_1" fact="0.8"/>
+                <dgm:constr type="ctrY" for="ch" forName="text_1" refType="ctrY" refFor="ch" refForName="accent_1"/>
+                <dgm:constr type="lMarg" for="ch" forName="text_1" refType="w" refFor="ch" refForName="accent_1" fact="1.8"/>
+                <dgm:constr type="h" for="ch" forName="accent_2" refType="h" fact="0.1136"/>
+                <dgm:constr type="w" for="ch" forName="accent_2" refType="h" refFor="ch" refForName="accent_2" op="equ"/>
+                <dgm:constr type="ctrY" for="ch" forName="accent_2" refType="h" fact="0.2273"/>
+                <dgm:constr type="ctrX" for="ch" forName="accent_2" refType="h" fact="0.1658"/>
+                <dgm:constr type="l" for="ch" forName="text_2" refType="ctrX" refFor="ch" refForName="accent_2"/>
+                <dgm:constr type="r" for="ch" forName="text_2" refType="w"/>
+                <dgm:constr type="w" for="ch" forName="text_2" refType="h" refFor="ch" refForName="text_2" op="gte"/>
+                <dgm:constr type="h" for="ch" forName="text_2" refType="h" refFor="ch" refForName="accent_2" fact="0.8"/>
+                <dgm:constr type="ctrY" for="ch" forName="text_2" refType="ctrY" refFor="ch" refForName="accent_2"/>
+                <dgm:constr type="lMarg" for="ch" forName="text_2" refType="w" refFor="ch" refForName="accent_2" fact="1.8"/>
+                <dgm:constr type="h" for="ch" forName="accent_3" refType="h" fact="0.1136"/>
+                <dgm:constr type="w" for="ch" forName="accent_3" refType="h" refFor="ch" refForName="accent_3" op="equ"/>
+                <dgm:constr type="ctrY" for="ch" forName="accent_3" refType="h" fact="0.3636"/>
+                <dgm:constr type="ctrX" for="ch" forName="accent_3" refType="h" fact="0.2109"/>
+                <dgm:constr type="l" for="ch" forName="text_3" refType="ctrX" refFor="ch" refForName="accent_3"/>
+                <dgm:constr type="r" for="ch" forName="text_3" refType="w"/>
+                <dgm:constr type="w" for="ch" forName="text_3" refType="h" refFor="ch" refForName="text_3" op="gte"/>
+                <dgm:constr type="h" for="ch" forName="text_3" refType="h" refFor="ch" refForName="accent_3" fact="0.8"/>
+                <dgm:constr type="ctrY" for="ch" forName="text_3" refType="ctrY" refFor="ch" refForName="accent_3"/>
+                <dgm:constr type="lMarg" for="ch" forName="text_3" refType="w" refFor="ch" refForName="accent_3" fact="1.8"/>
+                <dgm:constr type="h" for="ch" forName="accent_4" refType="h" fact="0.1136"/>
+                <dgm:constr type="w" for="ch" forName="accent_4" refType="h" refFor="ch" refForName="accent_4" op="equ"/>
+                <dgm:constr type="ctrY" for="ch" forName="accent_4" refType="h" fact="0.5"/>
+                <dgm:constr type="ctrX" for="ch" forName="accent_4" refType="h" fact="0.2253"/>
+                <dgm:constr type="l" for="ch" forName="text_4" refType="ctrX" refFor="ch" refForName="accent_4"/>
+                <dgm:constr type="r" for="ch" forName="text_4" refType="w"/>
+                <dgm:constr type="w" for="ch" forName="text_4" refType="h" refFor="ch" refForName="text_4" op="gte"/>
+                <dgm:constr type="h" for="ch" forName="text_4" refType="h" refFor="ch" refForName="accent_4" fact="0.8"/>
+                <dgm:constr type="ctrY" for="ch" forName="text_4" refType="ctrY" refFor="ch" refForName="accent_4"/>
+                <dgm:constr type="lMarg" for="ch" forName="text_4" refType="w" refFor="ch" refForName="accent_4" fact="1.8"/>
+                <dgm:constr type="h" for="ch" forName="accent_5" refType="h" fact="0.1136"/>
+                <dgm:constr type="w" for="ch" forName="accent_5" refType="h" refFor="ch" refForName="accent_5" op="equ"/>
+                <dgm:constr type="ctrY" for="ch" forName="accent_5" refType="h" fact="0.6364"/>
+                <dgm:constr type="ctrX" for="ch" forName="accent_5" refType="h" fact="0.2109"/>
+                <dgm:constr type="l" for="ch" forName="text_5" refType="ctrX" refFor="ch" refForName="accent_5"/>
+                <dgm:constr type="r" for="ch" forName="text_5" refType="w"/>
+                <dgm:constr type="w" for="ch" forName="text_5" refType="h" refFor="ch" refForName="text_5" op="gte"/>
+                <dgm:constr type="h" for="ch" forName="text_5" refType="h" refFor="ch" refForName="accent_5" fact="0.8"/>
+                <dgm:constr type="ctrY" for="ch" forName="text_5" refType="ctrY" refFor="ch" refForName="accent_5"/>
+                <dgm:constr type="lMarg" for="ch" forName="text_5" refType="w" refFor="ch" refForName="accent_5" fact="1.8"/>
+                <dgm:constr type="h" for="ch" forName="accent_6" refType="h" fact="0.1136"/>
+                <dgm:constr type="w" for="ch" forName="accent_6" refType="h" refFor="ch" refForName="accent_6" op="equ"/>
+                <dgm:constr type="ctrY" for="ch" forName="accent_6" refType="h" fact="0.7727"/>
+                <dgm:constr type="ctrX" for="ch" forName="accent_6" refType="h" fact="0.1658"/>
+                <dgm:constr type="l" for="ch" forName="text_6" refType="ctrX" refFor="ch" refForName="accent_6"/>
+                <dgm:constr type="r" for="ch" forName="text_6" refType="w"/>
+                <dgm:constr type="w" for="ch" forName="text_6" refType="h" refFor="ch" refForName="text_6" op="gte"/>
+                <dgm:constr type="h" for="ch" forName="text_6" refType="h" refFor="ch" refForName="accent_6" fact="0.8"/>
+                <dgm:constr type="ctrY" for="ch" forName="text_6" refType="ctrY" refFor="ch" refForName="accent_6"/>
+                <dgm:constr type="lMarg" for="ch" forName="text_6" refType="w" refFor="ch" refForName="accent_6" fact="1.8"/>
+                <dgm:constr type="h" for="ch" forName="accent_7" refType="h" fact="0.1136"/>
+                <dgm:constr type="w" for="ch" forName="accent_7" refType="h" refFor="ch" refForName="accent_7" op="equ"/>
+                <dgm:constr type="ctrY" for="ch" forName="accent_7" refType="h" fact="0.9091"/>
+                <dgm:constr type="ctrX" for="ch" forName="accent_7" refType="h" fact="0.0835"/>
+                <dgm:constr type="l" for="ch" forName="text_7" refType="ctrX" refFor="ch" refForName="accent_7"/>
+                <dgm:constr type="r" for="ch" forName="text_7" refType="w"/>
+                <dgm:constr type="w" for="ch" forName="text_7" refType="h" refFor="ch" refForName="text_7" op="gte"/>
+                <dgm:constr type="h" for="ch" forName="text_7" refType="h" refFor="ch" refForName="accent_7" fact="0.8"/>
+                <dgm:constr type="ctrY" for="ch" forName="text_7" refType="ctrY" refFor="ch" refForName="accent_7"/>
+                <dgm:constr type="lMarg" for="ch" forName="text_7" refType="w" refFor="ch" refForName="accent_7" fact="1.8"/>
+                <dgm:constr type="primFontSz" for="ch" ptType="node" op="equ" val="65"/>
+              </dgm:constrLst>
+            </dgm:else>
+          </dgm:choose>
+        </dgm:if>
+        <dgm:else name="Name12">
+          <dgm:choose name="Name13">
+            <dgm:if name="Name14" axis="ch" ptType="node" func="cnt" op="equ" val="1">
+              <dgm:constrLst>
+                <dgm:constr type="h" for="ch" forName="cycle" refType="h"/>
+                <dgm:constr type="w" for="ch" forName="cycle" refType="h" refFor="ch" refForName="cycle" fact="0.26"/>
+                <dgm:constr type="r" for="ch" forName="cycle" refType="w"/>
+                <dgm:constr type="ctrY" for="ch" forName="cycle" refType="h" fact="0.5"/>
+                <dgm:constr type="diam" for="ch" forName="cycle" refType="h" fact="1.344"/>
+                <dgm:constr type="h" for="ch" forName="accent_1" refType="h" fact="0.625"/>
+                <dgm:constr type="w" for="ch" forName="accent_1" refType="h" refFor="ch" refForName="accent_1" op="equ"/>
+                <dgm:constr type="ctrY" for="ch" forName="accent_1" refType="h" fact="0.5"/>
+                <dgm:constr type="ctrX" for="ch" forName="accent_1" refType="w"/>
+                <dgm:constr type="ctrXOff" for="ch" forName="accent_1" refType="h" fact="-0.2253"/>
+                <dgm:constr type="r" for="ch" forName="text_1" refType="ctrX" refFor="ch" refForName="accent_1"/>
+                <dgm:constr type="rOff" for="ch" forName="text_1" refType="ctrXOff" refFor="ch" refForName="accent_1"/>
+                <dgm:constr type="l" for="ch" forName="text_1"/>
+                <dgm:constr type="w" for="ch" forName="text_1" refType="h" refFor="ch" refForName="text_1" op="gte"/>
+                <dgm:constr type="h" for="ch" forName="text_1" refType="h" refFor="ch" refForName="accent_1" fact="0.8"/>
+                <dgm:constr type="ctrY" for="ch" forName="text_1" refType="ctrY" refFor="ch" refForName="accent_1"/>
+                <dgm:constr type="rMarg" for="ch" forName="text_1" refType="w" refFor="ch" refForName="accent_1" fact="1.8"/>
+                <dgm:constr type="primFontSz" for="ch" ptType="node" op="equ" val="65"/>
+              </dgm:constrLst>
+            </dgm:if>
+            <dgm:if name="Name15" axis="ch" ptType="node" func="cnt" op="equ" val="2">
+              <dgm:constrLst>
+                <dgm:constr type="h" for="ch" forName="cycle" refType="h"/>
+                <dgm:constr type="w" for="ch" forName="cycle" refType="h" refFor="ch" refForName="cycle" fact="0.26"/>
+                <dgm:constr type="r" for="ch" forName="cycle" refType="w"/>
+                <dgm:constr type="ctrY" for="ch" forName="cycle" refType="h" fact="0.5"/>
+                <dgm:constr type="diam" for="ch" forName="cycle" refType="h" fact="1.344"/>
+                <dgm:constr type="h" for="ch" forName="accent_1" refType="h" fact="0.3571"/>
+                <dgm:constr type="w" for="ch" forName="accent_1" refType="h" refFor="ch" refForName="accent_1" op="equ"/>
+                <dgm:constr type="ctrY" for="ch" forName="accent_1" refType="h" fact="0.2857"/>
+                <dgm:constr type="ctrX" for="ch" forName="accent_1" refType="w"/>
+                <dgm:constr type="ctrXOff" for="ch" forName="accent_1" refType="h" fact="-0.1891"/>
+                <dgm:constr type="r" for="ch" forName="text_1" refType="ctrX" refFor="ch" refForName="accent_1"/>
+                <dgm:constr type="rOff" for="ch" forName="text_1" refType="ctrXOff" refFor="ch" refForName="accent_1"/>
+                <dgm:constr type="l" for="ch" forName="text_1"/>
+                <dgm:constr type="w" for="ch" forName="text_1" refType="h" refFor="ch" refForName="text_1" op="gte"/>
+                <dgm:constr type="h" for="ch" forName="text_1" refType="h" refFor="ch" refForName="accent_1" fact="0.8"/>
+                <dgm:constr type="ctrY" for="ch" forName="text_1" refType="ctrY" refFor="ch" refForName="accent_1"/>
+                <dgm:constr type="rMarg" for="ch" forName="text_1" refType="w" refFor="ch" refForName="accent_1" fact="1.8"/>
+                <dgm:constr type="h" for="ch" forName="accent_2" refType="h" fact="0.3571"/>
+                <dgm:constr type="w" for="ch" forName="accent_2" refType="h" refFor="ch" refForName="accent_2" op="equ"/>
+                <dgm:constr type="ctrY" for="ch" forName="accent_2" refType="h" fact="0.7143"/>
+                <dgm:constr type="ctrX" for="ch" forName="accent_2" refType="w"/>
+                <dgm:constr type="ctrXOff" for="ch" forName="accent_2" refType="h" fact="-0.1891"/>
+                <dgm:constr type="r" for="ch" forName="text_2" refType="ctrX" refFor="ch" refForName="accent_2"/>
+                <dgm:constr type="rOff" for="ch" forName="text_2" refType="ctrXOff" refFor="ch" refForName="accent_2"/>
+                <dgm:constr type="l" for="ch" forName="text_2"/>
+                <dgm:constr type="w" for="ch" forName="text_2" refType="h" refFor="ch" refForName="text_2" op="gte"/>
+                <dgm:constr type="h" for="ch" forName="text_2" refType="h" refFor="ch" refForName="accent_2" fact="0.8"/>
+                <dgm:constr type="ctrY" for="ch" forName="text_2" refType="ctrY" refFor="ch" refForName="accent_2"/>
+                <dgm:constr type="rMarg" for="ch" forName="text_2" refType="w" refFor="ch" refForName="accent_2" fact="1.8"/>
+                <dgm:constr type="primFontSz" for="ch" ptType="node" op="equ" val="65"/>
+              </dgm:constrLst>
+            </dgm:if>
+            <dgm:if name="Name16" axis="ch" ptType="node" func="cnt" op="equ" val="3">
+              <dgm:constrLst>
+                <dgm:constr type="h" for="ch" forName="cycle" refType="h"/>
+                <dgm:constr type="w" for="ch" forName="cycle" refType="h" refFor="ch" refForName="cycle" fact="0.26"/>
+                <dgm:constr type="r" for="ch" forName="cycle" refType="w"/>
+                <dgm:constr type="ctrY" for="ch" forName="cycle" refType="h" fact="0.5"/>
+                <dgm:constr type="diam" for="ch" forName="cycle" refType="h" fact="1.344"/>
+                <dgm:constr type="h" for="ch" forName="accent_1" refType="h" fact="0.25"/>
+                <dgm:constr type="w" for="ch" forName="accent_1" refType="h" refFor="ch" refForName="accent_1" op="equ"/>
+                <dgm:constr type="ctrY" for="ch" forName="accent_1" refType="h" fact="0.2"/>
+                <dgm:constr type="ctrX" for="ch" forName="accent_1" refType="w"/>
+                <dgm:constr type="ctrXOff" for="ch" forName="accent_1" refType="h" fact="-0.1526"/>
+                <dgm:constr type="r" for="ch" forName="text_1" refType="ctrX" refFor="ch" refForName="accent_1"/>
+                <dgm:constr type="rOff" for="ch" forName="text_1" refType="ctrXOff" refFor="ch" refForName="accent_1"/>
+                <dgm:constr type="l" for="ch" forName="text_1"/>
+                <dgm:constr type="w" for="ch" forName="text_1" refType="h" refFor="ch" refForName="text_1" op="gte"/>
+                <dgm:constr type="h" for="ch" forName="text_1" refType="h" refFor="ch" refForName="accent_1" fact="0.8"/>
+                <dgm:constr type="ctrY" for="ch" forName="text_1" refType="ctrY" refFor="ch" refForName="accent_1"/>
+                <dgm:constr type="rMarg" for="ch" forName="text_1" refType="w" refFor="ch" refForName="accent_1" fact="1.8"/>
+                <dgm:constr type="h" for="ch" forName="accent_2" refType="h" fact="0.25"/>
+                <dgm:constr type="w" for="ch" forName="accent_2" refType="h" refFor="ch" refForName="accent_2" op="equ"/>
+                <dgm:constr type="ctrY" for="ch" forName="accent_2" refType="h" fact="0.5"/>
+                <dgm:constr type="ctrX" for="ch" forName="accent_2" refType="w"/>
+                <dgm:constr type="ctrXOff" for="ch" forName="accent_2" refType="h" fact="-0.2253"/>
+                <dgm:constr type="r" for="ch" forName="text_2" refType="ctrX" refFor="ch" refForName="accent_2"/>
+                <dgm:constr type="rOff" for="ch" forName="text_2" refType="ctrXOff" refFor="ch" refForName="accent_2"/>
+                <dgm:constr type="l" for="ch" forName="text_2"/>
+                <dgm:constr type="w" for="ch" forName="text_2" refType="h" refFor="ch" refForName="text_2" op="gte"/>
+                <dgm:constr type="h" for="ch" forName="text_2" refType="h" refFor="ch" refForName="accent_2" fact="0.8"/>
+                <dgm:constr type="ctrY" for="ch" forName="text_2" refType="ctrY" refFor="ch" refForName="accent_2"/>
+                <dgm:constr type="rMarg" for="ch" forName="text_2" refType="w" refFor="ch" refForName="accent_2" fact="1.8"/>
+                <dgm:constr type="h" for="ch" forName="accent_3" refType="h" fact="0.25"/>
+                <dgm:constr type="w" for="ch" forName="accent_3" refType="h" refFor="ch" refForName="accent_3" op="equ"/>
+                <dgm:constr type="ctrY" for="ch" forName="accent_3" refType="h" fact="0.8"/>
+                <dgm:constr type="ctrX" for="ch" forName="accent_3" refType="w"/>
+                <dgm:constr type="ctrXOff" for="ch" forName="accent_3" refType="h" fact="-0.1526"/>
+                <dgm:constr type="r" for="ch" forName="text_3" refType="ctrX" refFor="ch" refForName="accent_3"/>
+                <dgm:constr type="rOff" for="ch" forName="text_3" refType="ctrXOff" refFor="ch" refForName="accent_3"/>
+                <dgm:constr type="l" for="ch" forName="text_3"/>
+                <dgm:constr type="w" for="ch" forName="text_3" refType="h" refFor="ch" refForName="text_3" op="gte"/>
+                <dgm:constr type="h" for="ch" forName="text_3" refType="h" refFor="ch" refForName="accent_3" fact="0.8"/>
+                <dgm:constr type="ctrY" for="ch" forName="text_3" refType="ctrY" refFor="ch" refForName="accent_3"/>
+                <dgm:constr type="rMarg" for="ch" forName="text_3" refType="w" refFor="ch" refForName="accent_3" fact="1.8"/>
+                <dgm:constr type="primFontSz" for="ch" ptType="node" op="equ" val="65"/>
+              </dgm:constrLst>
+            </dgm:if>
+            <dgm:if name="Name17" axis="ch" ptType="node" func="cnt" op="equ" val="4">
+              <dgm:constrLst>
+                <dgm:constr type="h" for="ch" forName="cycle" refType="h"/>
+                <dgm:constr type="w" for="ch" forName="cycle" refType="h" refFor="ch" refForName="cycle" fact="0.26"/>
+                <dgm:constr type="r" for="ch" forName="cycle" refType="w"/>
+                <dgm:constr type="ctrY" for="ch" forName="cycle" refType="h" fact="0.5"/>
+                <dgm:constr type="diam" for="ch" forName="cycle" refType="h" fact="1.344"/>
+                <dgm:constr type="h" for="ch" forName="accent_1" refType="h" fact="0.1923"/>
+                <dgm:constr type="w" for="ch" forName="accent_1" refType="h" refFor="ch" refForName="accent_1" op="equ"/>
+                <dgm:constr type="ctrY" for="ch" forName="accent_1" refType="h" fact="0.1538"/>
+                <dgm:constr type="ctrX" for="ch" forName="accent_1" refType="w"/>
+                <dgm:constr type="ctrXOff" for="ch" forName="accent_1" refType="h" fact="-0.1268"/>
+                <dgm:constr type="r" for="ch" forName="text_1" refType="ctrX" refFor="ch" refForName="accent_1"/>
+                <dgm:constr type="rOff" for="ch" forName="text_1" refType="ctrXOff" refFor="ch" refForName="accent_1"/>
+                <dgm:constr type="l" for="ch" forName="text_1"/>
+                <dgm:constr type="w" for="ch" forName="text_1" refType="h" refFor="ch" refForName="text_1" op="gte"/>
+                <dgm:constr type="h" for="ch" forName="text_1" refType="h" refFor="ch" refForName="accent_1" fact="0.8"/>
+                <dgm:constr type="ctrY" for="ch" forName="text_1" refType="ctrY" refFor="ch" refForName="accent_1"/>
+                <dgm:constr type="rMarg" for="ch" forName="text_1" refType="w" refFor="ch" refForName="accent_1" fact="1.8"/>
+                <dgm:constr type="h" for="ch" forName="accent_2" refType="h" fact="0.1923"/>
+                <dgm:constr type="w" for="ch" forName="accent_2" refType="h" refFor="ch" refForName="accent_2" op="equ"/>
+                <dgm:constr type="ctrY" for="ch" forName="accent_2" refType="h" fact="0.3846"/>
+                <dgm:constr type="ctrX" for="ch" forName="accent_2" refType="w"/>
+                <dgm:constr type="ctrXOff" for="ch" forName="accent_2" refType="h" fact="-0.215"/>
+                <dgm:constr type="r" for="ch" forName="text_2" refType="ctrX" refFor="ch" refForName="accent_2"/>
+                <dgm:constr type="rOff" for="ch" forName="text_2" refType="ctrXOff" refFor="ch" refForName="accent_2"/>
+                <dgm:constr type="l" for="ch" forName="text_2"/>
+                <dgm:constr type="w" for="ch" forName="text_2" refType="h" refFor="ch" refForName="text_2" op="gte"/>
+                <dgm:constr type="h" for="ch" forName="text_2" refType="h" refFor="ch" refForName="accent_2" fact="0.8"/>
+                <dgm:constr type="ctrY" for="ch" forName="text_2" refType="ctrY" refFor="ch" refForName="accent_2"/>
+                <dgm:constr type="rMarg" for="ch" forName="text_2" refType="w" refFor="ch" refForName="accent_2" fact="1.8"/>
+                <dgm:constr type="h" for="ch" forName="accent_3" refType="h" fact="0.1923"/>
+                <dgm:constr type="w" for="ch" forName="accent_3" refType="h" refFor="ch" refForName="accent_3" op="equ"/>
+                <dgm:constr type="ctrY" for="ch" forName="accent_3" refType="h" fact="0.6154"/>
+                <dgm:constr type="ctrX" for="ch" forName="accent_3" refType="w"/>
+                <dgm:constr type="ctrXOff" for="ch" forName="accent_3" refType="h" fact="-0.215"/>
+                <dgm:constr type="r" for="ch" forName="text_3" refType="ctrX" refFor="ch" refForName="accent_3"/>
+                <dgm:constr type="rOff" for="ch" forName="text_3" refType="ctrXOff" refFor="ch" refForName="accent_3"/>
+                <dgm:constr type="l" for="ch" forName="text_3"/>
+                <dgm:constr type="w" for="ch" forName="text_3" refType="h" refFor="ch" refForName="text_3" op="gte"/>
+                <dgm:constr type="h" for="ch" forName="text_3" refType="h" refFor="ch" refForName="accent_3" fact="0.8"/>
+                <dgm:constr type="ctrY" for="ch" forName="text_3" refType="ctrY" refFor="ch" refForName="accent_3"/>
+                <dgm:constr type="rMarg" for="ch" forName="text_3" refType="w" refFor="ch" refForName="accent_3" fact="1.8"/>
+                <dgm:constr type="h" for="ch" forName="accent_4" refType="h" fact="0.1923"/>
+                <dgm:constr type="w" for="ch" forName="accent_4" refType="h" refFor="ch" refForName="accent_4" op="equ"/>
+                <dgm:constr type="ctrY" for="ch" forName="accent_4" refType="h" fact="0.8462"/>
+                <dgm:constr type="ctrX" for="ch" forName="accent_4" refType="w"/>
+                <dgm:constr type="ctrXOff" for="ch" forName="accent_4" refType="h" fact="-0.1268"/>
+                <dgm:constr type="r" for="ch" forName="text_4" refType="ctrX" refFor="ch" refForName="accent_4"/>
+                <dgm:constr type="rOff" for="ch" forName="text_4" refType="ctrXOff" refFor="ch" refForName="accent_4"/>
+                <dgm:constr type="l" for="ch" forName="text_4"/>
+                <dgm:constr type="w" for="ch" forName="text_4" refType="h" refFor="ch" refForName="text_4" op="gte"/>
+                <dgm:constr type="h" for="ch" forName="text_4" refType="h" refFor="ch" refForName="accent_4" fact="0.8"/>
+                <dgm:constr type="ctrY" for="ch" forName="text_4" refType="ctrY" refFor="ch" refForName="accent_4"/>
+                <dgm:constr type="rMarg" for="ch" forName="text_4" refType="w" refFor="ch" refForName="accent_4" fact="1.8"/>
+                <dgm:constr type="primFontSz" for="ch" ptType="node" op="equ" val="65"/>
+              </dgm:constrLst>
+            </dgm:if>
+            <dgm:if name="Name18" axis="ch" ptType="node" func="cnt" op="equ" val="5">
+              <dgm:constrLst>
+                <dgm:constr type="h" for="ch" forName="cycle" refType="h"/>
+                <dgm:constr type="w" for="ch" forName="cycle" refType="h" refFor="ch" refForName="cycle" fact="0.26"/>
+                <dgm:constr type="r" for="ch" forName="cycle" refType="w"/>
+                <dgm:constr type="ctrY" for="ch" forName="cycle" refType="h" fact="0.5"/>
+                <dgm:constr type="diam" for="ch" forName="cycle" refType="h" fact="1.344"/>
+                <dgm:constr type="h" for="ch" forName="accent_1" refType="h" fact="0.1563"/>
+                <dgm:constr type="w" for="ch" forName="accent_1" refType="h" refFor="ch" refForName="accent_1" op="equ"/>
+                <dgm:constr type="ctrY" for="ch" forName="accent_1" refType="h" fact="0.125"/>
+                <dgm:constr type="ctrX" for="ch" forName="accent_1" refType="w"/>
+                <dgm:constr type="ctrXOff" for="ch" forName="accent_1" refType="h" fact="-0.1082"/>
+                <dgm:constr type="r" for="ch" forName="text_1" refType="ctrX" refFor="ch" refForName="accent_1"/>
+                <dgm:constr type="rOff" for="ch" forName="text_1" refType="ctrXOff" refFor="ch" refForName="accent_1"/>
+                <dgm:constr type="l" for="ch" forName="text_1"/>
+                <dgm:constr type="w" for="ch" forName="text_1" refType="h" refFor="ch" refForName="text_1" op="gte"/>
+                <dgm:constr type="h" for="ch" forName="text_1" refType="h" refFor="ch" refForName="accent_1" fact="0.8"/>
+                <dgm:constr type="ctrY" for="ch" forName="text_1" refType="ctrY" refFor="ch" refForName="accent_1"/>
+                <dgm:constr type="rMarg" for="ch" forName="text_1" refType="w" refFor="ch" refForName="accent_1" fact="1.8"/>
+                <dgm:constr type="h" for="ch" forName="accent_2" refType="h" fact="0.1563"/>
+                <dgm:constr type="w" for="ch" forName="accent_2" refType="h" refFor="ch" refForName="accent_2" op="equ"/>
+                <dgm:constr type="ctrY" for="ch" forName="accent_2" refType="h" fact="0.3125"/>
+                <dgm:constr type="ctrX" for="ch" forName="accent_2" refType="w"/>
+                <dgm:constr type="ctrXOff" for="ch" forName="accent_2" refType="h" fact="-0.1978"/>
+                <dgm:constr type="r" for="ch" forName="text_2" refType="ctrX" refFor="ch" refForName="accent_2"/>
+                <dgm:constr type="rOff" for="ch" forName="text_2" refType="ctrXOff" refFor="ch" refForName="accent_2"/>
+                <dgm:constr type="l" for="ch" forName="text_2"/>
+                <dgm:constr type="w" for="ch" forName="text_2" refType="h" refFor="ch" refForName="text_2" op="gte"/>
+                <dgm:constr type="h" for="ch" forName="text_2" refType="h" refFor="ch" refForName="accent_2" fact="0.8"/>
+                <dgm:constr type="ctrY" for="ch" forName="text_2" refType="ctrY" refFor="ch" refForName="accent_2"/>
+                <dgm:constr type="rMarg" for="ch" forName="text_2" refType="w" refFor="ch" refForName="accent_2" fact="1.8"/>
+                <dgm:constr type="h" for="ch" forName="accent_3" refType="h" fact="0.1563"/>
+                <dgm:constr type="w" for="ch" forName="accent_3" refType="h" refFor="ch" refForName="accent_3" op="equ"/>
+                <dgm:constr type="ctrY" for="ch" forName="accent_3" refType="h" fact="0.5"/>
+                <dgm:constr type="ctrX" for="ch" forName="accent_3" refType="w"/>
+                <dgm:constr type="ctrXOff" for="ch" forName="accent_3" refType="h" fact="-0.2253"/>
+                <dgm:constr type="r" for="ch" forName="text_3" refType="ctrX" refFor="ch" refForName="accent_3"/>
+                <dgm:constr type="rOff" for="ch" forName="text_3" refType="ctrXOff" refFor="ch" refForName="accent_3"/>
+                <dgm:constr type="l" for="ch" forName="text_3"/>
+                <dgm:constr type="w" for="ch" forName="text_3" refType="h" refFor="ch" refForName="text_3" op="gte"/>
+                <dgm:constr type="h" for="ch" forName="text_3" refType="h" refFor="ch" refForName="accent_3" fact="0.8"/>
+                <dgm:constr type="ctrY" for="ch" forName="text_3" refType="ctrY" refFor="ch" refForName="accent_3"/>
+                <dgm:constr type="rMarg" for="ch" forName="text_3" refType="w" refFor="ch" refForName="accent_3" fact="1.8"/>
+                <dgm:constr type="h" for="ch" forName="accent_4" refType="h" fact="0.1563"/>
+                <dgm:constr type="w" for="ch" forName="accent_4" refType="h" refFor="ch" refForName="accent_4" op="equ"/>
+                <dgm:constr type="ctrY" for="ch" forName="accent_4" refType="h" fact="0.6875"/>
+                <dgm:constr type="ctrX" for="ch" forName="accent_4" refType="w"/>
+                <dgm:constr type="ctrXOff" for="ch" forName="accent_4" refType="h" fact="-0.1978"/>
+                <dgm:constr type="r" for="ch" forName="text_4" refType="ctrX" refFor="ch" refForName="accent_4"/>
+                <dgm:constr type="rOff" for="ch" forName="text_4" refType="ctrXOff" refFor="ch" refForName="accent_4"/>
+                <dgm:constr type="l" for="ch" forName="text_4"/>
+                <dgm:constr type="w" for="ch" forName="text_4" refType="h" refFor="ch" refForName="text_4" op="gte"/>
+                <dgm:constr type="h" for="ch" forName="text_4" refType="h" refFor="ch" refForName="accent_4" fact="0.8"/>
+                <dgm:constr type="ctrY" for="ch" forName="text_4" refType="ctrY" refFor="ch" refForName="accent_4"/>
+                <dgm:constr type="rMarg" for="ch" forName="text_4" refType="w" refFor="ch" refForName="accent_4" fact="1.8"/>
+                <dgm:constr type="h" for="ch" forName="accent_5" refType="h" fact="0.1563"/>
+                <dgm:constr type="w" for="ch" forName="accent_5" refType="h" refFor="ch" refForName="accent_5" op="equ"/>
+                <dgm:constr type="ctrY" for="ch" forName="accent_5" refType="h" fact="0.875"/>
+                <dgm:constr type="ctrX" for="ch" forName="accent_5" refType="w"/>
+                <dgm:constr type="ctrXOff" for="ch" forName="accent_5" refType="h" fact="-0.1082"/>
+                <dgm:constr type="r" for="ch" forName="text_5" refType="ctrX" refFor="ch" refForName="accent_5"/>
+                <dgm:constr type="rOff" for="ch" forName="text_5" refType="ctrXOff" refFor="ch" refForName="accent_5"/>
+                <dgm:constr type="l" for="ch" forName="text_5"/>
+                <dgm:constr type="w" for="ch" forName="text_5" refType="h" refFor="ch" refForName="text_5" op="gte"/>
+                <dgm:constr type="h" for="ch" forName="text_5" refType="h" refFor="ch" refForName="accent_5" fact="0.8"/>
+                <dgm:constr type="ctrY" for="ch" forName="text_5" refType="ctrY" refFor="ch" refForName="accent_5"/>
+                <dgm:constr type="rMarg" for="ch" forName="text_5" refType="w" refFor="ch" refForName="accent_5" fact="1.8"/>
+                <dgm:constr type="primFontSz" for="ch" ptType="node" op="equ" val="65"/>
+              </dgm:constrLst>
+            </dgm:if>
+            <dgm:if name="Name19" axis="ch" ptType="node" func="cnt" op="equ" val="6">
+              <dgm:constrLst>
+                <dgm:constr type="h" for="ch" forName="cycle" refType="h"/>
+                <dgm:constr type="w" for="ch" forName="cycle" refType="h" refFor="ch" refForName="cycle" fact="0.26"/>
+                <dgm:constr type="r" for="ch" forName="cycle" refType="w"/>
+                <dgm:constr type="ctrY" for="ch" forName="cycle" refType="h" fact="0.5"/>
+                <dgm:constr type="diam" for="ch" forName="cycle" refType="h" fact="1.344"/>
+                <dgm:constr type="h" for="ch" forName="accent_1" refType="h" fact="0.1316"/>
+                <dgm:constr type="w" for="ch" forName="accent_1" refType="h" refFor="ch" refForName="accent_1" op="equ"/>
+                <dgm:constr type="ctrY" for="ch" forName="accent_1" refType="h" fact="0.1053"/>
+                <dgm:constr type="ctrX" for="ch" forName="accent_1" refType="w"/>
+                <dgm:constr type="ctrXOff" for="ch" forName="accent_1" refType="h" fact="-0.0943"/>
+                <dgm:constr type="r" for="ch" forName="text_1" refType="ctrX" refFor="ch" refForName="accent_1"/>
+                <dgm:constr type="rOff" for="ch" forName="text_1" refType="ctrXOff" refFor="ch" refForName="accent_1"/>
+                <dgm:constr type="l" for="ch" forName="text_1"/>
+                <dgm:constr type="w" for="ch" forName="text_1" refType="h" refFor="ch" refForName="text_1" op="gte"/>
+                <dgm:constr type="h" for="ch" forName="text_1" refType="h" refFor="ch" refForName="accent_1" fact="0.8"/>
+                <dgm:constr type="ctrY" for="ch" forName="text_1" refType="ctrY" refFor="ch" refForName="accent_1"/>
+                <dgm:constr type="rMarg" for="ch" forName="text_1" refType="w" refFor="ch" refForName="accent_1" fact="1.8"/>
+                <dgm:constr type="h" for="ch" forName="accent_2" refType="h" fact="0.1316"/>
+                <dgm:constr type="w" for="ch" forName="accent_2" refType="h" refFor="ch" refForName="accent_2" op="equ"/>
+                <dgm:constr type="ctrY" for="ch" forName="accent_2" refType="h" fact="0.2632"/>
+                <dgm:constr type="ctrX" for="ch" forName="accent_2" refType="w"/>
+                <dgm:constr type="ctrXOff" for="ch" forName="accent_2" refType="h" fact="-0.1809"/>
+                <dgm:constr type="r" for="ch" forName="text_2" refType="ctrX" refFor="ch" refForName="accent_2"/>
+                <dgm:constr type="rOff" for="ch" forName="text_2" refType="ctrXOff" refFor="ch" refForName="accent_2"/>
+                <dgm:constr type="l" for="ch" forName="text_2"/>
+                <dgm:constr type="w" for="ch" forName="text_2" refType="h" refFor="ch" refForName="text_2" op="gte"/>
+                <dgm:constr type="h" for="ch" forName="text_2" refType="h" refFor="ch" refForName="accent_2" fact="0.8"/>
+                <dgm:constr type="ctrY" for="ch" forName="text_2" refType="ctrY" refFor="ch" refForName="accent_2"/>
+                <dgm:constr type="rMarg" for="ch" forName="text_2" refType="w" refFor="ch" refForName="accent_2" fact="1.8"/>
+                <dgm:constr type="h" for="ch" forName="accent_3" refType="h" fact="0.1316"/>
+                <dgm:constr type="w" for="ch" forName="accent_3" refType="h" refFor="ch" refForName="accent_3" op="equ"/>
+                <dgm:constr type="ctrY" for="ch" forName="accent_3" refType="h" fact="0.4211"/>
+                <dgm:constr type="ctrX" for="ch" forName="accent_3" refType="w"/>
+                <dgm:constr type="ctrXOff" for="ch" forName="accent_3" refType="h" fact="-0.2205"/>
+                <dgm:constr type="r" for="ch" forName="text_3" refType="ctrX" refFor="ch" refForName="accent_3"/>
+                <dgm:constr type="rOff" for="ch" forName="text_3" refType="ctrXOff" refFor="ch" refForName="accent_3"/>
+                <dgm:constr type="l" for="ch" forName="text_3"/>
+                <dgm:constr type="w" for="ch" forName="text_3" refType="h" refFor="ch" refForName="text_3" op="gte"/>
+                <dgm:constr type="h" for="ch" forName="text_3" refType="h" refFor="ch" refForName="accent_3" fact="0.8"/>
+                <dgm:constr type="ctrY" for="ch" forName="text_3" refType="ctrY" refFor="ch" refForName="accent_3"/>
+                <dgm:constr type="rMarg" for="ch" forName="text_3" refType="w" refFor="ch" refForName="accent_3" fact="1.8"/>
+                <dgm:constr type="h" for="ch" forName="accent_4" refType="h" fact="0.1316"/>
+                <dgm:constr type="w" for="ch" forName="accent_4" refType="h" refFor="ch" refForName="accent_4" op="equ"/>
+                <dgm:constr type="ctrY" for="ch" forName="accent_4" refType="h" fact="0.5789"/>
+                <dgm:constr type="ctrX" for="ch" forName="accent_4" refType="w"/>
+                <dgm:constr type="ctrXOff" for="ch" forName="accent_4" refType="h" fact="-0.2205"/>
+                <dgm:constr type="r" for="ch" forName="text_4" refType="ctrX" refFor="ch" refForName="accent_4"/>
+                <dgm:constr type="rOff" for="ch" forName="text_4" refType="ctrXOff" refFor="ch" refForName="accent_4"/>
+                <dgm:constr type="l" for="ch" forName="text_4"/>
+                <dgm:constr type="w" for="ch" forName="text_4" refType="h" refFor="ch" refForName="text_4" op="gte"/>
+                <dgm:constr type="h" for="ch" forName="text_4" refType="h" refFor="ch" refForName="accent_4" fact="0.8"/>
+                <dgm:constr type="ctrY" for="ch" forName="text_4" refType="ctrY" refFor="ch" refForName="accent_4"/>
+                <dgm:constr type="rMarg" for="ch" forName="text_4" refType="w" refFor="ch" refForName="accent_4" fact="1.8"/>
+                <dgm:constr type="h" for="ch" forName="accent_5" refType="h" fact="0.1316"/>
+                <dgm:constr type="w" for="ch" forName="accent_5" refType="h" refFor="ch" refForName="accent_5" op="equ"/>
+                <dgm:constr type="ctrY" for="ch" forName="accent_5" refType="h" fact="0.7368"/>
+                <dgm:constr type="ctrX" for="ch" forName="accent_5" refType="w"/>
+                <dgm:constr type="ctrXOff" for="ch" forName="accent_5" refType="h" fact="-0.1809"/>
+                <dgm:constr type="r" for="ch" forName="text_5" refType="ctrX" refFor="ch" refForName="accent_5"/>
+                <dgm:constr type="rOff" for="ch" forName="text_5" refType="ctrXOff" refFor="ch" refForName="accent_5"/>
+                <dgm:constr type="l" for="ch" forName="text_5"/>
+                <dgm:constr type="w" for="ch" forName="text_5" refType="h" refFor="ch" refForName="text_5" op="gte"/>
+                <dgm:constr type="h" for="ch" forName="text_5" refType="h" refFor="ch" refForName="accent_5" fact="0.8"/>
+                <dgm:constr type="ctrY" for="ch" forName="text_5" refType="ctrY" refFor="ch" refForName="accent_5"/>
+                <dgm:constr type="rMarg" for="ch" forName="text_5" refType="w" refFor="ch" refForName="accent_5" fact="1.8"/>
+                <dgm:constr type="h" for="ch" forName="accent_6" refType="h" fact="0.1316"/>
+                <dgm:constr type="w" for="ch" forName="accent_6" refType="h" refFor="ch" refForName="accent_6" op="equ"/>
+                <dgm:constr type="ctrY" for="ch" forName="accent_6" refType="h" fact="0.8947"/>
+                <dgm:constr type="ctrX" for="ch" forName="accent_6" refType="w"/>
+                <dgm:constr type="ctrXOff" for="ch" forName="accent_6" refType="h" fact="-0.0943"/>
+                <dgm:constr type="r" for="ch" forName="text_6" refType="ctrX" refFor="ch" refForName="accent_6"/>
+                <dgm:constr type="rOff" for="ch" forName="text_6" refType="ctrXOff" refFor="ch" refForName="accent_6"/>
+                <dgm:constr type="l" for="ch" forName="text_6"/>
+                <dgm:constr type="w" for="ch" forName="text_6" refType="h" refFor="ch" refForName="text_6" op="gte"/>
+                <dgm:constr type="h" for="ch" forName="text_6" refType="h" refFor="ch" refForName="accent_6" fact="0.8"/>
+                <dgm:constr type="ctrY" for="ch" forName="text_6" refType="ctrY" refFor="ch" refForName="accent_6"/>
+                <dgm:constr type="rMarg" for="ch" forName="text_6" refType="w" refFor="ch" refForName="accent_6" fact="1.8"/>
+                <dgm:constr type="primFontSz" for="ch" ptType="node" op="equ" val="65"/>
+              </dgm:constrLst>
+            </dgm:if>
+            <dgm:else name="Name20">
+              <dgm:constrLst>
+                <dgm:constr type="h" for="ch" forName="cycle" refType="h"/>
+                <dgm:constr type="w" for="ch" forName="cycle" refType="h" refFor="ch" refForName="cycle" fact="0.26"/>
+                <dgm:constr type="r" for="ch" forName="cycle" refType="w"/>
+                <dgm:constr type="ctrY" for="ch" forName="cycle" refType="h" fact="0.5"/>
+                <dgm:constr type="diam" for="ch" forName="cycle" refType="h" fact="1.344"/>
+                <dgm:constr type="h" for="ch" forName="accent_1" refType="h" fact="0.1136"/>
+                <dgm:constr type="w" for="ch" forName="accent_1" refType="h" refFor="ch" refForName="accent_1" op="equ"/>
+                <dgm:constr type="ctrY" for="ch" forName="accent_1" refType="h" fact="0.0909"/>
+                <dgm:constr type="ctrX" for="ch" forName="accent_1" refType="w"/>
+                <dgm:constr type="ctrXOff" for="ch" forName="accent_1" refType="h" fact="-0.0835"/>
+                <dgm:constr type="r" for="ch" forName="text_1" refType="ctrX" refFor="ch" refForName="accent_1"/>
+                <dgm:constr type="rOff" for="ch" forName="text_1" refType="ctrXOff" refFor="ch" refForName="accent_1"/>
+                <dgm:constr type="l" for="ch" forName="text_1"/>
+                <dgm:constr type="w" for="ch" forName="text_1" refType="h" refFor="ch" refForName="text_1" op="gte"/>
+                <dgm:constr type="h" for="ch" forName="text_1" refType="h" refFor="ch" refForName="accent_1" fact="0.8"/>
+                <dgm:constr type="ctrY" for="ch" forName="text_1" refType="ctrY" refFor="ch" refForName="accent_1"/>
+                <dgm:constr type="rMarg" for="ch" forName="text_1" refType="w" refFor="ch" refForName="accent_1" fact="1.8"/>
+                <dgm:constr type="h" for="ch" forName="accent_2" refType="h" fact="0.1136"/>
+                <dgm:constr type="w" for="ch" forName="accent_2" refType="h" refFor="ch" refForName="accent_2" op="equ"/>
+                <dgm:constr type="ctrY" for="ch" forName="accent_2" refType="h" fact="0.2273"/>
+                <dgm:constr type="ctrX" for="ch" forName="accent_2" refType="w"/>
+                <dgm:constr type="ctrXOff" for="ch" forName="accent_2" refType="h" fact="-0.1658"/>
+                <dgm:constr type="r" for="ch" forName="text_2" refType="ctrX" refFor="ch" refForName="accent_2"/>
+                <dgm:constr type="rOff" for="ch" forName="text_2" refType="ctrXOff" refFor="ch" refForName="accent_2"/>
+                <dgm:constr type="l" for="ch" forName="text_2"/>
+                <dgm:constr type="w" for="ch" forName="text_2" refType="h" refFor="ch" refForName="text_2" op="gte"/>
+                <dgm:constr type="h" for="ch" forName="text_2" refType="h" refFor="ch" refForName="accent_2" fact="0.8"/>
+                <dgm:constr type="ctrY" for="ch" forName="text_2" refType="ctrY" refFor="ch" refForName="accent_2"/>
+                <dgm:constr type="rMarg" for="ch" forName="text_2" refType="w" refFor="ch" refForName="accent_2" fact="1.8"/>
+                <dgm:constr type="h" for="ch" forName="accent_3" refType="h" fact="0.1136"/>
+                <dgm:constr type="w" for="ch" forName="accent_3" refType="h" refFor="ch" refForName="accent_3" op="equ"/>
+                <dgm:constr type="ctrY" for="ch" forName="accent_3" refType="h" fact="0.3636"/>
+                <dgm:constr type="ctrX" for="ch" forName="accent_3" refType="w"/>
+                <dgm:constr type="ctrXOff" for="ch" forName="accent_3" refType="h" fact="-0.2109"/>
+                <dgm:constr type="r" for="ch" forName="text_3" refType="ctrX" refFor="ch" refForName="accent_3"/>
+                <dgm:constr type="rOff" for="ch" forName="text_3" refType="ctrXOff" refFor="ch" refForName="accent_3"/>
+                <dgm:constr type="l" for="ch" forName="text_3"/>
+                <dgm:constr type="w" for="ch" forName="text_3" refType="h" refFor="ch" refForName="text_3" op="gte"/>
+                <dgm:constr type="h" for="ch" forName="text_3" refType="h" refFor="ch" refForName="accent_3" fact="0.8"/>
+                <dgm:constr type="ctrY" for="ch" forName="text_3" refType="ctrY" refFor="ch" refForName="accent_3"/>
+                <dgm:constr type="rMarg" for="ch" forName="text_3" refType="w" refFor="ch" refForName="accent_3" fact="1.8"/>
+                <dgm:constr type="h" for="ch" forName="accent_4" refType="h" fact="0.1136"/>
+                <dgm:constr type="w" for="ch" forName="accent_4" refType="h" refFor="ch" refForName="accent_4" op="equ"/>
+                <dgm:constr type="ctrY" for="ch" forName="accent_4" refType="h" fact="0.5"/>
+                <dgm:constr type="ctrX" for="ch" forName="accent_4" refType="w"/>
+                <dgm:constr type="ctrXOff" for="ch" forName="accent_4" refType="h" fact="-0.2253"/>
+                <dgm:constr type="r" for="ch" forName="text_4" refType="ctrX" refFor="ch" refForName="accent_4"/>
+                <dgm:constr type="rOff" for="ch" forName="text_4" refType="ctrXOff" refFor="ch" refForName="accent_4"/>
+                <dgm:constr type="l" for="ch" forName="text_4"/>
+                <dgm:constr type="w" for="ch" forName="text_4" refType="h" refFor="ch" refForName="text_4" op="gte"/>
+                <dgm:constr type="h" for="ch" forName="text_4" refType="h" refFor="ch" refForName="accent_4" fact="0.8"/>
+                <dgm:constr type="ctrY" for="ch" forName="text_4" refType="ctrY" refFor="ch" refForName="accent_4"/>
+                <dgm:constr type="rMarg" for="ch" forName="text_4" refType="w" refFor="ch" refForName="accent_4" fact="1.8"/>
+                <dgm:constr type="h" for="ch" forName="accent_5" refType="h" fact="0.1136"/>
+                <dgm:constr type="w" for="ch" forName="accent_5" refType="h" refFor="ch" refForName="accent_5" op="equ"/>
+                <dgm:constr type="ctrY" for="ch" forName="accent_5" refType="h" fact="0.6364"/>
+                <dgm:constr type="ctrX" for="ch" forName="accent_5" refType="w"/>
+                <dgm:constr type="ctrXOff" for="ch" forName="accent_5" refType="h" fact="-0.2109"/>
+                <dgm:constr type="r" for="ch" forName="text_5" refType="ctrX" refFor="ch" refForName="accent_5"/>
+                <dgm:constr type="rOff" for="ch" forName="text_5" refType="ctrXOff" refFor="ch" refForName="accent_5"/>
+                <dgm:constr type="l" for="ch" forName="text_5"/>
+                <dgm:constr type="w" for="ch" forName="text_5" refType="h" refFor="ch" refForName="text_5" op="gte"/>
+                <dgm:constr type="h" for="ch" forName="text_5" refType="h" refFor="ch" refForName="accent_5" fact="0.8"/>
+                <dgm:constr type="ctrY" for="ch" forName="text_5" refType="ctrY" refFor="ch" refForName="accent_5"/>
+                <dgm:constr type="rMarg" for="ch" forName="text_5" refType="w" refFor="ch" refForName="accent_5" fact="1.8"/>
+                <dgm:constr type="h" for="ch" forName="accent_6" refType="h" fact="0.1136"/>
+                <dgm:constr type="w" for="ch" forName="accent_6" refType="h" refFor="ch" refForName="accent_6" op="equ"/>
+                <dgm:constr type="ctrY" for="ch" forName="accent_6" refType="h" fact="0.7727"/>
+                <dgm:constr type="ctrX" for="ch" forName="accent_6" refType="w"/>
+                <dgm:constr type="ctrXOff" for="ch" forName="accent_6" refType="h" fact="-0.1658"/>
+                <dgm:constr type="r" for="ch" forName="text_6" refType="ctrX" refFor="ch" refForName="accent_6"/>
+                <dgm:constr type="rOff" for="ch" forName="text_6" refType="ctrXOff" refFor="ch" refForName="accent_6"/>
+                <dgm:constr type="l" for="ch" forName="text_6"/>
+                <dgm:constr type="w" for="ch" forName="text_6" refType="h" refFor="ch" refForName="text_6" op="gte"/>
+                <dgm:constr type="h" for="ch" forName="text_6" refType="h" refFor="ch" refForName="accent_6" fact="0.8"/>
+                <dgm:constr type="ctrY" for="ch" forName="text_6" refType="ctrY" refFor="ch" refForName="accent_6"/>
+                <dgm:constr type="rMarg" for="ch" forName="text_6" refType="w" refFor="ch" refForName="accent_6" fact="1.8"/>
+                <dgm:constr type="h" for="ch" forName="accent_7" refType="h" fact="0.1136"/>
+                <dgm:constr type="w" for="ch" forName="accent_7" refType="h" refFor="ch" refForName="accent_7" op="equ"/>
+                <dgm:constr type="ctrY" for="ch" forName="accent_7" refType="h" fact="0.9091"/>
+                <dgm:constr type="ctrX" for="ch" forName="accent_7" refType="w"/>
+                <dgm:constr type="ctrXOff" for="ch" forName="accent_7" refType="h" fact="-0.0835"/>
+                <dgm:constr type="r" for="ch" forName="text_7" refType="ctrX" refFor="ch" refForName="accent_7"/>
+                <dgm:constr type="rOff" for="ch" forName="text_7" refType="ctrXOff" refFor="ch" refForName="accent_7"/>
+                <dgm:constr type="l" for="ch" forName="text_7"/>
+                <dgm:constr type="w" for="ch" forName="text_7" refType="h" refFor="ch" refForName="text_7" op="gte"/>
+                <dgm:constr type="h" for="ch" forName="text_7" refType="h" refFor="ch" refForName="accent_7" fact="0.8"/>
+                <dgm:constr type="ctrY" for="ch" forName="text_7" refType="ctrY" refFor="ch" refForName="accent_7"/>
+                <dgm:constr type="rMarg" for="ch" forName="text_7" refType="w" refFor="ch" refForName="accent_7" fact="1.8"/>
+                <dgm:constr type="primFontSz" for="ch" ptType="node" op="equ" val="65"/>
+              </dgm:constrLst>
+            </dgm:else>
+          </dgm:choose>
+        </dgm:else>
+      </dgm:choose>
+      <dgm:layoutNode name="cycle">
+        <dgm:choose name="Name21">
+          <dgm:if name="Name22" func="var" arg="dir" op="equ" val="norm">
+            <dgm:alg type="cycle">
+              <dgm:param type="stAng" val="45"/>
+              <dgm:param type="spanAng" val="90"/>
             </dgm:alg>
           </dgm:if>
-          <dgm:else name="Name7">
-            <dgm:alg type="lin">
-              <dgm:param type="linDir" val="fromR"/>
+          <dgm:else name="Name23">
+            <dgm:alg type="cycle">
+              <dgm:param type="stAng" val="225"/>
+              <dgm:param type="spanAng" val="90"/>
             </dgm:alg>
           </dgm:else>
         </dgm:choose>
@@ -16033,83 +17372,400 @@
         </dgm:shape>
         <dgm:presOf/>
         <dgm:constrLst>
-          <dgm:constr type="w" for="ch" forName="parentText" refType="w" fact="0.36"/>
-          <dgm:constr type="w" for="ch" forName="descendantText" refType="w" fact="0.64"/>
-          <dgm:constr type="h" for="ch" forName="parentText" refType="h"/>
-          <dgm:constr type="h" for="ch" forName="descendantText" refType="h" refFor="ch" refForName="parentText" fact="0.8"/>
+          <dgm:constr type="w" for="ch" val="1"/>
+          <dgm:constr type="h" for="ch" val="1"/>
+          <dgm:constr type="diam" for="ch" forName="conn" refType="diam"/>
         </dgm:constrLst>
-        <dgm:ruleLst/>
-        <dgm:layoutNode name="parentText">
+        <dgm:layoutNode name="srcNode">
+          <dgm:alg type="sp"/>
+          <dgm:shape xmlns:r="http://schemas.openxmlformats.org/officeDocument/2006/relationships" type="rect" r:blip="" hideGeom="1">
+            <dgm:adjLst/>
+          </dgm:shape>
+          <dgm:presOf/>
+        </dgm:layoutNode>
+        <dgm:layoutNode name="conn" styleLbl="parChTrans1D2">
+          <dgm:alg type="conn">
+            <dgm:param type="connRout" val="curve"/>
+            <dgm:param type="srcNode" val="srcNode"/>
+            <dgm:param type="dstNode" val="dstNode"/>
+            <dgm:param type="begPts" val="ctr"/>
+            <dgm:param type="endPts" val="ctr"/>
+            <dgm:param type="endSty" val="noArr"/>
+          </dgm:alg>
+          <dgm:shape xmlns:r="http://schemas.openxmlformats.org/officeDocument/2006/relationships" type="conn" r:blip="">
+            <dgm:adjLst/>
+          </dgm:shape>
+          <dgm:presOf axis="desOrSelf" ptType="sibTrans" hideLastTrans="0" st="0" cnt="1"/>
+          <dgm:constrLst>
+            <dgm:constr type="begPad"/>
+            <dgm:constr type="endPad"/>
+          </dgm:constrLst>
+        </dgm:layoutNode>
+        <dgm:layoutNode name="extraNode">
+          <dgm:alg type="sp"/>
+          <dgm:shape xmlns:r="http://schemas.openxmlformats.org/officeDocument/2006/relationships" type="rect" r:blip="" hideGeom="1">
+            <dgm:adjLst/>
+          </dgm:shape>
+          <dgm:presOf/>
+        </dgm:layoutNode>
+        <dgm:layoutNode name="dstNode">
+          <dgm:alg type="sp"/>
+          <dgm:shape xmlns:r="http://schemas.openxmlformats.org/officeDocument/2006/relationships" type="rect" r:blip="" hideGeom="1">
+            <dgm:adjLst/>
+          </dgm:shape>
+          <dgm:presOf/>
+        </dgm:layoutNode>
+      </dgm:layoutNode>
+      <dgm:forEach name="wrapper" axis="self" ptType="parTrans">
+        <dgm:forEach name="wrapper2" axis="self" ptType="sibTrans" st="2">
+          <dgm:forEach name="accentRepeat" axis="self">
+            <dgm:layoutNode name="accentRepeatNode" styleLbl="solidFgAcc1">
+              <dgm:alg type="sp"/>
+              <dgm:shape xmlns:r="http://schemas.openxmlformats.org/officeDocument/2006/relationships" type="ellipse" r:blip="">
+                <dgm:adjLst/>
+              </dgm:shape>
+              <dgm:presOf/>
+            </dgm:layoutNode>
+          </dgm:forEach>
+        </dgm:forEach>
+      </dgm:forEach>
+      <dgm:forEach name="Name24" axis="ch" ptType="node" cnt="1">
+        <dgm:layoutNode name="text_1" styleLbl="node1">
           <dgm:varLst>
-            <dgm:chMax val="1"/>
             <dgm:bulletEnabled val="1"/>
           </dgm:varLst>
-          <dgm:alg type="tx"/>
-          <dgm:shape xmlns:r="http://schemas.openxmlformats.org/officeDocument/2006/relationships" type="roundRect" r:blip="" zOrderOff="3">
+          <dgm:choose name="Name25">
+            <dgm:if name="Name26" func="var" arg="dir" op="equ" val="norm">
+              <dgm:alg type="tx">
+                <dgm:param type="parTxLTRAlign" val="l"/>
+                <dgm:param type="shpTxLTRAlignCh" val="l"/>
+                <dgm:param type="parTxRTLAlign" val="l"/>
+                <dgm:param type="shpTxRTLAlignCh" val="l"/>
+              </dgm:alg>
+            </dgm:if>
+            <dgm:else name="Name27">
+              <dgm:alg type="tx">
+                <dgm:param type="parTxLTRAlign" val="r"/>
+                <dgm:param type="shpTxLTRAlignCh" val="r"/>
+                <dgm:param type="parTxRTLAlign" val="r"/>
+                <dgm:param type="shpTxRTLAlignCh" val="r"/>
+              </dgm:alg>
+            </dgm:else>
+          </dgm:choose>
+          <dgm:shape xmlns:r="http://schemas.openxmlformats.org/officeDocument/2006/relationships" type="rect" r:blip="">
             <dgm:adjLst/>
           </dgm:shape>
-          <dgm:presOf axis="self" ptType="node"/>
+          <dgm:presOf axis="desOrSelf" ptType="node"/>
           <dgm:constrLst>
-            <dgm:constr type="tMarg" refType="primFontSz" fact="0.15"/>
-            <dgm:constr type="bMarg" refType="primFontSz" fact="0.15"/>
-            <dgm:constr type="lMarg" refType="primFontSz" fact="0.3"/>
-            <dgm:constr type="rMarg" refType="primFontSz" fact="0.3"/>
+            <dgm:constr type="primFontSz" val="65"/>
+            <dgm:constr type="lMarg" refType="primFontSz" fact="0.2"/>
+            <dgm:constr type="rMarg" refType="primFontSz" fact="0.2"/>
+            <dgm:constr type="tMarg" refType="primFontSz" fact="0.2"/>
+            <dgm:constr type="bMarg" refType="primFontSz" fact="0.2"/>
           </dgm:constrLst>
           <dgm:ruleLst>
             <dgm:rule type="primFontSz" val="5" fact="NaN" max="NaN"/>
           </dgm:ruleLst>
         </dgm:layoutNode>
-        <dgm:choose name="Name8">
-          <dgm:if name="Name9" axis="ch" ptType="node" func="cnt" op="gte" val="1">
-            <dgm:layoutNode name="descendantText" styleLbl="alignAccFollowNode1">
-              <dgm:varLst>
-                <dgm:bulletEnabled val="1"/>
-              </dgm:varLst>
-              <dgm:alg type="tx">
-                <dgm:param type="stBulletLvl" val="1"/>
-                <dgm:param type="txAnchorVertCh" val="mid"/>
-              </dgm:alg>
-              <dgm:choose name="Name10">
-                <dgm:if name="Name11" func="var" arg="dir" op="equ" val="norm">
-                  <dgm:shape xmlns:r="http://schemas.openxmlformats.org/officeDocument/2006/relationships" rot="90" type="round2SameRect" r:blip="">
-                    <dgm:adjLst/>
-                  </dgm:shape>
-                </dgm:if>
-                <dgm:else name="Name12">
-                  <dgm:shape xmlns:r="http://schemas.openxmlformats.org/officeDocument/2006/relationships" rot="-90" type="round2SameRect" r:blip="">
-                    <dgm:adjLst/>
-                  </dgm:shape>
-                </dgm:else>
-              </dgm:choose>
-              <dgm:presOf axis="des" ptType="node"/>
-              <dgm:constrLst>
-                <dgm:constr type="secFontSz" val="65"/>
-                <dgm:constr type="primFontSz" refType="secFontSz"/>
-                <dgm:constr type="lMarg" refType="secFontSz" fact="0.3"/>
-                <dgm:constr type="rMarg" refType="secFontSz" fact="0.3"/>
-                <dgm:constr type="tMarg" refType="secFontSz" fact="0.15"/>
-                <dgm:constr type="bMarg" refType="secFontSz" fact="0.15"/>
-              </dgm:constrLst>
-              <dgm:ruleLst>
-                <dgm:rule type="secFontSz" val="5" fact="NaN" max="NaN"/>
-              </dgm:ruleLst>
-            </dgm:layoutNode>
-          </dgm:if>
-          <dgm:else name="Name13"/>
-        </dgm:choose>
-      </dgm:layoutNode>
-      <dgm:forEach name="Name14" axis="followSib" ptType="sibTrans" cnt="1">
-        <dgm:layoutNode name="sp">
+        <dgm:layoutNode name="accent_1">
           <dgm:alg type="sp"/>
           <dgm:shape xmlns:r="http://schemas.openxmlformats.org/officeDocument/2006/relationships" r:blip="">
             <dgm:adjLst/>
           </dgm:shape>
           <dgm:presOf/>
           <dgm:constrLst/>
-          <dgm:ruleLst/>
+          <dgm:forEach name="Name28" ref="accentRepeat"/>
         </dgm:layoutNode>
       </dgm:forEach>
-    </dgm:forEach>
+      <dgm:forEach name="Name29" axis="ch" ptType="node" st="2" cnt="1">
+        <dgm:layoutNode name="text_2" styleLbl="node1">
+          <dgm:varLst>
+            <dgm:bulletEnabled val="1"/>
+          </dgm:varLst>
+          <dgm:choose name="Name30">
+            <dgm:if name="Name31" func="var" arg="dir" op="equ" val="norm">
+              <dgm:alg type="tx">
+                <dgm:param type="parTxLTRAlign" val="l"/>
+                <dgm:param type="shpTxLTRAlignCh" val="l"/>
+                <dgm:param type="parTxRTLAlign" val="l"/>
+                <dgm:param type="shpTxRTLAlignCh" val="l"/>
+              </dgm:alg>
+            </dgm:if>
+            <dgm:else name="Name32">
+              <dgm:alg type="tx">
+                <dgm:param type="parTxLTRAlign" val="r"/>
+                <dgm:param type="shpTxLTRAlignCh" val="r"/>
+                <dgm:param type="parTxRTLAlign" val="r"/>
+                <dgm:param type="shpTxRTLAlignCh" val="r"/>
+              </dgm:alg>
+            </dgm:else>
+          </dgm:choose>
+          <dgm:shape xmlns:r="http://schemas.openxmlformats.org/officeDocument/2006/relationships" type="rect" r:blip="">
+            <dgm:adjLst/>
+          </dgm:shape>
+          <dgm:presOf axis="desOrSelf" ptType="node"/>
+          <dgm:constrLst>
+            <dgm:constr type="primFontSz" val="65"/>
+            <dgm:constr type="lMarg" refType="primFontSz" fact="0.2"/>
+            <dgm:constr type="rMarg" refType="primFontSz" fact="0.2"/>
+            <dgm:constr type="tMarg" refType="primFontSz" fact="0.2"/>
+            <dgm:constr type="bMarg" refType="primFontSz" fact="0.2"/>
+          </dgm:constrLst>
+          <dgm:ruleLst>
+            <dgm:rule type="primFontSz" val="5" fact="NaN" max="NaN"/>
+          </dgm:ruleLst>
+        </dgm:layoutNode>
+        <dgm:layoutNode name="accent_2">
+          <dgm:alg type="sp"/>
+          <dgm:shape xmlns:r="http://schemas.openxmlformats.org/officeDocument/2006/relationships" r:blip="">
+            <dgm:adjLst/>
+          </dgm:shape>
+          <dgm:presOf/>
+          <dgm:constrLst/>
+          <dgm:forEach name="Name33" ref="accentRepeat"/>
+        </dgm:layoutNode>
+      </dgm:forEach>
+      <dgm:forEach name="Name34" axis="ch" ptType="node" st="3" cnt="1">
+        <dgm:layoutNode name="text_3" styleLbl="node1">
+          <dgm:varLst>
+            <dgm:bulletEnabled val="1"/>
+          </dgm:varLst>
+          <dgm:choose name="Name35">
+            <dgm:if name="Name36" func="var" arg="dir" op="equ" val="norm">
+              <dgm:alg type="tx">
+                <dgm:param type="parTxLTRAlign" val="l"/>
+                <dgm:param type="shpTxLTRAlignCh" val="l"/>
+                <dgm:param type="parTxRTLAlign" val="l"/>
+                <dgm:param type="shpTxRTLAlignCh" val="l"/>
+              </dgm:alg>
+            </dgm:if>
+            <dgm:else name="Name37">
+              <dgm:alg type="tx">
+                <dgm:param type="parTxLTRAlign" val="r"/>
+                <dgm:param type="shpTxLTRAlignCh" val="r"/>
+                <dgm:param type="parTxRTLAlign" val="r"/>
+                <dgm:param type="shpTxRTLAlignCh" val="r"/>
+              </dgm:alg>
+            </dgm:else>
+          </dgm:choose>
+          <dgm:shape xmlns:r="http://schemas.openxmlformats.org/officeDocument/2006/relationships" type="rect" r:blip="">
+            <dgm:adjLst/>
+          </dgm:shape>
+          <dgm:presOf axis="desOrSelf" ptType="node"/>
+          <dgm:constrLst>
+            <dgm:constr type="primFontSz" val="65"/>
+            <dgm:constr type="lMarg" refType="primFontSz" fact="0.2"/>
+            <dgm:constr type="rMarg" refType="primFontSz" fact="0.2"/>
+            <dgm:constr type="tMarg" refType="primFontSz" fact="0.2"/>
+            <dgm:constr type="bMarg" refType="primFontSz" fact="0.2"/>
+          </dgm:constrLst>
+          <dgm:ruleLst>
+            <dgm:rule type="primFontSz" val="5" fact="NaN" max="NaN"/>
+          </dgm:ruleLst>
+        </dgm:layoutNode>
+        <dgm:layoutNode name="accent_3">
+          <dgm:alg type="sp"/>
+          <dgm:shape xmlns:r="http://schemas.openxmlformats.org/officeDocument/2006/relationships" r:blip="">
+            <dgm:adjLst/>
+          </dgm:shape>
+          <dgm:presOf/>
+          <dgm:constrLst/>
+          <dgm:forEach name="Name38" ref="accentRepeat"/>
+        </dgm:layoutNode>
+      </dgm:forEach>
+      <dgm:forEach name="Name39" axis="ch" ptType="node" st="4" cnt="1">
+        <dgm:layoutNode name="text_4" styleLbl="node1">
+          <dgm:varLst>
+            <dgm:bulletEnabled val="1"/>
+          </dgm:varLst>
+          <dgm:choose name="Name40">
+            <dgm:if name="Name41" func="var" arg="dir" op="equ" val="norm">
+              <dgm:alg type="tx">
+                <dgm:param type="parTxLTRAlign" val="l"/>
+                <dgm:param type="shpTxLTRAlignCh" val="l"/>
+                <dgm:param type="parTxRTLAlign" val="l"/>
+                <dgm:param type="shpTxRTLAlignCh" val="l"/>
+              </dgm:alg>
+            </dgm:if>
+            <dgm:else name="Name42">
+              <dgm:alg type="tx">
+                <dgm:param type="parTxLTRAlign" val="r"/>
+                <dgm:param type="shpTxLTRAlignCh" val="r"/>
+                <dgm:param type="parTxRTLAlign" val="r"/>
+                <dgm:param type="shpTxRTLAlignCh" val="r"/>
+              </dgm:alg>
+            </dgm:else>
+          </dgm:choose>
+          <dgm:shape xmlns:r="http://schemas.openxmlformats.org/officeDocument/2006/relationships" type="rect" r:blip="">
+            <dgm:adjLst/>
+          </dgm:shape>
+          <dgm:presOf axis="desOrSelf" ptType="node"/>
+          <dgm:constrLst>
+            <dgm:constr type="primFontSz" val="65"/>
+            <dgm:constr type="lMarg" refType="primFontSz" fact="0.2"/>
+            <dgm:constr type="rMarg" refType="primFontSz" fact="0.2"/>
+            <dgm:constr type="tMarg" refType="primFontSz" fact="0.2"/>
+            <dgm:constr type="bMarg" refType="primFontSz" fact="0.2"/>
+          </dgm:constrLst>
+          <dgm:ruleLst>
+            <dgm:rule type="primFontSz" val="5" fact="NaN" max="NaN"/>
+          </dgm:ruleLst>
+        </dgm:layoutNode>
+        <dgm:layoutNode name="accent_4">
+          <dgm:alg type="sp"/>
+          <dgm:shape xmlns:r="http://schemas.openxmlformats.org/officeDocument/2006/relationships" r:blip="">
+            <dgm:adjLst/>
+          </dgm:shape>
+          <dgm:presOf/>
+          <dgm:constrLst/>
+          <dgm:forEach name="Name43" ref="accentRepeat"/>
+        </dgm:layoutNode>
+      </dgm:forEach>
+      <dgm:forEach name="Name44" axis="ch" ptType="node" st="5" cnt="1">
+        <dgm:layoutNode name="text_5" styleLbl="node1">
+          <dgm:varLst>
+            <dgm:bulletEnabled val="1"/>
+          </dgm:varLst>
+          <dgm:choose name="Name45">
+            <dgm:if name="Name46" func="var" arg="dir" op="equ" val="norm">
+              <dgm:alg type="tx">
+                <dgm:param type="parTxLTRAlign" val="l"/>
+                <dgm:param type="shpTxLTRAlignCh" val="l"/>
+                <dgm:param type="parTxRTLAlign" val="l"/>
+                <dgm:param type="shpTxRTLAlignCh" val="l"/>
+              </dgm:alg>
+            </dgm:if>
+            <dgm:else name="Name47">
+              <dgm:alg type="tx">
+                <dgm:param type="parTxLTRAlign" val="r"/>
+                <dgm:param type="shpTxLTRAlignCh" val="r"/>
+                <dgm:param type="parTxRTLAlign" val="r"/>
+                <dgm:param type="shpTxRTLAlignCh" val="r"/>
+              </dgm:alg>
+            </dgm:else>
+          </dgm:choose>
+          <dgm:shape xmlns:r="http://schemas.openxmlformats.org/officeDocument/2006/relationships" type="rect" r:blip="">
+            <dgm:adjLst/>
+          </dgm:shape>
+          <dgm:presOf axis="desOrSelf" ptType="node"/>
+          <dgm:constrLst>
+            <dgm:constr type="primFontSz" val="65"/>
+            <dgm:constr type="lMarg" refType="primFontSz" fact="0.2"/>
+            <dgm:constr type="rMarg" refType="primFontSz" fact="0.2"/>
+            <dgm:constr type="tMarg" refType="primFontSz" fact="0.2"/>
+            <dgm:constr type="bMarg" refType="primFontSz" fact="0.2"/>
+          </dgm:constrLst>
+          <dgm:ruleLst>
+            <dgm:rule type="primFontSz" val="5" fact="NaN" max="NaN"/>
+          </dgm:ruleLst>
+        </dgm:layoutNode>
+        <dgm:layoutNode name="accent_5">
+          <dgm:alg type="sp"/>
+          <dgm:shape xmlns:r="http://schemas.openxmlformats.org/officeDocument/2006/relationships" r:blip="">
+            <dgm:adjLst/>
+          </dgm:shape>
+          <dgm:presOf/>
+          <dgm:constrLst/>
+          <dgm:forEach name="Name48" ref="accentRepeat"/>
+        </dgm:layoutNode>
+      </dgm:forEach>
+      <dgm:forEach name="Name49" axis="ch" ptType="node" st="6" cnt="1">
+        <dgm:layoutNode name="text_6" styleLbl="node1">
+          <dgm:varLst>
+            <dgm:bulletEnabled val="1"/>
+          </dgm:varLst>
+          <dgm:choose name="Name50">
+            <dgm:if name="Name51" func="var" arg="dir" op="equ" val="norm">
+              <dgm:alg type="tx">
+                <dgm:param type="parTxLTRAlign" val="l"/>
+                <dgm:param type="shpTxLTRAlignCh" val="l"/>
+                <dgm:param type="parTxRTLAlign" val="l"/>
+                <dgm:param type="shpTxRTLAlignCh" val="l"/>
+              </dgm:alg>
+            </dgm:if>
+            <dgm:else name="Name52">
+              <dgm:alg type="tx">
+                <dgm:param type="parTxLTRAlign" val="r"/>
+                <dgm:param type="shpTxLTRAlignCh" val="r"/>
+                <dgm:param type="parTxRTLAlign" val="r"/>
+                <dgm:param type="shpTxRTLAlignCh" val="r"/>
+              </dgm:alg>
+            </dgm:else>
+          </dgm:choose>
+          <dgm:shape xmlns:r="http://schemas.openxmlformats.org/officeDocument/2006/relationships" type="rect" r:blip="">
+            <dgm:adjLst/>
+          </dgm:shape>
+          <dgm:presOf axis="desOrSelf" ptType="node"/>
+          <dgm:constrLst>
+            <dgm:constr type="primFontSz" val="65"/>
+            <dgm:constr type="lMarg" refType="primFontSz" fact="0.2"/>
+            <dgm:constr type="rMarg" refType="primFontSz" fact="0.2"/>
+            <dgm:constr type="tMarg" refType="primFontSz" fact="0.2"/>
+            <dgm:constr type="bMarg" refType="primFontSz" fact="0.2"/>
+          </dgm:constrLst>
+          <dgm:ruleLst>
+            <dgm:rule type="primFontSz" val="5" fact="NaN" max="NaN"/>
+          </dgm:ruleLst>
+        </dgm:layoutNode>
+        <dgm:layoutNode name="accent_6">
+          <dgm:alg type="sp"/>
+          <dgm:shape xmlns:r="http://schemas.openxmlformats.org/officeDocument/2006/relationships" r:blip="">
+            <dgm:adjLst/>
+          </dgm:shape>
+          <dgm:presOf/>
+          <dgm:constrLst/>
+          <dgm:forEach name="Name53" ref="accentRepeat"/>
+        </dgm:layoutNode>
+      </dgm:forEach>
+      <dgm:forEach name="Name54" axis="ch" ptType="node" st="7" cnt="1">
+        <dgm:layoutNode name="text_7" styleLbl="node1">
+          <dgm:varLst>
+            <dgm:bulletEnabled val="1"/>
+          </dgm:varLst>
+          <dgm:choose name="Name55">
+            <dgm:if name="Name56" func="var" arg="dir" op="equ" val="norm">
+              <dgm:alg type="tx">
+                <dgm:param type="parTxLTRAlign" val="l"/>
+                <dgm:param type="shpTxLTRAlignCh" val="l"/>
+                <dgm:param type="parTxRTLAlign" val="l"/>
+                <dgm:param type="shpTxRTLAlignCh" val="l"/>
+              </dgm:alg>
+            </dgm:if>
+            <dgm:else name="Name57">
+              <dgm:alg type="tx">
+                <dgm:param type="parTxLTRAlign" val="r"/>
+                <dgm:param type="shpTxLTRAlignCh" val="r"/>
+                <dgm:param type="parTxRTLAlign" val="r"/>
+                <dgm:param type="shpTxRTLAlignCh" val="r"/>
+              </dgm:alg>
+            </dgm:else>
+          </dgm:choose>
+          <dgm:shape xmlns:r="http://schemas.openxmlformats.org/officeDocument/2006/relationships" type="rect" r:blip="">
+            <dgm:adjLst/>
+          </dgm:shape>
+          <dgm:presOf axis="desOrSelf" ptType="node"/>
+          <dgm:constrLst>
+            <dgm:constr type="primFontSz" val="65"/>
+            <dgm:constr type="lMarg" refType="primFontSz" fact="0.2"/>
+            <dgm:constr type="rMarg" refType="primFontSz" fact="0.2"/>
+            <dgm:constr type="tMarg" refType="primFontSz" fact="0.2"/>
+            <dgm:constr type="bMarg" refType="primFontSz" fact="0.2"/>
+          </dgm:constrLst>
+          <dgm:ruleLst>
+            <dgm:rule type="primFontSz" val="5" fact="NaN" max="NaN"/>
+          </dgm:ruleLst>
+        </dgm:layoutNode>
+        <dgm:layoutNode name="accent_7">
+          <dgm:alg type="sp"/>
+          <dgm:shape xmlns:r="http://schemas.openxmlformats.org/officeDocument/2006/relationships" r:blip="">
+            <dgm:adjLst/>
+          </dgm:shape>
+          <dgm:presOf/>
+          <dgm:constrLst/>
+          <dgm:forEach name="Name58" ref="accentRepeat"/>
+        </dgm:layoutNode>
+      </dgm:forEach>
+    </dgm:layoutNode>
   </dgm:layoutNode>
 </dgm:layoutDef>
 </file>
@@ -33393,15 +35049,6 @@
               </a:rPr>
               <a:t>On-board screw-terminals are available for easy connection.</a:t>
             </a:r>
-            <a:endParaRPr lang="en-US" sz="1800" b="1" i="1">
-              <a:solidFill>
-                <a:srgbClr val="3F3F3F"/>
-              </a:solidFill>
-              <a:latin typeface="Arial"/>
-              <a:ea typeface="Arial"/>
-              <a:cs typeface="Arial"/>
-              <a:sym typeface="Arial"/>
-            </a:endParaRPr>
           </a:p>
         </p:txBody>
       </p:sp>
@@ -34370,15 +36017,7 @@
                   <a:srgbClr val="102C33"/>
                 </a:solidFill>
               </a:rPr>
-              <a:t>Hand </a:t>
-            </a:r>
-            <a:r>
-              <a:rPr lang="en-US">
-                <a:solidFill>
-                  <a:srgbClr val="102C33"/>
-                </a:solidFill>
-              </a:rPr>
-              <a:t>Sign </a:t>
+              <a:t>Hand Sign </a:t>
             </a:r>
             <a:r>
               <a:rPr lang="en-US" smtClean="0">
@@ -34561,15 +36200,7 @@
                   <a:srgbClr val="102C33"/>
                 </a:solidFill>
               </a:rPr>
-              <a:t>Hand </a:t>
-            </a:r>
-            <a:r>
-              <a:rPr lang="en-US">
-                <a:solidFill>
-                  <a:srgbClr val="102C33"/>
-                </a:solidFill>
-              </a:rPr>
-              <a:t>Sign </a:t>
+              <a:t>Hand Sign </a:t>
             </a:r>
             <a:r>
               <a:rPr lang="en-US" smtClean="0">
@@ -35178,15 +36809,7 @@
                   <a:srgbClr val="102C33"/>
                 </a:solidFill>
               </a:rPr>
-              <a:t>Hand </a:t>
-            </a:r>
-            <a:r>
-              <a:rPr lang="en-US">
-                <a:solidFill>
-                  <a:srgbClr val="102C33"/>
-                </a:solidFill>
-              </a:rPr>
-              <a:t>Sign </a:t>
+              <a:t>Hand Sign </a:t>
             </a:r>
             <a:r>
               <a:rPr lang="en-US" smtClean="0">
@@ -35837,13 +37460,6 @@
               </a:rPr>
               <a:t>Recognition by Support Vector Machine</a:t>
             </a:r>
-            <a:endParaRPr lang="en-US" sz="2400" b="1">
-              <a:solidFill>
-                <a:srgbClr val="3F3F3F"/>
-              </a:solidFill>
-              <a:latin typeface="Arial" pitchFamily="34" charset="0"/>
-              <a:cs typeface="Arial" pitchFamily="34" charset="0"/>
-            </a:endParaRPr>
           </a:p>
         </p:txBody>
       </p:sp>
@@ -35990,11 +37606,6 @@
               </a:rPr>
               <a:t>Output Recognition Result</a:t>
             </a:r>
-            <a:endParaRPr lang="en-US" sz="2400" b="1">
-              <a:solidFill>
-                <a:srgbClr val="3F3F3F"/>
-              </a:solidFill>
-            </a:endParaRPr>
           </a:p>
         </p:txBody>
       </p:sp>
@@ -36486,11 +38097,6 @@
               </a:rPr>
               <a:t>Process</a:t>
             </a:r>
-            <a:endParaRPr lang="vi-VN">
-              <a:solidFill>
-                <a:srgbClr val="3F3F3F"/>
-              </a:solidFill>
-            </a:endParaRPr>
           </a:p>
         </p:txBody>
       </p:sp>
@@ -40214,14 +41820,14 @@
             <p:ph idx="10"/>
             <p:extLst>
               <p:ext uri="{D42A27DB-BD31-4B8C-83A1-F6EECF244321}">
-                <p14:modId xmlns:p14="http://schemas.microsoft.com/office/powerpoint/2010/main" val="2098321149"/>
+                <p14:modId xmlns:p14="http://schemas.microsoft.com/office/powerpoint/2010/main" val="3258352657"/>
               </p:ext>
             </p:extLst>
           </p:nvPr>
         </p:nvGraphicFramePr>
         <p:xfrm>
-          <a:off x="1987885" y="1196752"/>
-          <a:ext cx="6408712" cy="4104456"/>
+          <a:off x="1987884" y="1196752"/>
+          <a:ext cx="6760579" cy="4176464"/>
         </p:xfrm>
         <a:graphic>
           <a:graphicData uri="http://schemas.openxmlformats.org/drawingml/2006/diagram">
@@ -40374,13 +41980,6 @@
               </a:rPr>
               <a:t>A system plays a role as translator in communication.</a:t>
             </a:r>
-            <a:endParaRPr lang="en-US" b="1">
-              <a:solidFill>
-                <a:srgbClr val="3F3F3F"/>
-              </a:solidFill>
-              <a:latin typeface="Arial" pitchFamily="34" charset="0"/>
-              <a:cs typeface="Arial" pitchFamily="34" charset="0"/>
-            </a:endParaRPr>
           </a:p>
         </p:txBody>
       </p:sp>
@@ -40513,15 +42112,6 @@
               </a:rPr>
               <a:t> sound with the same meaning.</a:t>
             </a:r>
-            <a:endParaRPr lang="en-US" b="1">
-              <a:solidFill>
-                <a:srgbClr val="3F3F3F"/>
-              </a:solidFill>
-              <a:latin typeface="Arial" pitchFamily="34" charset="0"/>
-              <a:ea typeface="Arial"/>
-              <a:cs typeface="Arial" pitchFamily="34" charset="0"/>
-              <a:sym typeface="Arial"/>
-            </a:endParaRPr>
           </a:p>
         </p:txBody>
       </p:sp>
@@ -40630,8 +42220,8 @@
         </p:blipFill>
         <p:spPr bwMode="auto">
           <a:xfrm>
-            <a:off x="7524328" y="5281356"/>
-            <a:ext cx="1368152" cy="1368152"/>
+            <a:off x="7740352" y="5497380"/>
+            <a:ext cx="1152128" cy="1152128"/>
           </a:xfrm>
           <a:prstGeom prst="rect">
             <a:avLst/>
@@ -40726,14 +42316,14 @@
             <p:ph idx="10"/>
             <p:extLst>
               <p:ext uri="{D42A27DB-BD31-4B8C-83A1-F6EECF244321}">
-                <p14:modId xmlns:p14="http://schemas.microsoft.com/office/powerpoint/2010/main" val="3320109608"/>
+                <p14:modId xmlns:p14="http://schemas.microsoft.com/office/powerpoint/2010/main" val="2296034350"/>
               </p:ext>
             </p:extLst>
           </p:nvPr>
         </p:nvGraphicFramePr>
         <p:xfrm>
-          <a:off x="2051720" y="1484784"/>
-          <a:ext cx="6635079" cy="4193373"/>
+          <a:off x="1835696" y="1340768"/>
+          <a:ext cx="7056784" cy="4968552"/>
         </p:xfrm>
         <a:graphic>
           <a:graphicData uri="http://schemas.openxmlformats.org/drawingml/2006/diagram">
@@ -40743,7 +42333,7 @@
       </p:graphicFrame>
       <p:pic>
         <p:nvPicPr>
-          <p:cNvPr id="1026" name="Picture 2" descr="C:\Users\Flyc\Desktop\Icon\23_rocket_start_game_design_flat_icon-512.png"/>
+          <p:cNvPr id="4" name="Picture 2" descr="C:\Users\Flyc\Desktop\Icon\laptop_settings-512.png"/>
           <p:cNvPicPr>
             <a:picLocks noChangeAspect="1" noChangeArrowheads="1"/>
           </p:cNvPicPr>
@@ -40764,8 +42354,90 @@
         </p:blipFill>
         <p:spPr bwMode="auto">
           <a:xfrm>
-            <a:off x="7452320" y="5229200"/>
-            <a:ext cx="1509241" cy="1509241"/>
+            <a:off x="2098145" y="1844824"/>
+            <a:ext cx="864096" cy="864097"/>
+          </a:xfrm>
+          <a:prstGeom prst="rect">
+            <a:avLst/>
+          </a:prstGeom>
+          <a:noFill/>
+          <a:extLst>
+            <a:ext uri="{909E8E84-426E-40DD-AFC4-6F175D3DCCD1}">
+              <a14:hiddenFill xmlns:a14="http://schemas.microsoft.com/office/drawing/2010/main">
+                <a:solidFill>
+                  <a:srgbClr val="FFFFFF"/>
+                </a:solidFill>
+              </a14:hiddenFill>
+            </a:ext>
+          </a:extLst>
+        </p:spPr>
+      </p:pic>
+      <p:pic>
+        <p:nvPicPr>
+          <p:cNvPr id="1028" name="Picture 4" descr="C:\Users\Flyc\Desktop\Icon\Metal-512.png"/>
+          <p:cNvPicPr>
+            <a:picLocks noChangeAspect="1" noChangeArrowheads="1"/>
+          </p:cNvPicPr>
+          <p:nvPr/>
+        </p:nvPicPr>
+        <p:blipFill>
+          <a:blip r:embed="rId8" cstate="print">
+            <a:extLst>
+              <a:ext uri="{28A0092B-C50C-407E-A947-70E740481C1C}">
+                <a14:useLocalDpi xmlns:a14="http://schemas.microsoft.com/office/drawing/2010/main" val="0"/>
+              </a:ext>
+            </a:extLst>
+          </a:blip>
+          <a:srcRect/>
+          <a:stretch>
+            <a:fillRect/>
+          </a:stretch>
+        </p:blipFill>
+        <p:spPr bwMode="auto">
+          <a:xfrm>
+            <a:off x="2267744" y="3197421"/>
+            <a:ext cx="1223063" cy="1223063"/>
+          </a:xfrm>
+          <a:prstGeom prst="rect">
+            <a:avLst/>
+          </a:prstGeom>
+          <a:noFill/>
+          <a:extLst>
+            <a:ext uri="{909E8E84-426E-40DD-AFC4-6F175D3DCCD1}">
+              <a14:hiddenFill xmlns:a14="http://schemas.microsoft.com/office/drawing/2010/main">
+                <a:solidFill>
+                  <a:srgbClr val="FFFFFF"/>
+                </a:solidFill>
+              </a14:hiddenFill>
+            </a:ext>
+          </a:extLst>
+        </p:spPr>
+      </p:pic>
+      <p:pic>
+        <p:nvPicPr>
+          <p:cNvPr id="1029" name="Picture 5" descr="C:\Users\Flyc\Desktop\Icon\book-3-512.png"/>
+          <p:cNvPicPr>
+            <a:picLocks noChangeAspect="1" noChangeArrowheads="1"/>
+          </p:cNvPicPr>
+          <p:nvPr/>
+        </p:nvPicPr>
+        <p:blipFill>
+          <a:blip r:embed="rId9" cstate="print">
+            <a:extLst>
+              <a:ext uri="{28A0092B-C50C-407E-A947-70E740481C1C}">
+                <a14:useLocalDpi xmlns:a14="http://schemas.microsoft.com/office/drawing/2010/main" val="0"/>
+              </a:ext>
+            </a:extLst>
+          </a:blip>
+          <a:srcRect/>
+          <a:stretch>
+            <a:fillRect/>
+          </a:stretch>
+        </p:blipFill>
+        <p:spPr bwMode="auto">
+          <a:xfrm>
+            <a:off x="2049349" y="4869160"/>
+            <a:ext cx="961687" cy="961687"/>
           </a:xfrm>
           <a:prstGeom prst="rect">
             <a:avLst/>
@@ -41155,15 +42827,6 @@
               </a:rPr>
               <a:t>Memory: 1GB</a:t>
             </a:r>
-            <a:endParaRPr lang="en-US" sz="1800" b="1" i="1">
-              <a:solidFill>
-                <a:srgbClr val="3F3F3F"/>
-              </a:solidFill>
-              <a:latin typeface="Arial"/>
-              <a:ea typeface="Arial"/>
-              <a:cs typeface="Arial"/>
-              <a:sym typeface="Arial"/>
-            </a:endParaRPr>
           </a:p>
         </p:txBody>
       </p:sp>
@@ -41252,8 +42915,8 @@
         </p:blipFill>
         <p:spPr bwMode="auto">
           <a:xfrm>
-            <a:off x="7596336" y="5445224"/>
-            <a:ext cx="1252910" cy="1252910"/>
+            <a:off x="7858524" y="5589240"/>
+            <a:ext cx="1108894" cy="1108894"/>
           </a:xfrm>
           <a:prstGeom prst="rect">
             <a:avLst/>
@@ -41505,15 +43168,6 @@
               </a:rPr>
               <a:t>Configuration: 3S1P / 11.1v / 3Cell</a:t>
             </a:r>
-            <a:endParaRPr lang="en-US" sz="1800" b="1" i="1">
-              <a:solidFill>
-                <a:srgbClr val="3F3F3F"/>
-              </a:solidFill>
-              <a:latin typeface="Arial"/>
-              <a:ea typeface="Arial"/>
-              <a:cs typeface="Arial"/>
-              <a:sym typeface="Arial"/>
-            </a:endParaRPr>
           </a:p>
         </p:txBody>
       </p:sp>
@@ -41540,8 +43194,8 @@
         </p:blipFill>
         <p:spPr bwMode="auto">
           <a:xfrm>
-            <a:off x="7689603" y="5511948"/>
-            <a:ext cx="1188133" cy="1188133"/>
+            <a:off x="7788596" y="5589240"/>
+            <a:ext cx="1110841" cy="1110841"/>
           </a:xfrm>
           <a:prstGeom prst="rect">
             <a:avLst/>

--- a/Thuyettrinh/PPGroup 5.pptx
+++ b/Thuyettrinh/PPGroup 5.pptx
@@ -5503,14 +5503,7 @@
               <a:latin typeface="Arial" pitchFamily="34" charset="0"/>
               <a:cs typeface="Arial" pitchFamily="34" charset="0"/>
             </a:rPr>
-            <a:t>System </a:t>
-          </a:r>
-          <a:r>
-            <a:rPr lang="en-US" sz="1600" b="1" smtClean="0">
-              <a:latin typeface="Arial" pitchFamily="34" charset="0"/>
-              <a:cs typeface="Arial" pitchFamily="34" charset="0"/>
-            </a:rPr>
-            <a:t>Architectural Design</a:t>
+            <a:t>System Architectural Design</a:t>
           </a:r>
           <a:endParaRPr lang="vi-VN" sz="1600">
             <a:latin typeface="Arial" pitchFamily="34" charset="0"/>
@@ -5811,10 +5804,6 @@
             </a:rPr>
             <a:t>System Features</a:t>
           </a:r>
-          <a:endParaRPr lang="vi-VN" sz="1600" b="1" smtClean="0">
-            <a:latin typeface="Arial" pitchFamily="34" charset="0"/>
-            <a:cs typeface="Arial" pitchFamily="34" charset="0"/>
-          </a:endParaRPr>
         </a:p>
       </dgm:t>
     </dgm:pt>
@@ -5988,6 +5977,13 @@
         </dgm:presLayoutVars>
       </dgm:prSet>
       <dgm:spPr/>
+      <dgm:t>
+        <a:bodyPr/>
+        <a:lstStyle/>
+        <a:p>
+          <a:endParaRPr lang="vi-VN"/>
+        </a:p>
+      </dgm:t>
     </dgm:pt>
     <dgm:pt modelId="{DA918B5C-0D0D-49B3-91EC-12843543725C}" type="pres">
       <dgm:prSet presAssocID="{4261B7D6-C885-4F32-A416-9BC8FFD7AAD2}" presName="spacing" presStyleCnt="0"/>
@@ -7076,8 +7072,8 @@
   </dgm:ptLst>
   <dgm:cxnLst>
     <dgm:cxn modelId="{C3BF675A-1055-4483-A3A3-28059A5EB6FF}" srcId="{0460EDE6-5369-4BE4-97B9-ED054D8963EF}" destId="{CDA566C0-8DC2-45EE-BEF9-5A02C15CA8C1}" srcOrd="1" destOrd="0" parTransId="{0F127F14-C62F-4748-91C1-AC1015FBA060}" sibTransId="{25CCC55E-E86A-40CF-B638-23FB8686C4C6}"/>
+    <dgm:cxn modelId="{41BB3D3C-0D58-409D-8EF6-554045BE5342}" type="presOf" srcId="{273373BE-1140-419A-8544-436176DD14C7}" destId="{D8EF6A1B-0032-42CE-9875-FCD6E4CB91D6}" srcOrd="0" destOrd="0" presId="urn:microsoft.com/office/officeart/2005/8/layout/arrow6"/>
     <dgm:cxn modelId="{0BCF16D8-0DD4-4DC4-B135-95F7A3E97566}" type="presOf" srcId="{0460EDE6-5369-4BE4-97B9-ED054D8963EF}" destId="{23CE1CD2-4A44-492E-BA5F-F973CCF029F1}" srcOrd="0" destOrd="0" presId="urn:microsoft.com/office/officeart/2005/8/layout/arrow6"/>
-    <dgm:cxn modelId="{41BB3D3C-0D58-409D-8EF6-554045BE5342}" type="presOf" srcId="{273373BE-1140-419A-8544-436176DD14C7}" destId="{D8EF6A1B-0032-42CE-9875-FCD6E4CB91D6}" srcOrd="0" destOrd="0" presId="urn:microsoft.com/office/officeart/2005/8/layout/arrow6"/>
     <dgm:cxn modelId="{12216688-CA78-4484-8FAB-22F92639C239}" srcId="{0460EDE6-5369-4BE4-97B9-ED054D8963EF}" destId="{273373BE-1140-419A-8544-436176DD14C7}" srcOrd="0" destOrd="0" parTransId="{67EE7586-05AF-4C2B-91E6-399C8DFFBDC2}" sibTransId="{966B6545-7D8C-4DB5-8AA3-BD5755223B7E}"/>
     <dgm:cxn modelId="{EF2EFCDC-9998-45BD-8A7D-F4A4D61ADB5B}" type="presOf" srcId="{CDA566C0-8DC2-45EE-BEF9-5A02C15CA8C1}" destId="{A8F5C8E7-E12B-40C9-A21B-53F0F3C29E8E}" srcOrd="0" destOrd="0" presId="urn:microsoft.com/office/officeart/2005/8/layout/arrow6"/>
     <dgm:cxn modelId="{45998920-DD25-4076-9C63-1790DC507BF0}" type="presParOf" srcId="{23CE1CD2-4A44-492E-BA5F-F973CCF029F1}" destId="{AF7689FF-6131-48BA-A4AC-E08465CA1BBB}" srcOrd="0" destOrd="0" presId="urn:microsoft.com/office/officeart/2005/8/layout/arrow6"/>
@@ -8741,10 +8737,6 @@
             </a:rPr>
             <a:t>System Features</a:t>
           </a:r>
-          <a:endParaRPr lang="vi-VN" sz="1600" b="1" kern="1200" smtClean="0">
-            <a:latin typeface="Arial" pitchFamily="34" charset="0"/>
-            <a:cs typeface="Arial" pitchFamily="34" charset="0"/>
-          </a:endParaRPr>
         </a:p>
       </dsp:txBody>
       <dsp:txXfrm rot="10800000">
@@ -8886,14 +8878,7 @@
               <a:latin typeface="Arial" pitchFamily="34" charset="0"/>
               <a:cs typeface="Arial" pitchFamily="34" charset="0"/>
             </a:rPr>
-            <a:t>System </a:t>
-          </a:r>
-          <a:r>
-            <a:rPr lang="en-US" sz="1600" b="1" kern="1200" smtClean="0">
-              <a:latin typeface="Arial" pitchFamily="34" charset="0"/>
-              <a:cs typeface="Arial" pitchFamily="34" charset="0"/>
-            </a:rPr>
-            <a:t>Architectural Design</a:t>
+            <a:t>System Architectural Design</a:t>
           </a:r>
           <a:endParaRPr lang="vi-VN" sz="1600" kern="1200">
             <a:latin typeface="Arial" pitchFamily="34" charset="0"/>
@@ -10009,402 +9994,6 @@
       <dsp:cNvGrpSpPr/>
     </dsp:nvGrpSpPr>
     <dsp:grpSpPr/>
-    <dsp:sp modelId="{3FEBC72A-8C25-452C-8991-A4445FA09158}">
-      <dsp:nvSpPr>
-        <dsp:cNvPr id="0" name=""/>
-        <dsp:cNvSpPr/>
-      </dsp:nvSpPr>
-      <dsp:spPr>
-        <a:xfrm>
-          <a:off x="492230" y="0"/>
-          <a:ext cx="5578611" cy="4147865"/>
-        </a:xfrm>
-        <a:prstGeom prst="rightArrow">
-          <a:avLst/>
-        </a:prstGeom>
-        <a:solidFill>
-          <a:schemeClr val="accent2">
-            <a:tint val="40000"/>
-            <a:hueOff val="0"/>
-            <a:satOff val="0"/>
-            <a:lumOff val="0"/>
-            <a:alphaOff val="0"/>
-          </a:schemeClr>
-        </a:solidFill>
-        <a:ln>
-          <a:noFill/>
-        </a:ln>
-        <a:effectLst/>
-      </dsp:spPr>
-      <dsp:style>
-        <a:lnRef idx="0">
-          <a:scrgbClr r="0" g="0" b="0"/>
-        </a:lnRef>
-        <a:fillRef idx="1">
-          <a:scrgbClr r="0" g="0" b="0"/>
-        </a:fillRef>
-        <a:effectRef idx="0">
-          <a:scrgbClr r="0" g="0" b="0"/>
-        </a:effectRef>
-        <a:fontRef idx="minor"/>
-      </dsp:style>
-    </dsp:sp>
-    <dsp:sp modelId="{AE9AC7C5-4AAC-4FA6-9797-CCD4EE7CEA6D}">
-      <dsp:nvSpPr>
-        <dsp:cNvPr id="0" name=""/>
-        <dsp:cNvSpPr/>
-      </dsp:nvSpPr>
-      <dsp:spPr>
-        <a:xfrm>
-          <a:off x="2270" y="1244359"/>
-          <a:ext cx="1706408" cy="1659146"/>
-        </a:xfrm>
-        <a:prstGeom prst="roundRect">
-          <a:avLst/>
-        </a:prstGeom>
-        <a:solidFill>
-          <a:schemeClr val="accent2">
-            <a:hueOff val="0"/>
-            <a:satOff val="0"/>
-            <a:lumOff val="0"/>
-            <a:alphaOff val="0"/>
-          </a:schemeClr>
-        </a:solidFill>
-        <a:ln w="38100" cap="flat" cmpd="sng" algn="ctr">
-          <a:solidFill>
-            <a:schemeClr val="lt1">
-              <a:hueOff val="0"/>
-              <a:satOff val="0"/>
-              <a:lumOff val="0"/>
-              <a:alphaOff val="0"/>
-            </a:schemeClr>
-          </a:solidFill>
-          <a:prstDash val="solid"/>
-        </a:ln>
-        <a:effectLst>
-          <a:outerShdw blurRad="40000" dist="20000" dir="5400000" rotWithShape="0">
-            <a:srgbClr val="000000">
-              <a:alpha val="38000"/>
-            </a:srgbClr>
-          </a:outerShdw>
-        </a:effectLst>
-      </dsp:spPr>
-      <dsp:style>
-        <a:lnRef idx="3">
-          <a:scrgbClr r="0" g="0" b="0"/>
-        </a:lnRef>
-        <a:fillRef idx="1">
-          <a:scrgbClr r="0" g="0" b="0"/>
-        </a:fillRef>
-        <a:effectRef idx="1">
-          <a:scrgbClr r="0" g="0" b="0"/>
-        </a:effectRef>
-        <a:fontRef idx="minor">
-          <a:schemeClr val="lt1"/>
-        </a:fontRef>
-      </dsp:style>
-      <dsp:txBody>
-        <a:bodyPr spcFirstLastPara="0" vert="horz" wrap="square" lIns="60960" tIns="60960" rIns="60960" bIns="60960" numCol="1" spcCol="1270" anchor="ctr" anchorCtr="0">
-          <a:noAutofit/>
-        </a:bodyPr>
-        <a:lstStyle/>
-        <a:p>
-          <a:pPr lvl="0" algn="ctr" defTabSz="711200" rtl="0">
-            <a:lnSpc>
-              <a:spcPct val="90000"/>
-            </a:lnSpc>
-            <a:spcBef>
-              <a:spcPct val="0"/>
-            </a:spcBef>
-            <a:spcAft>
-              <a:spcPct val="35000"/>
-            </a:spcAft>
-          </a:pPr>
-          <a:r>
-            <a:rPr lang="en-US" sz="1600" b="1" kern="1200" dirty="0" smtClean="0">
-              <a:latin typeface="Arial" pitchFamily="34" charset="0"/>
-              <a:cs typeface="Arial" pitchFamily="34" charset="0"/>
-            </a:rPr>
-            <a:t>Image Preprocessing</a:t>
-          </a:r>
-          <a:endParaRPr lang="vi-VN" sz="1600" b="1" kern="1200" dirty="0">
-            <a:latin typeface="Arial" pitchFamily="34" charset="0"/>
-            <a:cs typeface="Arial" pitchFamily="34" charset="0"/>
-          </a:endParaRPr>
-        </a:p>
-      </dsp:txBody>
-      <dsp:txXfrm>
-        <a:off x="83263" y="1325352"/>
-        <a:ext cx="1544422" cy="1497160"/>
-      </dsp:txXfrm>
-    </dsp:sp>
-    <dsp:sp modelId="{5F3DFE9A-811B-408A-89D6-53ECE5949608}">
-      <dsp:nvSpPr>
-        <dsp:cNvPr id="0" name=""/>
-        <dsp:cNvSpPr/>
-      </dsp:nvSpPr>
-      <dsp:spPr>
-        <a:xfrm>
-          <a:off x="1939732" y="1244359"/>
-          <a:ext cx="1386320" cy="1659146"/>
-        </a:xfrm>
-        <a:prstGeom prst="roundRect">
-          <a:avLst/>
-        </a:prstGeom>
-        <a:solidFill>
-          <a:schemeClr val="accent2">
-            <a:hueOff val="0"/>
-            <a:satOff val="0"/>
-            <a:lumOff val="0"/>
-            <a:alphaOff val="0"/>
-          </a:schemeClr>
-        </a:solidFill>
-        <a:ln w="38100" cap="flat" cmpd="sng" algn="ctr">
-          <a:solidFill>
-            <a:schemeClr val="lt1">
-              <a:hueOff val="0"/>
-              <a:satOff val="0"/>
-              <a:lumOff val="0"/>
-              <a:alphaOff val="0"/>
-            </a:schemeClr>
-          </a:solidFill>
-          <a:prstDash val="solid"/>
-        </a:ln>
-        <a:effectLst>
-          <a:outerShdw blurRad="40000" dist="20000" dir="5400000" rotWithShape="0">
-            <a:srgbClr val="000000">
-              <a:alpha val="38000"/>
-            </a:srgbClr>
-          </a:outerShdw>
-        </a:effectLst>
-      </dsp:spPr>
-      <dsp:style>
-        <a:lnRef idx="3">
-          <a:scrgbClr r="0" g="0" b="0"/>
-        </a:lnRef>
-        <a:fillRef idx="1">
-          <a:scrgbClr r="0" g="0" b="0"/>
-        </a:fillRef>
-        <a:effectRef idx="1">
-          <a:scrgbClr r="0" g="0" b="0"/>
-        </a:effectRef>
-        <a:fontRef idx="minor">
-          <a:schemeClr val="lt1"/>
-        </a:fontRef>
-      </dsp:style>
-      <dsp:txBody>
-        <a:bodyPr spcFirstLastPara="0" vert="horz" wrap="square" lIns="60960" tIns="60960" rIns="60960" bIns="60960" numCol="1" spcCol="1270" anchor="ctr" anchorCtr="0">
-          <a:noAutofit/>
-        </a:bodyPr>
-        <a:lstStyle/>
-        <a:p>
-          <a:pPr lvl="0" algn="ctr" defTabSz="711200" rtl="0">
-            <a:lnSpc>
-              <a:spcPct val="90000"/>
-            </a:lnSpc>
-            <a:spcBef>
-              <a:spcPct val="0"/>
-            </a:spcBef>
-            <a:spcAft>
-              <a:spcPct val="35000"/>
-            </a:spcAft>
-          </a:pPr>
-          <a:r>
-            <a:rPr lang="en-US" sz="1600" b="1" kern="1200" dirty="0" smtClean="0">
-              <a:latin typeface="Arial" pitchFamily="34" charset="0"/>
-              <a:cs typeface="Arial" pitchFamily="34" charset="0"/>
-            </a:rPr>
-            <a:t>Extract Features</a:t>
-          </a:r>
-          <a:endParaRPr lang="vi-VN" sz="1600" b="1" kern="1200" dirty="0">
-            <a:latin typeface="Arial" pitchFamily="34" charset="0"/>
-            <a:cs typeface="Arial" pitchFamily="34" charset="0"/>
-          </a:endParaRPr>
-        </a:p>
-      </dsp:txBody>
-      <dsp:txXfrm>
-        <a:off x="2007407" y="1312034"/>
-        <a:ext cx="1250970" cy="1523796"/>
-      </dsp:txXfrm>
-    </dsp:sp>
-    <dsp:sp modelId="{3D808F6B-7395-4A8F-8EE4-34B96390E957}">
-      <dsp:nvSpPr>
-        <dsp:cNvPr id="0" name=""/>
-        <dsp:cNvSpPr/>
-      </dsp:nvSpPr>
-      <dsp:spPr>
-        <a:xfrm>
-          <a:off x="3557106" y="1244359"/>
-          <a:ext cx="1386320" cy="1659146"/>
-        </a:xfrm>
-        <a:prstGeom prst="roundRect">
-          <a:avLst/>
-        </a:prstGeom>
-        <a:solidFill>
-          <a:schemeClr val="accent2">
-            <a:hueOff val="0"/>
-            <a:satOff val="0"/>
-            <a:lumOff val="0"/>
-            <a:alphaOff val="0"/>
-          </a:schemeClr>
-        </a:solidFill>
-        <a:ln w="38100" cap="flat" cmpd="sng" algn="ctr">
-          <a:solidFill>
-            <a:schemeClr val="lt1">
-              <a:hueOff val="0"/>
-              <a:satOff val="0"/>
-              <a:lumOff val="0"/>
-              <a:alphaOff val="0"/>
-            </a:schemeClr>
-          </a:solidFill>
-          <a:prstDash val="solid"/>
-        </a:ln>
-        <a:effectLst>
-          <a:outerShdw blurRad="40000" dist="20000" dir="5400000" rotWithShape="0">
-            <a:srgbClr val="000000">
-              <a:alpha val="38000"/>
-            </a:srgbClr>
-          </a:outerShdw>
-        </a:effectLst>
-      </dsp:spPr>
-      <dsp:style>
-        <a:lnRef idx="3">
-          <a:scrgbClr r="0" g="0" b="0"/>
-        </a:lnRef>
-        <a:fillRef idx="1">
-          <a:scrgbClr r="0" g="0" b="0"/>
-        </a:fillRef>
-        <a:effectRef idx="1">
-          <a:scrgbClr r="0" g="0" b="0"/>
-        </a:effectRef>
-        <a:fontRef idx="minor">
-          <a:schemeClr val="lt1"/>
-        </a:fontRef>
-      </dsp:style>
-      <dsp:txBody>
-        <a:bodyPr spcFirstLastPara="0" vert="horz" wrap="square" lIns="60960" tIns="60960" rIns="60960" bIns="60960" numCol="1" spcCol="1270" anchor="ctr" anchorCtr="0">
-          <a:noAutofit/>
-        </a:bodyPr>
-        <a:lstStyle/>
-        <a:p>
-          <a:pPr lvl="0" algn="ctr" defTabSz="711200" rtl="0">
-            <a:lnSpc>
-              <a:spcPct val="90000"/>
-            </a:lnSpc>
-            <a:spcBef>
-              <a:spcPct val="0"/>
-            </a:spcBef>
-            <a:spcAft>
-              <a:spcPct val="35000"/>
-            </a:spcAft>
-          </a:pPr>
-          <a:r>
-            <a:rPr lang="en-US" sz="1600" b="1" kern="1200" smtClean="0">
-              <a:latin typeface="Arial" pitchFamily="34" charset="0"/>
-              <a:cs typeface="Arial" pitchFamily="34" charset="0"/>
-            </a:rPr>
-            <a:t>Recognition by SVM</a:t>
-          </a:r>
-          <a:endParaRPr lang="vi-VN" sz="1600" b="1" kern="1200">
-            <a:latin typeface="Arial" pitchFamily="34" charset="0"/>
-            <a:cs typeface="Arial" pitchFamily="34" charset="0"/>
-          </a:endParaRPr>
-        </a:p>
-      </dsp:txBody>
-      <dsp:txXfrm>
-        <a:off x="3624781" y="1312034"/>
-        <a:ext cx="1250970" cy="1523796"/>
-      </dsp:txXfrm>
-    </dsp:sp>
-    <dsp:sp modelId="{5B4933CF-380A-4917-A1A8-0FF10E825D79}">
-      <dsp:nvSpPr>
-        <dsp:cNvPr id="0" name=""/>
-        <dsp:cNvSpPr/>
-      </dsp:nvSpPr>
-      <dsp:spPr>
-        <a:xfrm>
-          <a:off x="5174480" y="1244359"/>
-          <a:ext cx="1386320" cy="1659146"/>
-        </a:xfrm>
-        <a:prstGeom prst="roundRect">
-          <a:avLst/>
-        </a:prstGeom>
-        <a:solidFill>
-          <a:schemeClr val="accent2">
-            <a:hueOff val="0"/>
-            <a:satOff val="0"/>
-            <a:lumOff val="0"/>
-            <a:alphaOff val="0"/>
-          </a:schemeClr>
-        </a:solidFill>
-        <a:ln w="38100" cap="flat" cmpd="sng" algn="ctr">
-          <a:solidFill>
-            <a:schemeClr val="lt1">
-              <a:hueOff val="0"/>
-              <a:satOff val="0"/>
-              <a:lumOff val="0"/>
-              <a:alphaOff val="0"/>
-            </a:schemeClr>
-          </a:solidFill>
-          <a:prstDash val="solid"/>
-        </a:ln>
-        <a:effectLst>
-          <a:outerShdw blurRad="40000" dist="20000" dir="5400000" rotWithShape="0">
-            <a:srgbClr val="000000">
-              <a:alpha val="38000"/>
-            </a:srgbClr>
-          </a:outerShdw>
-        </a:effectLst>
-      </dsp:spPr>
-      <dsp:style>
-        <a:lnRef idx="3">
-          <a:scrgbClr r="0" g="0" b="0"/>
-        </a:lnRef>
-        <a:fillRef idx="1">
-          <a:scrgbClr r="0" g="0" b="0"/>
-        </a:fillRef>
-        <a:effectRef idx="1">
-          <a:scrgbClr r="0" g="0" b="0"/>
-        </a:effectRef>
-        <a:fontRef idx="minor">
-          <a:schemeClr val="lt1"/>
-        </a:fontRef>
-      </dsp:style>
-      <dsp:txBody>
-        <a:bodyPr spcFirstLastPara="0" vert="horz" wrap="square" lIns="60960" tIns="60960" rIns="60960" bIns="60960" numCol="1" spcCol="1270" anchor="ctr" anchorCtr="0">
-          <a:noAutofit/>
-        </a:bodyPr>
-        <a:lstStyle/>
-        <a:p>
-          <a:pPr lvl="0" algn="ctr" defTabSz="711200" rtl="0">
-            <a:lnSpc>
-              <a:spcPct val="90000"/>
-            </a:lnSpc>
-            <a:spcBef>
-              <a:spcPct val="0"/>
-            </a:spcBef>
-            <a:spcAft>
-              <a:spcPct val="35000"/>
-            </a:spcAft>
-          </a:pPr>
-          <a:r>
-            <a:rPr lang="en-US" sz="1600" b="1" kern="1200" smtClean="0">
-              <a:latin typeface="Arial" pitchFamily="34" charset="0"/>
-              <a:cs typeface="Arial" pitchFamily="34" charset="0"/>
-            </a:rPr>
-            <a:t>Output recognition result</a:t>
-          </a:r>
-          <a:endParaRPr lang="vi-VN" sz="1600" b="1" kern="1200">
-            <a:latin typeface="Arial" pitchFamily="34" charset="0"/>
-            <a:cs typeface="Arial" pitchFamily="34" charset="0"/>
-          </a:endParaRPr>
-        </a:p>
-      </dsp:txBody>
-      <dsp:txXfrm>
-        <a:off x="5242155" y="1312034"/>
-        <a:ext cx="1250970" cy="1523796"/>
-      </dsp:txXfrm>
-    </dsp:sp>
   </dsp:spTree>
 </dsp:drawing>
 </file>
@@ -10417,220 +10006,6 @@
       <dsp:cNvGrpSpPr/>
     </dsp:nvGrpSpPr>
     <dsp:grpSpPr/>
-    <dsp:sp modelId="{AF7689FF-6131-48BA-A4AC-E08465CA1BBB}">
-      <dsp:nvSpPr>
-        <dsp:cNvPr id="0" name=""/>
-        <dsp:cNvSpPr/>
-      </dsp:nvSpPr>
-      <dsp:spPr>
-        <a:xfrm>
-          <a:off x="0" y="504053"/>
-          <a:ext cx="6624736" cy="2649894"/>
-        </a:xfrm>
-        <a:prstGeom prst="leftRightRibbon">
-          <a:avLst/>
-        </a:prstGeom>
-        <a:solidFill>
-          <a:schemeClr val="accent2">
-            <a:hueOff val="0"/>
-            <a:satOff val="0"/>
-            <a:lumOff val="0"/>
-            <a:alphaOff val="0"/>
-          </a:schemeClr>
-        </a:solidFill>
-        <a:ln w="38100" cap="flat" cmpd="sng" algn="ctr">
-          <a:solidFill>
-            <a:schemeClr val="lt1">
-              <a:hueOff val="0"/>
-              <a:satOff val="0"/>
-              <a:lumOff val="0"/>
-              <a:alphaOff val="0"/>
-            </a:schemeClr>
-          </a:solidFill>
-          <a:prstDash val="solid"/>
-        </a:ln>
-        <a:effectLst>
-          <a:outerShdw blurRad="40000" dist="20000" dir="5400000" rotWithShape="0">
-            <a:srgbClr val="000000">
-              <a:alpha val="38000"/>
-            </a:srgbClr>
-          </a:outerShdw>
-        </a:effectLst>
-      </dsp:spPr>
-      <dsp:style>
-        <a:lnRef idx="3">
-          <a:scrgbClr r="0" g="0" b="0"/>
-        </a:lnRef>
-        <a:fillRef idx="1">
-          <a:scrgbClr r="0" g="0" b="0"/>
-        </a:fillRef>
-        <a:effectRef idx="1">
-          <a:scrgbClr r="0" g="0" b="0"/>
-        </a:effectRef>
-        <a:fontRef idx="minor">
-          <a:schemeClr val="lt1"/>
-        </a:fontRef>
-      </dsp:style>
-    </dsp:sp>
-    <dsp:sp modelId="{D8EF6A1B-0032-42CE-9875-FCD6E4CB91D6}">
-      <dsp:nvSpPr>
-        <dsp:cNvPr id="0" name=""/>
-        <dsp:cNvSpPr/>
-      </dsp:nvSpPr>
-      <dsp:spPr>
-        <a:xfrm>
-          <a:off x="794968" y="1191012"/>
-          <a:ext cx="2186162" cy="1298448"/>
-        </a:xfrm>
-        <a:prstGeom prst="rect">
-          <a:avLst/>
-        </a:prstGeom>
-        <a:noFill/>
-        <a:ln w="38100" cap="flat" cmpd="sng" algn="ctr">
-          <a:noFill/>
-          <a:prstDash val="solid"/>
-        </a:ln>
-        <a:effectLst>
-          <a:outerShdw blurRad="40000" dist="20000" dir="5400000" rotWithShape="0">
-            <a:srgbClr val="000000">
-              <a:alpha val="38000"/>
-            </a:srgbClr>
-          </a:outerShdw>
-        </a:effectLst>
-        <a:sp3d/>
-      </dsp:spPr>
-      <dsp:style>
-        <a:lnRef idx="3">
-          <a:scrgbClr r="0" g="0" b="0"/>
-        </a:lnRef>
-        <a:fillRef idx="1">
-          <a:scrgbClr r="0" g="0" b="0"/>
-        </a:fillRef>
-        <a:effectRef idx="1">
-          <a:scrgbClr r="0" g="0" b="0"/>
-        </a:effectRef>
-        <a:fontRef idx="minor">
-          <a:schemeClr val="lt1"/>
-        </a:fontRef>
-      </dsp:style>
-      <dsp:txBody>
-        <a:bodyPr spcFirstLastPara="0" vert="horz" wrap="square" lIns="0" tIns="71120" rIns="0" bIns="76200" numCol="1" spcCol="1270" anchor="ctr" anchorCtr="0">
-          <a:noAutofit/>
-        </a:bodyPr>
-        <a:lstStyle/>
-        <a:p>
-          <a:pPr lvl="0" algn="ctr" defTabSz="889000" rtl="0">
-            <a:lnSpc>
-              <a:spcPct val="90000"/>
-            </a:lnSpc>
-            <a:spcBef>
-              <a:spcPct val="0"/>
-            </a:spcBef>
-            <a:spcAft>
-              <a:spcPct val="35000"/>
-            </a:spcAft>
-          </a:pPr>
-          <a:r>
-            <a:rPr lang="en-US" sz="2000" b="1" kern="1200" smtClean="0">
-              <a:latin typeface="Arial" pitchFamily="34" charset="0"/>
-              <a:cs typeface="Arial" pitchFamily="34" charset="0"/>
-            </a:rPr>
-            <a:t>Show text to LCD screen</a:t>
-          </a:r>
-          <a:endParaRPr lang="vi-VN" sz="2000" b="1" kern="1200">
-            <a:latin typeface="Arial" pitchFamily="34" charset="0"/>
-            <a:cs typeface="Arial" pitchFamily="34" charset="0"/>
-          </a:endParaRPr>
-        </a:p>
-      </dsp:txBody>
-      <dsp:txXfrm>
-        <a:off x="794968" y="1191012"/>
-        <a:ext cx="2186162" cy="1298448"/>
-      </dsp:txXfrm>
-    </dsp:sp>
-    <dsp:sp modelId="{A8F5C8E7-E12B-40C9-A21B-53F0F3C29E8E}">
-      <dsp:nvSpPr>
-        <dsp:cNvPr id="0" name=""/>
-        <dsp:cNvSpPr/>
-      </dsp:nvSpPr>
-      <dsp:spPr>
-        <a:xfrm>
-          <a:off x="3312368" y="1614995"/>
-          <a:ext cx="2583647" cy="1298448"/>
-        </a:xfrm>
-        <a:prstGeom prst="rect">
-          <a:avLst/>
-        </a:prstGeom>
-        <a:noFill/>
-        <a:ln w="38100" cap="flat" cmpd="sng" algn="ctr">
-          <a:noFill/>
-          <a:prstDash val="solid"/>
-        </a:ln>
-        <a:effectLst>
-          <a:outerShdw blurRad="40000" dist="20000" dir="5400000" rotWithShape="0">
-            <a:srgbClr val="000000">
-              <a:alpha val="38000"/>
-            </a:srgbClr>
-          </a:outerShdw>
-        </a:effectLst>
-        <a:sp3d/>
-      </dsp:spPr>
-      <dsp:style>
-        <a:lnRef idx="3">
-          <a:scrgbClr r="0" g="0" b="0"/>
-        </a:lnRef>
-        <a:fillRef idx="1">
-          <a:scrgbClr r="0" g="0" b="0"/>
-        </a:fillRef>
-        <a:effectRef idx="1">
-          <a:scrgbClr r="0" g="0" b="0"/>
-        </a:effectRef>
-        <a:fontRef idx="minor">
-          <a:schemeClr val="lt1"/>
-        </a:fontRef>
-      </dsp:style>
-      <dsp:txBody>
-        <a:bodyPr spcFirstLastPara="0" vert="horz" wrap="square" lIns="0" tIns="71120" rIns="0" bIns="76200" numCol="1" spcCol="1270" anchor="ctr" anchorCtr="0">
-          <a:noAutofit/>
-        </a:bodyPr>
-        <a:lstStyle/>
-        <a:p>
-          <a:pPr lvl="0" algn="ctr" defTabSz="889000" rtl="0">
-            <a:lnSpc>
-              <a:spcPct val="90000"/>
-            </a:lnSpc>
-            <a:spcBef>
-              <a:spcPct val="0"/>
-            </a:spcBef>
-            <a:spcAft>
-              <a:spcPct val="35000"/>
-            </a:spcAft>
-          </a:pPr>
-          <a:r>
-            <a:rPr lang="en-US" sz="2000" b="1" kern="1200" dirty="0" smtClean="0">
-              <a:latin typeface="Arial" pitchFamily="34" charset="0"/>
-              <a:cs typeface="Arial" pitchFamily="34" charset="0"/>
-            </a:rPr>
-            <a:t>Vocalize through the speakers </a:t>
-          </a:r>
-          <a:r>
-            <a:rPr lang="en-US" sz="2000" b="1" kern="1200" dirty="0" err="1" smtClean="0">
-              <a:latin typeface="Arial" pitchFamily="34" charset="0"/>
-              <a:cs typeface="Arial" pitchFamily="34" charset="0"/>
-            </a:rPr>
-            <a:t>lcd</a:t>
-          </a:r>
-          <a:endParaRPr lang="vi-VN" sz="2000" b="1" kern="1200" dirty="0">
-            <a:latin typeface="Arial" pitchFamily="34" charset="0"/>
-            <a:cs typeface="Arial" pitchFamily="34" charset="0"/>
-          </a:endParaRPr>
-        </a:p>
-      </dsp:txBody>
-      <dsp:txXfrm>
-        <a:off x="3312368" y="1614995"/>
-        <a:ext cx="2583647" cy="1298448"/>
-      </dsp:txXfrm>
-    </dsp:sp>
   </dsp:spTree>
 </dsp:drawing>
 </file>
@@ -10643,441 +10018,6 @@
       <dsp:cNvGrpSpPr/>
     </dsp:nvGrpSpPr>
     <dsp:grpSpPr/>
-    <dsp:sp modelId="{A9F66C45-67A7-4A8D-BBB9-10EEEBC6B54B}">
-      <dsp:nvSpPr>
-        <dsp:cNvPr id="0" name=""/>
-        <dsp:cNvSpPr/>
-      </dsp:nvSpPr>
-      <dsp:spPr>
-        <a:xfrm>
-          <a:off x="0" y="0"/>
-          <a:ext cx="5998266" cy="1317746"/>
-        </a:xfrm>
-        <a:prstGeom prst="roundRect">
-          <a:avLst>
-            <a:gd name="adj" fmla="val 10000"/>
-          </a:avLst>
-        </a:prstGeom>
-        <a:solidFill>
-          <a:schemeClr val="accent2">
-            <a:hueOff val="0"/>
-            <a:satOff val="0"/>
-            <a:lumOff val="0"/>
-            <a:alphaOff val="0"/>
-          </a:schemeClr>
-        </a:solidFill>
-        <a:ln w="38100" cap="flat" cmpd="sng" algn="ctr">
-          <a:solidFill>
-            <a:schemeClr val="lt1">
-              <a:hueOff val="0"/>
-              <a:satOff val="0"/>
-              <a:lumOff val="0"/>
-              <a:alphaOff val="0"/>
-            </a:schemeClr>
-          </a:solidFill>
-          <a:prstDash val="solid"/>
-        </a:ln>
-        <a:effectLst>
-          <a:outerShdw blurRad="40000" dist="20000" dir="5400000" rotWithShape="0">
-            <a:srgbClr val="000000">
-              <a:alpha val="38000"/>
-            </a:srgbClr>
-          </a:outerShdw>
-        </a:effectLst>
-      </dsp:spPr>
-      <dsp:style>
-        <a:lnRef idx="3">
-          <a:scrgbClr r="0" g="0" b="0"/>
-        </a:lnRef>
-        <a:fillRef idx="1">
-          <a:scrgbClr r="0" g="0" b="0"/>
-        </a:fillRef>
-        <a:effectRef idx="1">
-          <a:scrgbClr r="0" g="0" b="0"/>
-        </a:effectRef>
-        <a:fontRef idx="minor">
-          <a:schemeClr val="lt1"/>
-        </a:fontRef>
-      </dsp:style>
-      <dsp:txBody>
-        <a:bodyPr spcFirstLastPara="0" vert="horz" wrap="square" lIns="68580" tIns="68580" rIns="68580" bIns="68580" numCol="1" spcCol="1270" anchor="ctr" anchorCtr="0">
-          <a:noAutofit/>
-        </a:bodyPr>
-        <a:lstStyle/>
-        <a:p>
-          <a:pPr lvl="0" algn="ctr" defTabSz="800100" rtl="0">
-            <a:lnSpc>
-              <a:spcPct val="90000"/>
-            </a:lnSpc>
-            <a:spcBef>
-              <a:spcPct val="0"/>
-            </a:spcBef>
-            <a:spcAft>
-              <a:spcPct val="35000"/>
-            </a:spcAft>
-          </a:pPr>
-          <a:r>
-            <a:rPr lang="en-US" sz="1800" b="1" kern="1200" dirty="0" smtClean="0">
-              <a:latin typeface="Arial" pitchFamily="34" charset="0"/>
-              <a:cs typeface="Arial" pitchFamily="34" charset="0"/>
-            </a:rPr>
-            <a:t>Receiving signals from Notify Battery Capacity Circuit</a:t>
-          </a:r>
-          <a:endParaRPr lang="vi-VN" sz="1800" b="1" kern="1200" dirty="0">
-            <a:latin typeface="Arial" pitchFamily="34" charset="0"/>
-            <a:cs typeface="Arial" pitchFamily="34" charset="0"/>
-          </a:endParaRPr>
-        </a:p>
-      </dsp:txBody>
-      <dsp:txXfrm>
-        <a:off x="38595" y="38595"/>
-        <a:ext cx="4576316" cy="1240556"/>
-      </dsp:txXfrm>
-    </dsp:sp>
-    <dsp:sp modelId="{0EFC5339-BDB8-46A4-B49F-2AA739D65251}">
-      <dsp:nvSpPr>
-        <dsp:cNvPr id="0" name=""/>
-        <dsp:cNvSpPr/>
-      </dsp:nvSpPr>
-      <dsp:spPr>
-        <a:xfrm>
-          <a:off x="529258" y="1537370"/>
-          <a:ext cx="5998266" cy="1317746"/>
-        </a:xfrm>
-        <a:prstGeom prst="roundRect">
-          <a:avLst>
-            <a:gd name="adj" fmla="val 10000"/>
-          </a:avLst>
-        </a:prstGeom>
-        <a:solidFill>
-          <a:schemeClr val="accent2">
-            <a:hueOff val="0"/>
-            <a:satOff val="0"/>
-            <a:lumOff val="0"/>
-            <a:alphaOff val="0"/>
-          </a:schemeClr>
-        </a:solidFill>
-        <a:ln w="38100" cap="flat" cmpd="sng" algn="ctr">
-          <a:solidFill>
-            <a:schemeClr val="lt1">
-              <a:hueOff val="0"/>
-              <a:satOff val="0"/>
-              <a:lumOff val="0"/>
-              <a:alphaOff val="0"/>
-            </a:schemeClr>
-          </a:solidFill>
-          <a:prstDash val="solid"/>
-        </a:ln>
-        <a:effectLst>
-          <a:outerShdw blurRad="40000" dist="20000" dir="5400000" rotWithShape="0">
-            <a:srgbClr val="000000">
-              <a:alpha val="38000"/>
-            </a:srgbClr>
-          </a:outerShdw>
-        </a:effectLst>
-      </dsp:spPr>
-      <dsp:style>
-        <a:lnRef idx="3">
-          <a:scrgbClr r="0" g="0" b="0"/>
-        </a:lnRef>
-        <a:fillRef idx="1">
-          <a:scrgbClr r="0" g="0" b="0"/>
-        </a:fillRef>
-        <a:effectRef idx="1">
-          <a:scrgbClr r="0" g="0" b="0"/>
-        </a:effectRef>
-        <a:fontRef idx="minor">
-          <a:schemeClr val="lt1"/>
-        </a:fontRef>
-      </dsp:style>
-      <dsp:txBody>
-        <a:bodyPr spcFirstLastPara="0" vert="horz" wrap="square" lIns="68580" tIns="68580" rIns="68580" bIns="68580" numCol="1" spcCol="1270" anchor="ctr" anchorCtr="0">
-          <a:noAutofit/>
-        </a:bodyPr>
-        <a:lstStyle/>
-        <a:p>
-          <a:pPr lvl="0" algn="ctr" defTabSz="800100" rtl="0">
-            <a:lnSpc>
-              <a:spcPct val="90000"/>
-            </a:lnSpc>
-            <a:spcBef>
-              <a:spcPct val="0"/>
-            </a:spcBef>
-            <a:spcAft>
-              <a:spcPct val="35000"/>
-            </a:spcAft>
-          </a:pPr>
-          <a:r>
-            <a:rPr lang="en-US" sz="1800" b="1" kern="1200" smtClean="0">
-              <a:latin typeface="Arial" pitchFamily="34" charset="0"/>
-              <a:cs typeface="Arial" pitchFamily="34" charset="0"/>
-            </a:rPr>
-            <a:t>Display battery capacity in LCD</a:t>
-          </a:r>
-          <a:endParaRPr lang="vi-VN" sz="1800" b="1" kern="1200">
-            <a:latin typeface="Arial" pitchFamily="34" charset="0"/>
-            <a:cs typeface="Arial" pitchFamily="34" charset="0"/>
-          </a:endParaRPr>
-        </a:p>
-      </dsp:txBody>
-      <dsp:txXfrm>
-        <a:off x="567853" y="1575965"/>
-        <a:ext cx="4535282" cy="1240556"/>
-      </dsp:txXfrm>
-    </dsp:sp>
-    <dsp:sp modelId="{26706064-EEFF-4748-9FC2-1CBF2427FCF3}">
-      <dsp:nvSpPr>
-        <dsp:cNvPr id="0" name=""/>
-        <dsp:cNvSpPr/>
-      </dsp:nvSpPr>
-      <dsp:spPr>
-        <a:xfrm>
-          <a:off x="1058517" y="3074741"/>
-          <a:ext cx="5998266" cy="1317746"/>
-        </a:xfrm>
-        <a:prstGeom prst="roundRect">
-          <a:avLst>
-            <a:gd name="adj" fmla="val 10000"/>
-          </a:avLst>
-        </a:prstGeom>
-        <a:solidFill>
-          <a:schemeClr val="accent2">
-            <a:hueOff val="0"/>
-            <a:satOff val="0"/>
-            <a:lumOff val="0"/>
-            <a:alphaOff val="0"/>
-          </a:schemeClr>
-        </a:solidFill>
-        <a:ln w="38100" cap="flat" cmpd="sng" algn="ctr">
-          <a:solidFill>
-            <a:schemeClr val="lt1">
-              <a:hueOff val="0"/>
-              <a:satOff val="0"/>
-              <a:lumOff val="0"/>
-              <a:alphaOff val="0"/>
-            </a:schemeClr>
-          </a:solidFill>
-          <a:prstDash val="solid"/>
-        </a:ln>
-        <a:effectLst>
-          <a:outerShdw blurRad="40000" dist="20000" dir="5400000" rotWithShape="0">
-            <a:srgbClr val="000000">
-              <a:alpha val="38000"/>
-            </a:srgbClr>
-          </a:outerShdw>
-        </a:effectLst>
-      </dsp:spPr>
-      <dsp:style>
-        <a:lnRef idx="3">
-          <a:scrgbClr r="0" g="0" b="0"/>
-        </a:lnRef>
-        <a:fillRef idx="1">
-          <a:scrgbClr r="0" g="0" b="0"/>
-        </a:fillRef>
-        <a:effectRef idx="1">
-          <a:scrgbClr r="0" g="0" b="0"/>
-        </a:effectRef>
-        <a:fontRef idx="minor">
-          <a:schemeClr val="lt1"/>
-        </a:fontRef>
-      </dsp:style>
-      <dsp:txBody>
-        <a:bodyPr spcFirstLastPara="0" vert="horz" wrap="square" lIns="68580" tIns="68580" rIns="68580" bIns="68580" numCol="1" spcCol="1270" anchor="ctr" anchorCtr="0">
-          <a:noAutofit/>
-        </a:bodyPr>
-        <a:lstStyle/>
-        <a:p>
-          <a:pPr lvl="0" algn="ctr" defTabSz="800100" rtl="0">
-            <a:lnSpc>
-              <a:spcPct val="90000"/>
-            </a:lnSpc>
-            <a:spcBef>
-              <a:spcPct val="0"/>
-            </a:spcBef>
-            <a:spcAft>
-              <a:spcPct val="35000"/>
-            </a:spcAft>
-          </a:pPr>
-          <a:r>
-            <a:rPr lang="en-US" sz="1800" b="1" kern="1200" smtClean="0">
-              <a:latin typeface="Arial" pitchFamily="34" charset="0"/>
-              <a:cs typeface="Arial" pitchFamily="34" charset="0"/>
-            </a:rPr>
-            <a:t>Show warning when low capacity.</a:t>
-          </a:r>
-          <a:endParaRPr lang="vi-VN" sz="1800" b="1" kern="1200">
-            <a:latin typeface="Arial" pitchFamily="34" charset="0"/>
-            <a:cs typeface="Arial" pitchFamily="34" charset="0"/>
-          </a:endParaRPr>
-        </a:p>
-      </dsp:txBody>
-      <dsp:txXfrm>
-        <a:off x="1097112" y="3113336"/>
-        <a:ext cx="4535282" cy="1240556"/>
-      </dsp:txXfrm>
-    </dsp:sp>
-    <dsp:sp modelId="{848C4015-F99A-4FF0-8290-31C35CD9D260}">
-      <dsp:nvSpPr>
-        <dsp:cNvPr id="0" name=""/>
-        <dsp:cNvSpPr/>
-      </dsp:nvSpPr>
-      <dsp:spPr>
-        <a:xfrm>
-          <a:off x="5141731" y="999291"/>
-          <a:ext cx="856535" cy="856535"/>
-        </a:xfrm>
-        <a:prstGeom prst="downArrow">
-          <a:avLst>
-            <a:gd name="adj1" fmla="val 55000"/>
-            <a:gd name="adj2" fmla="val 45000"/>
-          </a:avLst>
-        </a:prstGeom>
-        <a:solidFill>
-          <a:schemeClr val="accent2">
-            <a:alpha val="90000"/>
-            <a:tint val="40000"/>
-            <a:hueOff val="0"/>
-            <a:satOff val="0"/>
-            <a:lumOff val="0"/>
-            <a:alphaOff val="0"/>
-          </a:schemeClr>
-        </a:solidFill>
-        <a:ln w="25400" cap="flat" cmpd="sng" algn="ctr">
-          <a:solidFill>
-            <a:schemeClr val="accent2">
-              <a:alpha val="90000"/>
-              <a:tint val="40000"/>
-              <a:hueOff val="0"/>
-              <a:satOff val="0"/>
-              <a:lumOff val="0"/>
-              <a:alphaOff val="0"/>
-            </a:schemeClr>
-          </a:solidFill>
-          <a:prstDash val="solid"/>
-        </a:ln>
-        <a:effectLst/>
-      </dsp:spPr>
-      <dsp:style>
-        <a:lnRef idx="2">
-          <a:scrgbClr r="0" g="0" b="0"/>
-        </a:lnRef>
-        <a:fillRef idx="1">
-          <a:scrgbClr r="0" g="0" b="0"/>
-        </a:fillRef>
-        <a:effectRef idx="0">
-          <a:scrgbClr r="0" g="0" b="0"/>
-        </a:effectRef>
-        <a:fontRef idx="minor"/>
-      </dsp:style>
-      <dsp:txBody>
-        <a:bodyPr spcFirstLastPara="0" vert="horz" wrap="square" lIns="22860" tIns="22860" rIns="22860" bIns="22860" numCol="1" spcCol="1270" anchor="ctr" anchorCtr="0">
-          <a:noAutofit/>
-        </a:bodyPr>
-        <a:lstStyle/>
-        <a:p>
-          <a:pPr lvl="0" algn="ctr" defTabSz="800100">
-            <a:lnSpc>
-              <a:spcPct val="90000"/>
-            </a:lnSpc>
-            <a:spcBef>
-              <a:spcPct val="0"/>
-            </a:spcBef>
-            <a:spcAft>
-              <a:spcPct val="35000"/>
-            </a:spcAft>
-          </a:pPr>
-          <a:endParaRPr lang="vi-VN" sz="1800" b="1" kern="1200">
-            <a:latin typeface="Arial" pitchFamily="34" charset="0"/>
-            <a:cs typeface="Arial" pitchFamily="34" charset="0"/>
-          </a:endParaRPr>
-        </a:p>
-      </dsp:txBody>
-      <dsp:txXfrm>
-        <a:off x="5334451" y="999291"/>
-        <a:ext cx="471095" cy="644543"/>
-      </dsp:txXfrm>
-    </dsp:sp>
-    <dsp:sp modelId="{1F412EE8-2BF4-42BA-9E9E-A832DD960127}">
-      <dsp:nvSpPr>
-        <dsp:cNvPr id="0" name=""/>
-        <dsp:cNvSpPr/>
-      </dsp:nvSpPr>
-      <dsp:spPr>
-        <a:xfrm>
-          <a:off x="5670990" y="2527876"/>
-          <a:ext cx="856535" cy="856535"/>
-        </a:xfrm>
-        <a:prstGeom prst="downArrow">
-          <a:avLst>
-            <a:gd name="adj1" fmla="val 55000"/>
-            <a:gd name="adj2" fmla="val 45000"/>
-          </a:avLst>
-        </a:prstGeom>
-        <a:solidFill>
-          <a:schemeClr val="accent2">
-            <a:alpha val="90000"/>
-            <a:tint val="40000"/>
-            <a:hueOff val="0"/>
-            <a:satOff val="0"/>
-            <a:lumOff val="0"/>
-            <a:alphaOff val="0"/>
-          </a:schemeClr>
-        </a:solidFill>
-        <a:ln w="25400" cap="flat" cmpd="sng" algn="ctr">
-          <a:solidFill>
-            <a:schemeClr val="accent2">
-              <a:alpha val="90000"/>
-              <a:tint val="40000"/>
-              <a:hueOff val="0"/>
-              <a:satOff val="0"/>
-              <a:lumOff val="0"/>
-              <a:alphaOff val="0"/>
-            </a:schemeClr>
-          </a:solidFill>
-          <a:prstDash val="solid"/>
-        </a:ln>
-        <a:effectLst/>
-      </dsp:spPr>
-      <dsp:style>
-        <a:lnRef idx="2">
-          <a:scrgbClr r="0" g="0" b="0"/>
-        </a:lnRef>
-        <a:fillRef idx="1">
-          <a:scrgbClr r="0" g="0" b="0"/>
-        </a:fillRef>
-        <a:effectRef idx="0">
-          <a:scrgbClr r="0" g="0" b="0"/>
-        </a:effectRef>
-        <a:fontRef idx="minor"/>
-      </dsp:style>
-      <dsp:txBody>
-        <a:bodyPr spcFirstLastPara="0" vert="horz" wrap="square" lIns="22860" tIns="22860" rIns="22860" bIns="22860" numCol="1" spcCol="1270" anchor="ctr" anchorCtr="0">
-          <a:noAutofit/>
-        </a:bodyPr>
-        <a:lstStyle/>
-        <a:p>
-          <a:pPr lvl="0" algn="ctr" defTabSz="800100">
-            <a:lnSpc>
-              <a:spcPct val="90000"/>
-            </a:lnSpc>
-            <a:spcBef>
-              <a:spcPct val="0"/>
-            </a:spcBef>
-            <a:spcAft>
-              <a:spcPct val="35000"/>
-            </a:spcAft>
-          </a:pPr>
-          <a:endParaRPr lang="vi-VN" sz="1800" b="1" kern="1200">
-            <a:latin typeface="Arial" pitchFamily="34" charset="0"/>
-            <a:cs typeface="Arial" pitchFamily="34" charset="0"/>
-          </a:endParaRPr>
-        </a:p>
-      </dsp:txBody>
-      <dsp:txXfrm>
-        <a:off x="5863710" y="2527876"/>
-        <a:ext cx="471095" cy="644543"/>
-      </dsp:txXfrm>
-    </dsp:sp>
   </dsp:spTree>
 </dsp:drawing>
 </file>
@@ -11090,423 +10030,6 @@
       <dsp:cNvGrpSpPr/>
     </dsp:nvGrpSpPr>
     <dsp:grpSpPr/>
-    <dsp:sp modelId="{2D24C1F6-FF86-422F-BB9D-77A728976D74}">
-      <dsp:nvSpPr>
-        <dsp:cNvPr id="0" name=""/>
-        <dsp:cNvSpPr/>
-      </dsp:nvSpPr>
-      <dsp:spPr>
-        <a:xfrm>
-          <a:off x="4000" y="0"/>
-          <a:ext cx="2400026" cy="2765107"/>
-        </a:xfrm>
-        <a:prstGeom prst="upArrow">
-          <a:avLst/>
-        </a:prstGeom>
-        <a:solidFill>
-          <a:schemeClr val="accent2">
-            <a:hueOff val="0"/>
-            <a:satOff val="0"/>
-            <a:lumOff val="0"/>
-            <a:alphaOff val="0"/>
-          </a:schemeClr>
-        </a:solidFill>
-        <a:ln w="38100" cap="flat" cmpd="sng" algn="ctr">
-          <a:solidFill>
-            <a:schemeClr val="lt1">
-              <a:hueOff val="0"/>
-              <a:satOff val="0"/>
-              <a:lumOff val="0"/>
-              <a:alphaOff val="0"/>
-            </a:schemeClr>
-          </a:solidFill>
-          <a:prstDash val="solid"/>
-        </a:ln>
-        <a:effectLst>
-          <a:outerShdw blurRad="40000" dist="20000" dir="5400000" rotWithShape="0">
-            <a:srgbClr val="000000">
-              <a:alpha val="38000"/>
-            </a:srgbClr>
-          </a:outerShdw>
-        </a:effectLst>
-      </dsp:spPr>
-      <dsp:style>
-        <a:lnRef idx="3">
-          <a:scrgbClr r="0" g="0" b="0"/>
-        </a:lnRef>
-        <a:fillRef idx="1">
-          <a:scrgbClr r="0" g="0" b="0"/>
-        </a:fillRef>
-        <a:effectRef idx="1">
-          <a:scrgbClr r="0" g="0" b="0"/>
-        </a:effectRef>
-        <a:fontRef idx="minor">
-          <a:schemeClr val="lt1"/>
-        </a:fontRef>
-      </dsp:style>
-    </dsp:sp>
-    <dsp:sp modelId="{2BF218D0-F35A-4B1B-A493-895C932925D8}">
-      <dsp:nvSpPr>
-        <dsp:cNvPr id="0" name=""/>
-        <dsp:cNvSpPr/>
-      </dsp:nvSpPr>
-      <dsp:spPr>
-        <a:xfrm>
-          <a:off x="2476027" y="0"/>
-          <a:ext cx="4072772" cy="2765107"/>
-        </a:xfrm>
-        <a:prstGeom prst="rect">
-          <a:avLst/>
-        </a:prstGeom>
-        <a:noFill/>
-        <a:ln>
-          <a:noFill/>
-        </a:ln>
-        <a:effectLst/>
-      </dsp:spPr>
-      <dsp:style>
-        <a:lnRef idx="0">
-          <a:scrgbClr r="0" g="0" b="0"/>
-        </a:lnRef>
-        <a:fillRef idx="0">
-          <a:scrgbClr r="0" g="0" b="0"/>
-        </a:fillRef>
-        <a:effectRef idx="0">
-          <a:scrgbClr r="0" g="0" b="0"/>
-        </a:effectRef>
-        <a:fontRef idx="minor"/>
-      </dsp:style>
-      <dsp:txBody>
-        <a:bodyPr spcFirstLastPara="0" vert="horz" wrap="square" lIns="113792" tIns="0" rIns="113792" bIns="113792" numCol="1" spcCol="1270" anchor="ctr" anchorCtr="0">
-          <a:noAutofit/>
-        </a:bodyPr>
-        <a:lstStyle/>
-        <a:p>
-          <a:pPr lvl="0" algn="ctr" defTabSz="711200" rtl="0">
-            <a:lnSpc>
-              <a:spcPct val="90000"/>
-            </a:lnSpc>
-            <a:spcBef>
-              <a:spcPct val="0"/>
-            </a:spcBef>
-            <a:spcAft>
-              <a:spcPct val="35000"/>
-            </a:spcAft>
-          </a:pPr>
-          <a:r>
-            <a:rPr lang="en-US" sz="1600" b="1" kern="1200" smtClean="0">
-              <a:latin typeface="Arial" pitchFamily="34" charset="0"/>
-              <a:cs typeface="Arial" pitchFamily="34" charset="0"/>
-            </a:rPr>
-            <a:t>Advantages</a:t>
-          </a:r>
-          <a:endParaRPr lang="vi-VN" sz="1600" b="1" kern="1200">
-            <a:latin typeface="Arial" pitchFamily="34" charset="0"/>
-            <a:cs typeface="Arial" pitchFamily="34" charset="0"/>
-          </a:endParaRPr>
-        </a:p>
-        <a:p>
-          <a:pPr marL="114300" lvl="1" indent="-114300" algn="l" defTabSz="622300" rtl="0">
-            <a:lnSpc>
-              <a:spcPct val="90000"/>
-            </a:lnSpc>
-            <a:spcBef>
-              <a:spcPct val="0"/>
-            </a:spcBef>
-            <a:spcAft>
-              <a:spcPct val="15000"/>
-            </a:spcAft>
-            <a:buChar char="••"/>
-          </a:pPr>
-          <a:r>
-            <a:rPr lang="en-US" sz="1400" b="0" i="1" kern="1200" smtClean="0">
-              <a:latin typeface="Arial" pitchFamily="34" charset="0"/>
-              <a:cs typeface="Arial" pitchFamily="34" charset="0"/>
-            </a:rPr>
-            <a:t>Quick and easy communicate for dumb person.</a:t>
-          </a:r>
-          <a:endParaRPr lang="vi-VN" sz="1400" b="0" kern="1200">
-            <a:latin typeface="Arial" pitchFamily="34" charset="0"/>
-            <a:cs typeface="Arial" pitchFamily="34" charset="0"/>
-          </a:endParaRPr>
-        </a:p>
-        <a:p>
-          <a:pPr marL="114300" lvl="1" indent="-114300" algn="l" defTabSz="622300" rtl="0">
-            <a:lnSpc>
-              <a:spcPct val="90000"/>
-            </a:lnSpc>
-            <a:spcBef>
-              <a:spcPct val="0"/>
-            </a:spcBef>
-            <a:spcAft>
-              <a:spcPct val="15000"/>
-            </a:spcAft>
-            <a:buChar char="••"/>
-          </a:pPr>
-          <a:r>
-            <a:rPr lang="en-US" sz="1400" b="0" i="1" kern="1200" smtClean="0">
-              <a:latin typeface="Arial" pitchFamily="34" charset="0"/>
-              <a:cs typeface="Arial" pitchFamily="34" charset="0"/>
-            </a:rPr>
-            <a:t>Train for person who don’t know about mute language.</a:t>
-          </a:r>
-          <a:endParaRPr lang="vi-VN" sz="1400" b="0" kern="1200">
-            <a:latin typeface="Arial" pitchFamily="34" charset="0"/>
-            <a:cs typeface="Arial" pitchFamily="34" charset="0"/>
-          </a:endParaRPr>
-        </a:p>
-        <a:p>
-          <a:pPr marL="114300" lvl="1" indent="-114300" algn="l" defTabSz="622300" rtl="0">
-            <a:lnSpc>
-              <a:spcPct val="90000"/>
-            </a:lnSpc>
-            <a:spcBef>
-              <a:spcPct val="0"/>
-            </a:spcBef>
-            <a:spcAft>
-              <a:spcPct val="15000"/>
-            </a:spcAft>
-            <a:buChar char="••"/>
-          </a:pPr>
-          <a:r>
-            <a:rPr lang="en-US" sz="1400" b="0" i="1" kern="1200" smtClean="0">
-              <a:latin typeface="Arial" pitchFamily="34" charset="0"/>
-              <a:cs typeface="Arial" pitchFamily="34" charset="0"/>
-            </a:rPr>
-            <a:t>Standardized for hand sign language.</a:t>
-          </a:r>
-          <a:endParaRPr lang="vi-VN" sz="1400" b="0" kern="1200">
-            <a:latin typeface="Arial" pitchFamily="34" charset="0"/>
-            <a:cs typeface="Arial" pitchFamily="34" charset="0"/>
-          </a:endParaRPr>
-        </a:p>
-        <a:p>
-          <a:pPr marL="114300" lvl="1" indent="-114300" algn="l" defTabSz="622300" rtl="0">
-            <a:lnSpc>
-              <a:spcPct val="90000"/>
-            </a:lnSpc>
-            <a:spcBef>
-              <a:spcPct val="0"/>
-            </a:spcBef>
-            <a:spcAft>
-              <a:spcPct val="15000"/>
-            </a:spcAft>
-            <a:buChar char="••"/>
-          </a:pPr>
-          <a:r>
-            <a:rPr lang="en-US" sz="1400" b="0" i="1" kern="1200" smtClean="0">
-              <a:latin typeface="Arial" pitchFamily="34" charset="0"/>
-              <a:cs typeface="Arial" pitchFamily="34" charset="0"/>
-            </a:rPr>
-            <a:t>People get used to the dumb language easily.</a:t>
-          </a:r>
-          <a:endParaRPr lang="vi-VN" sz="1400" b="0" kern="1200">
-            <a:latin typeface="Arial" pitchFamily="34" charset="0"/>
-            <a:cs typeface="Arial" pitchFamily="34" charset="0"/>
-          </a:endParaRPr>
-        </a:p>
-      </dsp:txBody>
-      <dsp:txXfrm>
-        <a:off x="2476027" y="0"/>
-        <a:ext cx="4072772" cy="2765107"/>
-      </dsp:txXfrm>
-    </dsp:sp>
-    <dsp:sp modelId="{88BC1B3C-9342-4FA7-AF74-592F35E9F93D}">
-      <dsp:nvSpPr>
-        <dsp:cNvPr id="0" name=""/>
-        <dsp:cNvSpPr/>
-      </dsp:nvSpPr>
-      <dsp:spPr>
-        <a:xfrm>
-          <a:off x="724008" y="2995532"/>
-          <a:ext cx="2400026" cy="2765107"/>
-        </a:xfrm>
-        <a:prstGeom prst="downArrow">
-          <a:avLst/>
-        </a:prstGeom>
-        <a:solidFill>
-          <a:schemeClr val="accent2">
-            <a:hueOff val="0"/>
-            <a:satOff val="0"/>
-            <a:lumOff val="0"/>
-            <a:alphaOff val="0"/>
-          </a:schemeClr>
-        </a:solidFill>
-        <a:ln w="38100" cap="flat" cmpd="sng" algn="ctr">
-          <a:solidFill>
-            <a:schemeClr val="lt1">
-              <a:hueOff val="0"/>
-              <a:satOff val="0"/>
-              <a:lumOff val="0"/>
-              <a:alphaOff val="0"/>
-            </a:schemeClr>
-          </a:solidFill>
-          <a:prstDash val="solid"/>
-        </a:ln>
-        <a:effectLst>
-          <a:outerShdw blurRad="40000" dist="20000" dir="5400000" rotWithShape="0">
-            <a:srgbClr val="000000">
-              <a:alpha val="38000"/>
-            </a:srgbClr>
-          </a:outerShdw>
-        </a:effectLst>
-      </dsp:spPr>
-      <dsp:style>
-        <a:lnRef idx="3">
-          <a:scrgbClr r="0" g="0" b="0"/>
-        </a:lnRef>
-        <a:fillRef idx="1">
-          <a:scrgbClr r="0" g="0" b="0"/>
-        </a:fillRef>
-        <a:effectRef idx="1">
-          <a:scrgbClr r="0" g="0" b="0"/>
-        </a:effectRef>
-        <a:fontRef idx="minor">
-          <a:schemeClr val="lt1"/>
-        </a:fontRef>
-      </dsp:style>
-    </dsp:sp>
-    <dsp:sp modelId="{6AAE9F35-3D05-44D8-8DBA-862DA1779A1D}">
-      <dsp:nvSpPr>
-        <dsp:cNvPr id="0" name=""/>
-        <dsp:cNvSpPr/>
-      </dsp:nvSpPr>
-      <dsp:spPr>
-        <a:xfrm>
-          <a:off x="3196035" y="2995532"/>
-          <a:ext cx="4072772" cy="2765107"/>
-        </a:xfrm>
-        <a:prstGeom prst="rect">
-          <a:avLst/>
-        </a:prstGeom>
-        <a:noFill/>
-        <a:ln>
-          <a:noFill/>
-        </a:ln>
-        <a:effectLst/>
-      </dsp:spPr>
-      <dsp:style>
-        <a:lnRef idx="0">
-          <a:scrgbClr r="0" g="0" b="0"/>
-        </a:lnRef>
-        <a:fillRef idx="0">
-          <a:scrgbClr r="0" g="0" b="0"/>
-        </a:fillRef>
-        <a:effectRef idx="0">
-          <a:scrgbClr r="0" g="0" b="0"/>
-        </a:effectRef>
-        <a:fontRef idx="minor"/>
-      </dsp:style>
-      <dsp:txBody>
-        <a:bodyPr spcFirstLastPara="0" vert="horz" wrap="square" lIns="113792" tIns="0" rIns="113792" bIns="113792" numCol="1" spcCol="1270" anchor="ctr" anchorCtr="0">
-          <a:noAutofit/>
-        </a:bodyPr>
-        <a:lstStyle/>
-        <a:p>
-          <a:pPr lvl="0" algn="ctr" defTabSz="711200" rtl="0">
-            <a:lnSpc>
-              <a:spcPct val="90000"/>
-            </a:lnSpc>
-            <a:spcBef>
-              <a:spcPct val="0"/>
-            </a:spcBef>
-            <a:spcAft>
-              <a:spcPct val="35000"/>
-            </a:spcAft>
-          </a:pPr>
-          <a:r>
-            <a:rPr lang="en-US" sz="1600" b="1" kern="1200" smtClean="0">
-              <a:latin typeface="Arial" pitchFamily="34" charset="0"/>
-              <a:cs typeface="Arial" pitchFamily="34" charset="0"/>
-            </a:rPr>
-            <a:t>Disadvantages</a:t>
-          </a:r>
-          <a:endParaRPr lang="vi-VN" sz="1600" b="1" kern="1200">
-            <a:latin typeface="Arial" pitchFamily="34" charset="0"/>
-            <a:cs typeface="Arial" pitchFamily="34" charset="0"/>
-          </a:endParaRPr>
-        </a:p>
-        <a:p>
-          <a:pPr marL="114300" lvl="1" indent="-114300" algn="l" defTabSz="622300" rtl="0">
-            <a:lnSpc>
-              <a:spcPct val="90000"/>
-            </a:lnSpc>
-            <a:spcBef>
-              <a:spcPct val="0"/>
-            </a:spcBef>
-            <a:spcAft>
-              <a:spcPct val="15000"/>
-            </a:spcAft>
-            <a:buChar char="••"/>
-          </a:pPr>
-          <a:r>
-            <a:rPr lang="en-US" sz="1400" b="0" i="1" kern="1200" smtClean="0">
-              <a:latin typeface="Arial" pitchFamily="34" charset="0"/>
-              <a:cs typeface="Arial" pitchFamily="34" charset="0"/>
-            </a:rPr>
-            <a:t>In some cases, this solution does not work really exactly with the hands have weird characterize.</a:t>
-          </a:r>
-          <a:endParaRPr lang="vi-VN" sz="1400" b="0" kern="1200">
-            <a:latin typeface="Arial" pitchFamily="34" charset="0"/>
-            <a:cs typeface="Arial" pitchFamily="34" charset="0"/>
-          </a:endParaRPr>
-        </a:p>
-        <a:p>
-          <a:pPr marL="114300" lvl="1" indent="-114300" algn="l" defTabSz="622300" rtl="0">
-            <a:lnSpc>
-              <a:spcPct val="90000"/>
-            </a:lnSpc>
-            <a:spcBef>
-              <a:spcPct val="0"/>
-            </a:spcBef>
-            <a:spcAft>
-              <a:spcPct val="15000"/>
-            </a:spcAft>
-            <a:buChar char="••"/>
-          </a:pPr>
-          <a:r>
-            <a:rPr lang="en-US" sz="1400" b="0" i="1" kern="1200" smtClean="0">
-              <a:latin typeface="Arial" pitchFamily="34" charset="0"/>
-              <a:cs typeface="Arial" pitchFamily="34" charset="0"/>
-            </a:rPr>
-            <a:t>This solution needs stable environment (light, background) and some accessories.</a:t>
-          </a:r>
-          <a:endParaRPr lang="vi-VN" sz="1400" b="0" kern="1200">
-            <a:latin typeface="Arial" pitchFamily="34" charset="0"/>
-            <a:cs typeface="Arial" pitchFamily="34" charset="0"/>
-          </a:endParaRPr>
-        </a:p>
-        <a:p>
-          <a:pPr marL="114300" lvl="1" indent="-114300" algn="l" defTabSz="622300" rtl="0">
-            <a:lnSpc>
-              <a:spcPct val="90000"/>
-            </a:lnSpc>
-            <a:spcBef>
-              <a:spcPct val="0"/>
-            </a:spcBef>
-            <a:spcAft>
-              <a:spcPct val="15000"/>
-            </a:spcAft>
-            <a:buChar char="••"/>
-          </a:pPr>
-          <a:r>
-            <a:rPr lang="en-US" sz="1400" b="0" i="1" kern="1200" smtClean="0">
-              <a:latin typeface="Arial" pitchFamily="34" charset="0"/>
-              <a:cs typeface="Arial" pitchFamily="34" charset="0"/>
-            </a:rPr>
-            <a:t>This solution can not solve the problem  about hand motion language.</a:t>
-          </a:r>
-          <a:endParaRPr lang="vi-VN" sz="1400" b="0" kern="1200">
-            <a:latin typeface="Arial" pitchFamily="34" charset="0"/>
-            <a:cs typeface="Arial" pitchFamily="34" charset="0"/>
-          </a:endParaRPr>
-        </a:p>
-      </dsp:txBody>
-      <dsp:txXfrm>
-        <a:off x="3196035" y="2995532"/>
-        <a:ext cx="4072772" cy="2765107"/>
-      </dsp:txXfrm>
-    </dsp:sp>
   </dsp:spTree>
 </dsp:drawing>
 </file>
@@ -11519,453 +10042,6 @@
       <dsp:cNvGrpSpPr/>
     </dsp:nvGrpSpPr>
     <dsp:grpSpPr/>
-    <dsp:sp modelId="{6229164B-E826-450D-8048-DA64362AC935}">
-      <dsp:nvSpPr>
-        <dsp:cNvPr id="0" name=""/>
-        <dsp:cNvSpPr/>
-      </dsp:nvSpPr>
-      <dsp:spPr>
-        <a:xfrm>
-          <a:off x="2642456" y="66"/>
-          <a:ext cx="3633525" cy="1643385"/>
-        </a:xfrm>
-        <a:prstGeom prst="rect">
-          <a:avLst/>
-        </a:prstGeom>
-        <a:solidFill>
-          <a:schemeClr val="accent2">
-            <a:hueOff val="0"/>
-            <a:satOff val="0"/>
-            <a:lumOff val="0"/>
-            <a:alphaOff val="0"/>
-          </a:schemeClr>
-        </a:solidFill>
-        <a:ln w="38100" cap="flat" cmpd="sng" algn="ctr">
-          <a:solidFill>
-            <a:schemeClr val="lt1">
-              <a:hueOff val="0"/>
-              <a:satOff val="0"/>
-              <a:lumOff val="0"/>
-              <a:alphaOff val="0"/>
-            </a:schemeClr>
-          </a:solidFill>
-          <a:prstDash val="solid"/>
-        </a:ln>
-        <a:effectLst>
-          <a:outerShdw blurRad="40000" dist="20000" dir="5400000" rotWithShape="0">
-            <a:srgbClr val="000000">
-              <a:alpha val="38000"/>
-            </a:srgbClr>
-          </a:outerShdw>
-        </a:effectLst>
-      </dsp:spPr>
-      <dsp:style>
-        <a:lnRef idx="3">
-          <a:scrgbClr r="0" g="0" b="0"/>
-        </a:lnRef>
-        <a:fillRef idx="1">
-          <a:scrgbClr r="0" g="0" b="0"/>
-        </a:fillRef>
-        <a:effectRef idx="1">
-          <a:scrgbClr r="0" g="0" b="0"/>
-        </a:effectRef>
-        <a:fontRef idx="minor">
-          <a:schemeClr val="lt1"/>
-        </a:fontRef>
-      </dsp:style>
-      <dsp:txBody>
-        <a:bodyPr spcFirstLastPara="0" vert="horz" wrap="square" lIns="68580" tIns="68580" rIns="68580" bIns="68580" numCol="1" spcCol="1270" anchor="ctr" anchorCtr="0">
-          <a:noAutofit/>
-        </a:bodyPr>
-        <a:lstStyle/>
-        <a:p>
-          <a:pPr lvl="0" algn="ctr" defTabSz="800100" rtl="0">
-            <a:lnSpc>
-              <a:spcPct val="90000"/>
-            </a:lnSpc>
-            <a:spcBef>
-              <a:spcPct val="0"/>
-            </a:spcBef>
-            <a:spcAft>
-              <a:spcPct val="35000"/>
-            </a:spcAft>
-          </a:pPr>
-          <a:r>
-            <a:rPr lang="en-US" sz="1800" b="1" kern="1200" smtClean="0">
-              <a:latin typeface="Arial" pitchFamily="34" charset="0"/>
-              <a:cs typeface="Arial" pitchFamily="34" charset="0"/>
-            </a:rPr>
-            <a:t>Recognize hand signs with motion</a:t>
-          </a:r>
-          <a:endParaRPr lang="vi-VN" sz="1800" b="1" kern="1200">
-            <a:latin typeface="Arial" pitchFamily="34" charset="0"/>
-            <a:cs typeface="Arial" pitchFamily="34" charset="0"/>
-          </a:endParaRPr>
-        </a:p>
-      </dsp:txBody>
-      <dsp:txXfrm>
-        <a:off x="2642456" y="66"/>
-        <a:ext cx="3633525" cy="1643385"/>
-      </dsp:txXfrm>
-    </dsp:sp>
-    <dsp:sp modelId="{E0F25A1B-287E-4725-80E8-58749ED934F5}">
-      <dsp:nvSpPr>
-        <dsp:cNvPr id="0" name=""/>
-        <dsp:cNvSpPr/>
-      </dsp:nvSpPr>
-      <dsp:spPr>
-        <a:xfrm>
-          <a:off x="852809" y="66"/>
-          <a:ext cx="1626951" cy="1643385"/>
-        </a:xfrm>
-        <a:prstGeom prst="rect">
-          <a:avLst/>
-        </a:prstGeom>
-        <a:blipFill>
-          <a:blip xmlns:r="http://schemas.openxmlformats.org/officeDocument/2006/relationships" r:embed="rId1">
-            <a:extLst>
-              <a:ext uri="{28A0092B-C50C-407E-A947-70E740481C1C}">
-                <a14:useLocalDpi xmlns:a14="http://schemas.microsoft.com/office/drawing/2010/main" val="0"/>
-              </a:ext>
-            </a:extLst>
-          </a:blip>
-          <a:srcRect/>
-          <a:stretch>
-            <a:fillRect l="-1000" r="-1000"/>
-          </a:stretch>
-        </a:blipFill>
-        <a:ln w="38100" cap="flat" cmpd="sng" algn="ctr">
-          <a:solidFill>
-            <a:schemeClr val="lt1">
-              <a:hueOff val="0"/>
-              <a:satOff val="0"/>
-              <a:lumOff val="0"/>
-              <a:alphaOff val="0"/>
-            </a:schemeClr>
-          </a:solidFill>
-          <a:prstDash val="solid"/>
-        </a:ln>
-        <a:effectLst>
-          <a:outerShdw blurRad="40000" dist="20000" dir="5400000" rotWithShape="0">
-            <a:srgbClr val="000000">
-              <a:alpha val="38000"/>
-            </a:srgbClr>
-          </a:outerShdw>
-        </a:effectLst>
-      </dsp:spPr>
-      <dsp:style>
-        <a:lnRef idx="3">
-          <a:scrgbClr r="0" g="0" b="0"/>
-        </a:lnRef>
-        <a:fillRef idx="1">
-          <a:scrgbClr r="0" g="0" b="0"/>
-        </a:fillRef>
-        <a:effectRef idx="1">
-          <a:scrgbClr r="0" g="0" b="0"/>
-        </a:effectRef>
-        <a:fontRef idx="minor">
-          <a:schemeClr val="lt1"/>
-        </a:fontRef>
-      </dsp:style>
-    </dsp:sp>
-    <dsp:sp modelId="{9902153C-5E39-408D-98C4-230B0B224EF6}">
-      <dsp:nvSpPr>
-        <dsp:cNvPr id="0" name=""/>
-        <dsp:cNvSpPr/>
-      </dsp:nvSpPr>
-      <dsp:spPr>
-        <a:xfrm>
-          <a:off x="852809" y="1914611"/>
-          <a:ext cx="3633525" cy="1643385"/>
-        </a:xfrm>
-        <a:prstGeom prst="rect">
-          <a:avLst/>
-        </a:prstGeom>
-        <a:solidFill>
-          <a:schemeClr val="accent2">
-            <a:hueOff val="0"/>
-            <a:satOff val="0"/>
-            <a:lumOff val="0"/>
-            <a:alphaOff val="0"/>
-          </a:schemeClr>
-        </a:solidFill>
-        <a:ln w="38100" cap="flat" cmpd="sng" algn="ctr">
-          <a:solidFill>
-            <a:schemeClr val="lt1">
-              <a:hueOff val="0"/>
-              <a:satOff val="0"/>
-              <a:lumOff val="0"/>
-              <a:alphaOff val="0"/>
-            </a:schemeClr>
-          </a:solidFill>
-          <a:prstDash val="solid"/>
-        </a:ln>
-        <a:effectLst>
-          <a:outerShdw blurRad="40000" dist="20000" dir="5400000" rotWithShape="0">
-            <a:srgbClr val="000000">
-              <a:alpha val="38000"/>
-            </a:srgbClr>
-          </a:outerShdw>
-        </a:effectLst>
-      </dsp:spPr>
-      <dsp:style>
-        <a:lnRef idx="3">
-          <a:scrgbClr r="0" g="0" b="0"/>
-        </a:lnRef>
-        <a:fillRef idx="1">
-          <a:scrgbClr r="0" g="0" b="0"/>
-        </a:fillRef>
-        <a:effectRef idx="1">
-          <a:scrgbClr r="0" g="0" b="0"/>
-        </a:effectRef>
-        <a:fontRef idx="minor">
-          <a:schemeClr val="lt1"/>
-        </a:fontRef>
-      </dsp:style>
-      <dsp:txBody>
-        <a:bodyPr spcFirstLastPara="0" vert="horz" wrap="square" lIns="68580" tIns="68580" rIns="68580" bIns="68580" numCol="1" spcCol="1270" anchor="ctr" anchorCtr="0">
-          <a:noAutofit/>
-        </a:bodyPr>
-        <a:lstStyle/>
-        <a:p>
-          <a:pPr lvl="0" algn="ctr" defTabSz="800100" rtl="0">
-            <a:lnSpc>
-              <a:spcPct val="90000"/>
-            </a:lnSpc>
-            <a:spcBef>
-              <a:spcPct val="0"/>
-            </a:spcBef>
-            <a:spcAft>
-              <a:spcPct val="35000"/>
-            </a:spcAft>
-          </a:pPr>
-          <a:r>
-            <a:rPr lang="en-US" sz="1800" b="1" kern="1200" smtClean="0">
-              <a:latin typeface="Arial" pitchFamily="34" charset="0"/>
-              <a:cs typeface="Arial" pitchFamily="34" charset="0"/>
-            </a:rPr>
-            <a:t>Manage hand sign language database</a:t>
-          </a:r>
-          <a:endParaRPr lang="vi-VN" sz="1800" b="1" kern="1200">
-            <a:latin typeface="Arial" pitchFamily="34" charset="0"/>
-            <a:cs typeface="Arial" pitchFamily="34" charset="0"/>
-          </a:endParaRPr>
-        </a:p>
-      </dsp:txBody>
-      <dsp:txXfrm>
-        <a:off x="852809" y="1914611"/>
-        <a:ext cx="3633525" cy="1643385"/>
-      </dsp:txXfrm>
-    </dsp:sp>
-    <dsp:sp modelId="{E65210A1-A978-4EA1-BDD4-1800C5ECA1F0}">
-      <dsp:nvSpPr>
-        <dsp:cNvPr id="0" name=""/>
-        <dsp:cNvSpPr/>
-      </dsp:nvSpPr>
-      <dsp:spPr>
-        <a:xfrm>
-          <a:off x="4649030" y="1914611"/>
-          <a:ext cx="1626951" cy="1643385"/>
-        </a:xfrm>
-        <a:prstGeom prst="rect">
-          <a:avLst/>
-        </a:prstGeom>
-        <a:blipFill>
-          <a:blip xmlns:r="http://schemas.openxmlformats.org/officeDocument/2006/relationships" r:embed="rId2">
-            <a:extLst>
-              <a:ext uri="{28A0092B-C50C-407E-A947-70E740481C1C}">
-                <a14:useLocalDpi xmlns:a14="http://schemas.microsoft.com/office/drawing/2010/main" val="0"/>
-              </a:ext>
-            </a:extLst>
-          </a:blip>
-          <a:srcRect/>
-          <a:stretch>
-            <a:fillRect l="-1000" r="-1000"/>
-          </a:stretch>
-        </a:blipFill>
-        <a:ln w="38100" cap="flat" cmpd="sng" algn="ctr">
-          <a:solidFill>
-            <a:schemeClr val="lt1">
-              <a:hueOff val="0"/>
-              <a:satOff val="0"/>
-              <a:lumOff val="0"/>
-              <a:alphaOff val="0"/>
-            </a:schemeClr>
-          </a:solidFill>
-          <a:prstDash val="solid"/>
-        </a:ln>
-        <a:effectLst>
-          <a:outerShdw blurRad="40000" dist="20000" dir="5400000" rotWithShape="0">
-            <a:srgbClr val="000000">
-              <a:alpha val="38000"/>
-            </a:srgbClr>
-          </a:outerShdw>
-        </a:effectLst>
-      </dsp:spPr>
-      <dsp:style>
-        <a:lnRef idx="3">
-          <a:scrgbClr r="0" g="0" b="0"/>
-        </a:lnRef>
-        <a:fillRef idx="1">
-          <a:scrgbClr r="0" g="0" b="0"/>
-        </a:fillRef>
-        <a:effectRef idx="1">
-          <a:scrgbClr r="0" g="0" b="0"/>
-        </a:effectRef>
-        <a:fontRef idx="minor">
-          <a:schemeClr val="lt1"/>
-        </a:fontRef>
-      </dsp:style>
-    </dsp:sp>
-    <dsp:sp modelId="{90749DDC-E108-4A5D-8B95-94B8B9FB5FEF}">
-      <dsp:nvSpPr>
-        <dsp:cNvPr id="0" name=""/>
-        <dsp:cNvSpPr/>
-      </dsp:nvSpPr>
-      <dsp:spPr>
-        <a:xfrm>
-          <a:off x="2642456" y="3829155"/>
-          <a:ext cx="3633525" cy="1643385"/>
-        </a:xfrm>
-        <a:prstGeom prst="rect">
-          <a:avLst/>
-        </a:prstGeom>
-        <a:solidFill>
-          <a:schemeClr val="accent2">
-            <a:hueOff val="0"/>
-            <a:satOff val="0"/>
-            <a:lumOff val="0"/>
-            <a:alphaOff val="0"/>
-          </a:schemeClr>
-        </a:solidFill>
-        <a:ln w="38100" cap="flat" cmpd="sng" algn="ctr">
-          <a:solidFill>
-            <a:schemeClr val="lt1">
-              <a:hueOff val="0"/>
-              <a:satOff val="0"/>
-              <a:lumOff val="0"/>
-              <a:alphaOff val="0"/>
-            </a:schemeClr>
-          </a:solidFill>
-          <a:prstDash val="solid"/>
-        </a:ln>
-        <a:effectLst>
-          <a:outerShdw blurRad="40000" dist="20000" dir="5400000" rotWithShape="0">
-            <a:srgbClr val="000000">
-              <a:alpha val="38000"/>
-            </a:srgbClr>
-          </a:outerShdw>
-        </a:effectLst>
-      </dsp:spPr>
-      <dsp:style>
-        <a:lnRef idx="3">
-          <a:scrgbClr r="0" g="0" b="0"/>
-        </a:lnRef>
-        <a:fillRef idx="1">
-          <a:scrgbClr r="0" g="0" b="0"/>
-        </a:fillRef>
-        <a:effectRef idx="1">
-          <a:scrgbClr r="0" g="0" b="0"/>
-        </a:effectRef>
-        <a:fontRef idx="minor">
-          <a:schemeClr val="lt1"/>
-        </a:fontRef>
-      </dsp:style>
-      <dsp:txBody>
-        <a:bodyPr spcFirstLastPara="0" vert="horz" wrap="square" lIns="68580" tIns="68580" rIns="68580" bIns="68580" numCol="1" spcCol="1270" anchor="ctr" anchorCtr="0">
-          <a:noAutofit/>
-        </a:bodyPr>
-        <a:lstStyle/>
-        <a:p>
-          <a:pPr lvl="0" algn="ctr" defTabSz="800100" rtl="0">
-            <a:lnSpc>
-              <a:spcPct val="90000"/>
-            </a:lnSpc>
-            <a:spcBef>
-              <a:spcPct val="0"/>
-            </a:spcBef>
-            <a:spcAft>
-              <a:spcPct val="35000"/>
-            </a:spcAft>
-          </a:pPr>
-          <a:r>
-            <a:rPr lang="en-US" sz="1800" b="1" kern="1200" smtClean="0">
-              <a:latin typeface="Arial" pitchFamily="34" charset="0"/>
-              <a:cs typeface="Arial" pitchFamily="34" charset="0"/>
-            </a:rPr>
-            <a:t>Improve the efficiency of the recognition of many different environments</a:t>
-          </a:r>
-          <a:endParaRPr lang="vi-VN" sz="1800" b="1" kern="1200">
-            <a:latin typeface="Arial" pitchFamily="34" charset="0"/>
-            <a:cs typeface="Arial" pitchFamily="34" charset="0"/>
-          </a:endParaRPr>
-        </a:p>
-      </dsp:txBody>
-      <dsp:txXfrm>
-        <a:off x="2642456" y="3829155"/>
-        <a:ext cx="3633525" cy="1643385"/>
-      </dsp:txXfrm>
-    </dsp:sp>
-    <dsp:sp modelId="{2E923156-698B-4ABA-B091-B27414815C79}">
-      <dsp:nvSpPr>
-        <dsp:cNvPr id="0" name=""/>
-        <dsp:cNvSpPr/>
-      </dsp:nvSpPr>
-      <dsp:spPr>
-        <a:xfrm>
-          <a:off x="852809" y="3829155"/>
-          <a:ext cx="1626951" cy="1643385"/>
-        </a:xfrm>
-        <a:prstGeom prst="rect">
-          <a:avLst/>
-        </a:prstGeom>
-        <a:blipFill>
-          <a:blip xmlns:r="http://schemas.openxmlformats.org/officeDocument/2006/relationships" r:embed="rId3">
-            <a:extLst>
-              <a:ext uri="{28A0092B-C50C-407E-A947-70E740481C1C}">
-                <a14:useLocalDpi xmlns:a14="http://schemas.microsoft.com/office/drawing/2010/main" val="0"/>
-              </a:ext>
-            </a:extLst>
-          </a:blip>
-          <a:srcRect/>
-          <a:stretch>
-            <a:fillRect l="-1000" r="-1000"/>
-          </a:stretch>
-        </a:blipFill>
-        <a:ln w="38100" cap="flat" cmpd="sng" algn="ctr">
-          <a:solidFill>
-            <a:schemeClr val="lt1">
-              <a:hueOff val="0"/>
-              <a:satOff val="0"/>
-              <a:lumOff val="0"/>
-              <a:alphaOff val="0"/>
-            </a:schemeClr>
-          </a:solidFill>
-          <a:prstDash val="solid"/>
-        </a:ln>
-        <a:effectLst>
-          <a:outerShdw blurRad="40000" dist="20000" dir="5400000" rotWithShape="0">
-            <a:srgbClr val="000000">
-              <a:alpha val="38000"/>
-            </a:srgbClr>
-          </a:outerShdw>
-        </a:effectLst>
-      </dsp:spPr>
-      <dsp:style>
-        <a:lnRef idx="3">
-          <a:scrgbClr r="0" g="0" b="0"/>
-        </a:lnRef>
-        <a:fillRef idx="1">
-          <a:scrgbClr r="0" g="0" b="0"/>
-        </a:fillRef>
-        <a:effectRef idx="1">
-          <a:scrgbClr r="0" g="0" b="0"/>
-        </a:effectRef>
-        <a:fontRef idx="minor">
-          <a:schemeClr val="lt1"/>
-        </a:fontRef>
-      </dsp:style>
-    </dsp:sp>
   </dsp:spTree>
 </dsp:drawing>
 </file>
@@ -27178,7 +25254,6 @@
               <a:rPr lang="vi-VN" sz="1200" b="1" i="1" smtClean="0"/>
               <a:t>2200mAh</a:t>
             </a:r>
-            <a:endParaRPr lang="vi-VN" sz="1200" b="1" i="1" smtClean="0"/>
           </a:p>
           <a:p>
             <a:pPr marL="171450" indent="-171450">
@@ -27234,7 +25309,6 @@
               <a:rPr lang="vi-VN" sz="1200" b="1" i="1" smtClean="0"/>
               <a:t>30C</a:t>
             </a:r>
-            <a:endParaRPr lang="vi-VN" sz="1200" b="1" i="1" smtClean="0"/>
           </a:p>
         </p:txBody>
       </p:sp>
@@ -27393,10 +25467,6 @@
               </a:rPr>
               <a:t>On-board screw-terminals are available for easy connection.</a:t>
             </a:r>
-            <a:endParaRPr lang="en-US" sz="1200" b="1" i="1">
-              <a:latin typeface="Arial" pitchFamily="34" charset="0"/>
-              <a:cs typeface="Arial" pitchFamily="34" charset="0"/>
-            </a:endParaRPr>
           </a:p>
         </p:txBody>
       </p:sp>
@@ -42502,14 +40572,7 @@
                 <a:latin typeface="Arial" pitchFamily="34" charset="0"/>
                 <a:cs typeface="Arial" pitchFamily="34" charset="0"/>
               </a:rPr>
-              <a:t>You are not able to get hand </a:t>
-            </a:r>
-            <a:r>
-              <a:rPr lang="en-US" sz="1050" b="1">
-                <a:latin typeface="Arial" pitchFamily="34" charset="0"/>
-                <a:cs typeface="Arial" pitchFamily="34" charset="0"/>
-              </a:rPr>
-              <a:t>sign </a:t>
+              <a:t>You are not able to get hand sign </a:t>
             </a:r>
             <a:r>
               <a:rPr lang="en-US" sz="1050" b="1" smtClean="0">
@@ -44822,14 +42885,7 @@
                 <a:latin typeface="Arial" pitchFamily="34" charset="0"/>
                 <a:cs typeface="Arial" pitchFamily="34" charset="0"/>
               </a:rPr>
-              <a:t>7 </a:t>
-            </a:r>
-            <a:r>
-              <a:rPr lang="en-US" sz="1400" b="1">
-                <a:latin typeface="Arial" pitchFamily="34" charset="0"/>
-                <a:cs typeface="Arial" pitchFamily="34" charset="0"/>
-              </a:rPr>
-              <a:t>Inch </a:t>
+              <a:t>7 Inch </a:t>
             </a:r>
             <a:r>
               <a:rPr lang="en-US" sz="1400" b="1" smtClean="0">
@@ -45117,9 +43173,459 @@
   <p:timing>
     <p:tnLst>
       <p:par>
-        <p:cTn id="1" dur="indefinite" restart="never" nodeType="tmRoot"/>
+        <p:cTn id="1" dur="indefinite" restart="never" nodeType="tmRoot">
+          <p:childTnLst>
+            <p:seq concurrent="1" nextAc="seek">
+              <p:cTn id="2" dur="indefinite" nodeType="mainSeq">
+                <p:childTnLst>
+                  <p:par>
+                    <p:cTn id="3" fill="hold">
+                      <p:stCondLst>
+                        <p:cond delay="indefinite"/>
+                      </p:stCondLst>
+                      <p:childTnLst>
+                        <p:par>
+                          <p:cTn id="4" fill="hold">
+                            <p:stCondLst>
+                              <p:cond delay="0"/>
+                            </p:stCondLst>
+                            <p:childTnLst>
+                              <p:par>
+                                <p:cTn id="5" presetID="10" presetClass="entr" presetSubtype="0" fill="hold" nodeType="clickEffect">
+                                  <p:stCondLst>
+                                    <p:cond delay="0"/>
+                                  </p:stCondLst>
+                                  <p:childTnLst>
+                                    <p:set>
+                                      <p:cBhvr>
+                                        <p:cTn id="6" dur="1" fill="hold">
+                                          <p:stCondLst>
+                                            <p:cond delay="0"/>
+                                          </p:stCondLst>
+                                        </p:cTn>
+                                        <p:tgtEl>
+                                          <p:spTgt spid="5122"/>
+                                        </p:tgtEl>
+                                        <p:attrNameLst>
+                                          <p:attrName>style.visibility</p:attrName>
+                                        </p:attrNameLst>
+                                      </p:cBhvr>
+                                      <p:to>
+                                        <p:strVal val="visible"/>
+                                      </p:to>
+                                    </p:set>
+                                    <p:animEffect transition="in" filter="fade">
+                                      <p:cBhvr>
+                                        <p:cTn id="7" dur="500"/>
+                                        <p:tgtEl>
+                                          <p:spTgt spid="5122"/>
+                                        </p:tgtEl>
+                                      </p:cBhvr>
+                                    </p:animEffect>
+                                  </p:childTnLst>
+                                </p:cTn>
+                              </p:par>
+                            </p:childTnLst>
+                          </p:cTn>
+                        </p:par>
+                      </p:childTnLst>
+                    </p:cTn>
+                  </p:par>
+                  <p:par>
+                    <p:cTn id="8" fill="hold">
+                      <p:stCondLst>
+                        <p:cond delay="indefinite"/>
+                      </p:stCondLst>
+                      <p:childTnLst>
+                        <p:par>
+                          <p:cTn id="9" fill="hold">
+                            <p:stCondLst>
+                              <p:cond delay="0"/>
+                            </p:stCondLst>
+                            <p:childTnLst>
+                              <p:par>
+                                <p:cTn id="10" presetID="10" presetClass="entr" presetSubtype="0" fill="hold" nodeType="clickEffect">
+                                  <p:stCondLst>
+                                    <p:cond delay="0"/>
+                                  </p:stCondLst>
+                                  <p:childTnLst>
+                                    <p:set>
+                                      <p:cBhvr>
+                                        <p:cTn id="11" dur="1" fill="hold">
+                                          <p:stCondLst>
+                                            <p:cond delay="0"/>
+                                          </p:stCondLst>
+                                        </p:cTn>
+                                        <p:tgtEl>
+                                          <p:spTgt spid="8"/>
+                                        </p:tgtEl>
+                                        <p:attrNameLst>
+                                          <p:attrName>style.visibility</p:attrName>
+                                        </p:attrNameLst>
+                                      </p:cBhvr>
+                                      <p:to>
+                                        <p:strVal val="visible"/>
+                                      </p:to>
+                                    </p:set>
+                                    <p:animEffect transition="in" filter="fade">
+                                      <p:cBhvr>
+                                        <p:cTn id="12" dur="500"/>
+                                        <p:tgtEl>
+                                          <p:spTgt spid="8"/>
+                                        </p:tgtEl>
+                                      </p:cBhvr>
+                                    </p:animEffect>
+                                  </p:childTnLst>
+                                </p:cTn>
+                              </p:par>
+                              <p:par>
+                                <p:cTn id="13" presetID="10" presetClass="entr" presetSubtype="0" fill="hold" grpId="0" nodeType="withEffect">
+                                  <p:stCondLst>
+                                    <p:cond delay="0"/>
+                                  </p:stCondLst>
+                                  <p:childTnLst>
+                                    <p:set>
+                                      <p:cBhvr>
+                                        <p:cTn id="14" dur="1" fill="hold">
+                                          <p:stCondLst>
+                                            <p:cond delay="0"/>
+                                          </p:stCondLst>
+                                        </p:cTn>
+                                        <p:tgtEl>
+                                          <p:spTgt spid="3"/>
+                                        </p:tgtEl>
+                                        <p:attrNameLst>
+                                          <p:attrName>style.visibility</p:attrName>
+                                        </p:attrNameLst>
+                                      </p:cBhvr>
+                                      <p:to>
+                                        <p:strVal val="visible"/>
+                                      </p:to>
+                                    </p:set>
+                                    <p:animEffect transition="in" filter="fade">
+                                      <p:cBhvr>
+                                        <p:cTn id="15" dur="500"/>
+                                        <p:tgtEl>
+                                          <p:spTgt spid="3"/>
+                                        </p:tgtEl>
+                                      </p:cBhvr>
+                                    </p:animEffect>
+                                  </p:childTnLst>
+                                </p:cTn>
+                              </p:par>
+                              <p:par>
+                                <p:cTn id="16" presetID="10" presetClass="entr" presetSubtype="0" fill="hold" nodeType="withEffect">
+                                  <p:stCondLst>
+                                    <p:cond delay="0"/>
+                                  </p:stCondLst>
+                                  <p:childTnLst>
+                                    <p:set>
+                                      <p:cBhvr>
+                                        <p:cTn id="17" dur="1" fill="hold">
+                                          <p:stCondLst>
+                                            <p:cond delay="0"/>
+                                          </p:stCondLst>
+                                        </p:cTn>
+                                        <p:tgtEl>
+                                          <p:spTgt spid="5123"/>
+                                        </p:tgtEl>
+                                        <p:attrNameLst>
+                                          <p:attrName>style.visibility</p:attrName>
+                                        </p:attrNameLst>
+                                      </p:cBhvr>
+                                      <p:to>
+                                        <p:strVal val="visible"/>
+                                      </p:to>
+                                    </p:set>
+                                    <p:animEffect transition="in" filter="fade">
+                                      <p:cBhvr>
+                                        <p:cTn id="18" dur="500"/>
+                                        <p:tgtEl>
+                                          <p:spTgt spid="5123"/>
+                                        </p:tgtEl>
+                                      </p:cBhvr>
+                                    </p:animEffect>
+                                  </p:childTnLst>
+                                </p:cTn>
+                              </p:par>
+                            </p:childTnLst>
+                          </p:cTn>
+                        </p:par>
+                      </p:childTnLst>
+                    </p:cTn>
+                  </p:par>
+                  <p:par>
+                    <p:cTn id="19" fill="hold">
+                      <p:stCondLst>
+                        <p:cond delay="indefinite"/>
+                      </p:stCondLst>
+                      <p:childTnLst>
+                        <p:par>
+                          <p:cTn id="20" fill="hold">
+                            <p:stCondLst>
+                              <p:cond delay="0"/>
+                            </p:stCondLst>
+                            <p:childTnLst>
+                              <p:par>
+                                <p:cTn id="21" presetID="10" presetClass="entr" presetSubtype="0" fill="hold" nodeType="clickEffect">
+                                  <p:stCondLst>
+                                    <p:cond delay="0"/>
+                                  </p:stCondLst>
+                                  <p:childTnLst>
+                                    <p:set>
+                                      <p:cBhvr>
+                                        <p:cTn id="22" dur="1" fill="hold">
+                                          <p:stCondLst>
+                                            <p:cond delay="0"/>
+                                          </p:stCondLst>
+                                        </p:cTn>
+                                        <p:tgtEl>
+                                          <p:spTgt spid="10"/>
+                                        </p:tgtEl>
+                                        <p:attrNameLst>
+                                          <p:attrName>style.visibility</p:attrName>
+                                        </p:attrNameLst>
+                                      </p:cBhvr>
+                                      <p:to>
+                                        <p:strVal val="visible"/>
+                                      </p:to>
+                                    </p:set>
+                                    <p:animEffect transition="in" filter="fade">
+                                      <p:cBhvr>
+                                        <p:cTn id="23" dur="500"/>
+                                        <p:tgtEl>
+                                          <p:spTgt spid="10"/>
+                                        </p:tgtEl>
+                                      </p:cBhvr>
+                                    </p:animEffect>
+                                  </p:childTnLst>
+                                </p:cTn>
+                              </p:par>
+                              <p:par>
+                                <p:cTn id="24" presetID="10" presetClass="entr" presetSubtype="0" fill="hold" grpId="0" nodeType="withEffect">
+                                  <p:stCondLst>
+                                    <p:cond delay="0"/>
+                                  </p:stCondLst>
+                                  <p:childTnLst>
+                                    <p:set>
+                                      <p:cBhvr>
+                                        <p:cTn id="25" dur="1" fill="hold">
+                                          <p:stCondLst>
+                                            <p:cond delay="0"/>
+                                          </p:stCondLst>
+                                        </p:cTn>
+                                        <p:tgtEl>
+                                          <p:spTgt spid="4"/>
+                                        </p:tgtEl>
+                                        <p:attrNameLst>
+                                          <p:attrName>style.visibility</p:attrName>
+                                        </p:attrNameLst>
+                                      </p:cBhvr>
+                                      <p:to>
+                                        <p:strVal val="visible"/>
+                                      </p:to>
+                                    </p:set>
+                                    <p:animEffect transition="in" filter="fade">
+                                      <p:cBhvr>
+                                        <p:cTn id="26" dur="500"/>
+                                        <p:tgtEl>
+                                          <p:spTgt spid="4"/>
+                                        </p:tgtEl>
+                                      </p:cBhvr>
+                                    </p:animEffect>
+                                  </p:childTnLst>
+                                </p:cTn>
+                              </p:par>
+                              <p:par>
+                                <p:cTn id="27" presetID="10" presetClass="entr" presetSubtype="0" fill="hold" nodeType="withEffect">
+                                  <p:stCondLst>
+                                    <p:cond delay="0"/>
+                                  </p:stCondLst>
+                                  <p:childTnLst>
+                                    <p:set>
+                                      <p:cBhvr>
+                                        <p:cTn id="28" dur="1" fill="hold">
+                                          <p:stCondLst>
+                                            <p:cond delay="0"/>
+                                          </p:stCondLst>
+                                        </p:cTn>
+                                        <p:tgtEl>
+                                          <p:spTgt spid="16"/>
+                                        </p:tgtEl>
+                                        <p:attrNameLst>
+                                          <p:attrName>style.visibility</p:attrName>
+                                        </p:attrNameLst>
+                                      </p:cBhvr>
+                                      <p:to>
+                                        <p:strVal val="visible"/>
+                                      </p:to>
+                                    </p:set>
+                                    <p:animEffect transition="in" filter="fade">
+                                      <p:cBhvr>
+                                        <p:cTn id="29" dur="500"/>
+                                        <p:tgtEl>
+                                          <p:spTgt spid="16"/>
+                                        </p:tgtEl>
+                                      </p:cBhvr>
+                                    </p:animEffect>
+                                  </p:childTnLst>
+                                </p:cTn>
+                              </p:par>
+                            </p:childTnLst>
+                          </p:cTn>
+                        </p:par>
+                      </p:childTnLst>
+                    </p:cTn>
+                  </p:par>
+                  <p:par>
+                    <p:cTn id="30" fill="hold">
+                      <p:stCondLst>
+                        <p:cond delay="indefinite"/>
+                      </p:stCondLst>
+                      <p:childTnLst>
+                        <p:par>
+                          <p:cTn id="31" fill="hold">
+                            <p:stCondLst>
+                              <p:cond delay="0"/>
+                            </p:stCondLst>
+                            <p:childTnLst>
+                              <p:par>
+                                <p:cTn id="32" presetID="10" presetClass="entr" presetSubtype="0" fill="hold" nodeType="clickEffect">
+                                  <p:stCondLst>
+                                    <p:cond delay="0"/>
+                                  </p:stCondLst>
+                                  <p:childTnLst>
+                                    <p:set>
+                                      <p:cBhvr>
+                                        <p:cTn id="33" dur="1" fill="hold">
+                                          <p:stCondLst>
+                                            <p:cond delay="0"/>
+                                          </p:stCondLst>
+                                        </p:cTn>
+                                        <p:tgtEl>
+                                          <p:spTgt spid="12"/>
+                                        </p:tgtEl>
+                                        <p:attrNameLst>
+                                          <p:attrName>style.visibility</p:attrName>
+                                        </p:attrNameLst>
+                                      </p:cBhvr>
+                                      <p:to>
+                                        <p:strVal val="visible"/>
+                                      </p:to>
+                                    </p:set>
+                                    <p:animEffect transition="in" filter="fade">
+                                      <p:cBhvr>
+                                        <p:cTn id="34" dur="500"/>
+                                        <p:tgtEl>
+                                          <p:spTgt spid="12"/>
+                                        </p:tgtEl>
+                                      </p:cBhvr>
+                                    </p:animEffect>
+                                  </p:childTnLst>
+                                </p:cTn>
+                              </p:par>
+                              <p:par>
+                                <p:cTn id="35" presetID="10" presetClass="entr" presetSubtype="0" fill="hold" grpId="0" nodeType="withEffect">
+                                  <p:stCondLst>
+                                    <p:cond delay="0"/>
+                                  </p:stCondLst>
+                                  <p:childTnLst>
+                                    <p:set>
+                                      <p:cBhvr>
+                                        <p:cTn id="36" dur="1" fill="hold">
+                                          <p:stCondLst>
+                                            <p:cond delay="0"/>
+                                          </p:stCondLst>
+                                        </p:cTn>
+                                        <p:tgtEl>
+                                          <p:spTgt spid="6"/>
+                                        </p:tgtEl>
+                                        <p:attrNameLst>
+                                          <p:attrName>style.visibility</p:attrName>
+                                        </p:attrNameLst>
+                                      </p:cBhvr>
+                                      <p:to>
+                                        <p:strVal val="visible"/>
+                                      </p:to>
+                                    </p:set>
+                                    <p:animEffect transition="in" filter="fade">
+                                      <p:cBhvr>
+                                        <p:cTn id="37" dur="500"/>
+                                        <p:tgtEl>
+                                          <p:spTgt spid="6"/>
+                                        </p:tgtEl>
+                                      </p:cBhvr>
+                                    </p:animEffect>
+                                  </p:childTnLst>
+                                </p:cTn>
+                              </p:par>
+                              <p:par>
+                                <p:cTn id="38" presetID="10" presetClass="entr" presetSubtype="0" fill="hold" nodeType="withEffect">
+                                  <p:stCondLst>
+                                    <p:cond delay="0"/>
+                                  </p:stCondLst>
+                                  <p:childTnLst>
+                                    <p:set>
+                                      <p:cBhvr>
+                                        <p:cTn id="39" dur="1" fill="hold">
+                                          <p:stCondLst>
+                                            <p:cond delay="0"/>
+                                          </p:stCondLst>
+                                        </p:cTn>
+                                        <p:tgtEl>
+                                          <p:spTgt spid="5124"/>
+                                        </p:tgtEl>
+                                        <p:attrNameLst>
+                                          <p:attrName>style.visibility</p:attrName>
+                                        </p:attrNameLst>
+                                      </p:cBhvr>
+                                      <p:to>
+                                        <p:strVal val="visible"/>
+                                      </p:to>
+                                    </p:set>
+                                    <p:animEffect transition="in" filter="fade">
+                                      <p:cBhvr>
+                                        <p:cTn id="40" dur="500"/>
+                                        <p:tgtEl>
+                                          <p:spTgt spid="5124"/>
+                                        </p:tgtEl>
+                                      </p:cBhvr>
+                                    </p:animEffect>
+                                  </p:childTnLst>
+                                </p:cTn>
+                              </p:par>
+                            </p:childTnLst>
+                          </p:cTn>
+                        </p:par>
+                      </p:childTnLst>
+                    </p:cTn>
+                  </p:par>
+                </p:childTnLst>
+              </p:cTn>
+              <p:prevCondLst>
+                <p:cond evt="onPrev" delay="0">
+                  <p:tgtEl>
+                    <p:sldTgt/>
+                  </p:tgtEl>
+                </p:cond>
+              </p:prevCondLst>
+              <p:nextCondLst>
+                <p:cond evt="onNext" delay="0">
+                  <p:tgtEl>
+                    <p:sldTgt/>
+                  </p:tgtEl>
+                </p:cond>
+              </p:nextCondLst>
+            </p:seq>
+          </p:childTnLst>
+        </p:cTn>
       </p:par>
     </p:tnLst>
+    <p:bldLst>
+      <p:bldP spid="3" grpId="0"/>
+      <p:bldP spid="4" grpId="0"/>
+      <p:bldP spid="6" grpId="0"/>
+    </p:bldLst>
   </p:timing>
 </p:sld>
 </file>
